--- a/PHP/Веб-разработка с помощью PHP.pptx
+++ b/PHP/Веб-разработка с помощью PHP.pptx
@@ -11,9 +11,14 @@
     <p:sldId id="260" r:id="rId5"/>
     <p:sldId id="265" r:id="rId6"/>
     <p:sldId id="261" r:id="rId7"/>
-    <p:sldId id="262" r:id="rId8"/>
-    <p:sldId id="263" r:id="rId9"/>
-    <p:sldId id="264" r:id="rId10"/>
+    <p:sldId id="266" r:id="rId8"/>
+    <p:sldId id="268" r:id="rId9"/>
+    <p:sldId id="267" r:id="rId10"/>
+    <p:sldId id="262" r:id="rId11"/>
+    <p:sldId id="263" r:id="rId12"/>
+    <p:sldId id="264" r:id="rId13"/>
+    <p:sldId id="270" r:id="rId14"/>
+    <p:sldId id="269" r:id="rId15"/>
   </p:sldIdLst>
   <p:sldSz cx="12192000" cy="6858000"/>
   <p:notesSz cx="6858000" cy="9144000"/>
@@ -112,6 +117,11 @@
       </a:defRPr>
     </a:lvl9pPr>
   </p:defaultTextStyle>
+  <p:extLst>
+    <p:ext uri="{EFAFB233-063F-42B5-8137-9DF3F51BA10A}">
+      <p15:sldGuideLst xmlns:p15="http://schemas.microsoft.com/office/powerpoint/2012/main"/>
+    </p:ext>
+  </p:extLst>
 </p:presentation>
 </file>
 
@@ -4391,7 +4401,7 @@
           <a:p>
             <a:fld id="{48A87A34-81AB-432B-8DAE-1953F412C126}" type="datetimeFigureOut">
               <a:rPr lang="en-US" dirty="0"/>
-              <a:t>10/14/2021</a:t>
+              <a:t>10/20/2021</a:t>
             </a:fld>
             <a:endParaRPr lang="en-US" dirty="0"/>
           </a:p>
@@ -4653,7 +4663,7 @@
           <a:p>
             <a:fld id="{48A87A34-81AB-432B-8DAE-1953F412C126}" type="datetimeFigureOut">
               <a:rPr lang="en-US" dirty="0"/>
-              <a:t>10/14/2021</a:t>
+              <a:t>10/20/2021</a:t>
             </a:fld>
             <a:endParaRPr lang="en-US" dirty="0"/>
           </a:p>
@@ -4844,7 +4854,7 @@
           <a:p>
             <a:fld id="{48A87A34-81AB-432B-8DAE-1953F412C126}" type="datetimeFigureOut">
               <a:rPr lang="en-US" dirty="0"/>
-              <a:t>10/14/2021</a:t>
+              <a:t>10/20/2021</a:t>
             </a:fld>
             <a:endParaRPr lang="en-US" dirty="0"/>
           </a:p>
@@ -5102,7 +5112,7 @@
           <a:p>
             <a:fld id="{48A87A34-81AB-432B-8DAE-1953F412C126}" type="datetimeFigureOut">
               <a:rPr lang="en-US" dirty="0"/>
-              <a:t>10/14/2021</a:t>
+              <a:t>10/20/2021</a:t>
             </a:fld>
             <a:endParaRPr lang="en-US" dirty="0"/>
           </a:p>
@@ -5531,7 +5541,7 @@
           <a:p>
             <a:fld id="{48A87A34-81AB-432B-8DAE-1953F412C126}" type="datetimeFigureOut">
               <a:rPr lang="en-US" dirty="0"/>
-              <a:t>10/14/2021</a:t>
+              <a:t>10/20/2021</a:t>
             </a:fld>
             <a:endParaRPr lang="en-US" dirty="0"/>
           </a:p>
@@ -6072,7 +6082,7 @@
           <a:p>
             <a:fld id="{48A87A34-81AB-432B-8DAE-1953F412C126}" type="datetimeFigureOut">
               <a:rPr lang="en-US" dirty="0"/>
-              <a:t>10/14/2021</a:t>
+              <a:t>10/20/2021</a:t>
             </a:fld>
             <a:endParaRPr lang="en-US" dirty="0"/>
           </a:p>
@@ -6787,7 +6797,7 @@
           <a:p>
             <a:fld id="{48A87A34-81AB-432B-8DAE-1953F412C126}" type="datetimeFigureOut">
               <a:rPr lang="en-US" dirty="0"/>
-              <a:t>10/14/2021</a:t>
+              <a:t>10/20/2021</a:t>
             </a:fld>
             <a:endParaRPr lang="en-US" dirty="0"/>
           </a:p>
@@ -6952,7 +6962,7 @@
           <a:p>
             <a:fld id="{48A87A34-81AB-432B-8DAE-1953F412C126}" type="datetimeFigureOut">
               <a:rPr lang="en-US" dirty="0"/>
-              <a:t>10/14/2021</a:t>
+              <a:t>10/20/2021</a:t>
             </a:fld>
             <a:endParaRPr lang="en-US" dirty="0"/>
           </a:p>
@@ -7127,7 +7137,7 @@
           <a:p>
             <a:fld id="{48A87A34-81AB-432B-8DAE-1953F412C126}" type="datetimeFigureOut">
               <a:rPr lang="en-US" dirty="0"/>
-              <a:t>10/14/2021</a:t>
+              <a:t>10/20/2021</a:t>
             </a:fld>
             <a:endParaRPr lang="en-US" dirty="0"/>
           </a:p>
@@ -7252,7 +7262,7 @@
             <a:fld id="{48A87A34-81AB-432B-8DAE-1953F412C126}" type="datetimeFigureOut">
               <a:rPr lang="en-US" smtClean="0"/>
               <a:pPr/>
-              <a:t>10/14/2021</a:t>
+              <a:t>10/20/2021</a:t>
             </a:fld>
             <a:endParaRPr lang="en-US" dirty="0"/>
           </a:p>
@@ -7435,7 +7445,7 @@
           <a:p>
             <a:fld id="{48A87A34-81AB-432B-8DAE-1953F412C126}" type="datetimeFigureOut">
               <a:rPr lang="en-US" dirty="0"/>
-              <a:t>10/14/2021</a:t>
+              <a:t>10/20/2021</a:t>
             </a:fld>
             <a:endParaRPr lang="en-US" dirty="0"/>
           </a:p>
@@ -7680,7 +7690,7 @@
           <a:p>
             <a:fld id="{48A87A34-81AB-432B-8DAE-1953F412C126}" type="datetimeFigureOut">
               <a:rPr lang="en-US" dirty="0"/>
-              <a:t>10/14/2021</a:t>
+              <a:t>10/20/2021</a:t>
             </a:fld>
             <a:endParaRPr lang="en-US" dirty="0"/>
           </a:p>
@@ -7907,7 +7917,7 @@
           <a:p>
             <a:fld id="{48A87A34-81AB-432B-8DAE-1953F412C126}" type="datetimeFigureOut">
               <a:rPr lang="en-US" dirty="0"/>
-              <a:t>10/14/2021</a:t>
+              <a:t>10/20/2021</a:t>
             </a:fld>
             <a:endParaRPr lang="en-US" dirty="0"/>
           </a:p>
@@ -8283,7 +8293,7 @@
           <a:p>
             <a:fld id="{48A87A34-81AB-432B-8DAE-1953F412C126}" type="datetimeFigureOut">
               <a:rPr lang="en-US" dirty="0"/>
-              <a:t>10/14/2021</a:t>
+              <a:t>10/20/2021</a:t>
             </a:fld>
             <a:endParaRPr lang="en-US" dirty="0"/>
           </a:p>
@@ -8396,7 +8406,7 @@
           <a:p>
             <a:fld id="{48A87A34-81AB-432B-8DAE-1953F412C126}" type="datetimeFigureOut">
               <a:rPr lang="en-US" dirty="0"/>
-              <a:t>10/14/2021</a:t>
+              <a:t>10/20/2021</a:t>
             </a:fld>
             <a:endParaRPr lang="en-US" dirty="0"/>
           </a:p>
@@ -8486,7 +8496,7 @@
           <a:p>
             <a:fld id="{48A87A34-81AB-432B-8DAE-1953F412C126}" type="datetimeFigureOut">
               <a:rPr lang="en-US" dirty="0"/>
-              <a:t>10/14/2021</a:t>
+              <a:t>10/20/2021</a:t>
             </a:fld>
             <a:endParaRPr lang="en-US" dirty="0"/>
           </a:p>
@@ -8730,7 +8740,7 @@
           <a:p>
             <a:fld id="{48A87A34-81AB-432B-8DAE-1953F412C126}" type="datetimeFigureOut">
               <a:rPr lang="en-US" dirty="0"/>
-              <a:t>10/14/2021</a:t>
+              <a:t>10/20/2021</a:t>
             </a:fld>
             <a:endParaRPr lang="en-US" dirty="0"/>
           </a:p>
@@ -9005,7 +9015,7 @@
           <a:p>
             <a:fld id="{48A87A34-81AB-432B-8DAE-1953F412C126}" type="datetimeFigureOut">
               <a:rPr lang="en-US" dirty="0"/>
-              <a:t>10/14/2021</a:t>
+              <a:t>10/20/2021</a:t>
             </a:fld>
             <a:endParaRPr lang="en-US" dirty="0"/>
           </a:p>
@@ -12078,7 +12088,7 @@
             <a:fld id="{48A87A34-81AB-432B-8DAE-1953F412C126}" type="datetimeFigureOut">
               <a:rPr lang="en-US" dirty="0"/>
               <a:pPr/>
-              <a:t>10/14/2021</a:t>
+              <a:t>10/20/2021</a:t>
             </a:fld>
             <a:endParaRPr lang="en-US" dirty="0"/>
           </a:p>
@@ -12605,6 +12615,3544 @@
 </p:sld>
 </file>
 
+<file path=ppt/slides/slide10.xml><?xml version="1.0" encoding="utf-8"?>
+<p:sld xmlns:a="http://schemas.openxmlformats.org/drawingml/2006/main" xmlns:r="http://schemas.openxmlformats.org/officeDocument/2006/relationships" xmlns:p="http://schemas.openxmlformats.org/presentationml/2006/main">
+  <p:cSld>
+    <p:spTree>
+      <p:nvGrpSpPr>
+        <p:cNvPr id="1" name=""/>
+        <p:cNvGrpSpPr/>
+        <p:nvPr/>
+      </p:nvGrpSpPr>
+      <p:grpSpPr>
+        <a:xfrm>
+          <a:off x="0" y="0"/>
+          <a:ext cx="0" cy="0"/>
+          <a:chOff x="0" y="0"/>
+          <a:chExt cx="0" cy="0"/>
+        </a:xfrm>
+      </p:grpSpPr>
+      <p:sp>
+        <p:nvSpPr>
+          <p:cNvPr id="2" name="Заголовок 1">
+            <a:extLst>
+              <a:ext uri="{FF2B5EF4-FFF2-40B4-BE49-F238E27FC236}">
+                <a16:creationId xmlns:a16="http://schemas.microsoft.com/office/drawing/2014/main" id="{B10B97C0-EF9E-4D85-A6A6-9042D3593A80}"/>
+              </a:ext>
+            </a:extLst>
+          </p:cNvPr>
+          <p:cNvSpPr>
+            <a:spLocks noGrp="1"/>
+          </p:cNvSpPr>
+          <p:nvPr>
+            <p:ph type="title"/>
+          </p:nvPr>
+        </p:nvSpPr>
+        <p:spPr>
+          <a:xfrm>
+            <a:off x="2592708" y="0"/>
+            <a:ext cx="9905998" cy="1478570"/>
+          </a:xfrm>
+        </p:spPr>
+        <p:txBody>
+          <a:bodyPr/>
+          <a:lstStyle/>
+          <a:p>
+            <a:r>
+              <a:rPr lang="ru-RU" dirty="0"/>
+              <a:t>Основы синтаксиса </a:t>
+            </a:r>
+            <a:r>
+              <a:rPr lang="en-US" dirty="0"/>
+              <a:t>php</a:t>
+            </a:r>
+            <a:endParaRPr lang="ru-RU" dirty="0"/>
+          </a:p>
+        </p:txBody>
+      </p:sp>
+      <p:sp>
+        <p:nvSpPr>
+          <p:cNvPr id="3" name="Объект 2">
+            <a:extLst>
+              <a:ext uri="{FF2B5EF4-FFF2-40B4-BE49-F238E27FC236}">
+                <a16:creationId xmlns:a16="http://schemas.microsoft.com/office/drawing/2014/main" id="{DE674828-E05A-425D-BB21-CEE5FE13F4DA}"/>
+              </a:ext>
+            </a:extLst>
+          </p:cNvPr>
+          <p:cNvSpPr>
+            <a:spLocks noGrp="1"/>
+          </p:cNvSpPr>
+          <p:nvPr>
+            <p:ph idx="1"/>
+          </p:nvPr>
+        </p:nvSpPr>
+        <p:spPr>
+          <a:xfrm>
+            <a:off x="1143000" y="1116972"/>
+            <a:ext cx="9905999" cy="3547307"/>
+          </a:xfrm>
+        </p:spPr>
+        <p:txBody>
+          <a:bodyPr>
+            <a:normAutofit/>
+          </a:bodyPr>
+          <a:lstStyle/>
+          <a:p>
+            <a:pPr marL="0" indent="0">
+              <a:buNone/>
+            </a:pPr>
+            <a:r>
+              <a:rPr lang="ru-RU" dirty="0"/>
+              <a:t>Синтаксис PHP подобен синтаксису языка Си. Некоторые элементы, такие как ассоциативные массивы и цикл foreach, заимствованы из Perl.</a:t>
+            </a:r>
+          </a:p>
+          <a:p>
+            <a:pPr marL="0" indent="0">
+              <a:buNone/>
+            </a:pPr>
+            <a:r>
+              <a:rPr lang="ru-RU" dirty="0"/>
+              <a:t>Для написания простейшего скрипта не требуется описывать какие-либо переменные, используемые модули и т. п. Любой скрипт может начинаться непосредственно с оператора &lt;?php.</a:t>
+            </a:r>
+          </a:p>
+          <a:p>
+            <a:pPr marL="0" indent="0">
+              <a:buNone/>
+            </a:pPr>
+            <a:r>
+              <a:rPr lang="ru-RU" dirty="0"/>
+              <a:t>Простейшая программа Hello world на PHP выглядит следующим образом:</a:t>
+            </a:r>
+            <a:endParaRPr lang="en-US" dirty="0"/>
+          </a:p>
+          <a:p>
+            <a:pPr marL="0" indent="0">
+              <a:buNone/>
+            </a:pPr>
+            <a:endParaRPr lang="en-US" dirty="0"/>
+          </a:p>
+          <a:p>
+            <a:pPr marL="0" indent="0">
+              <a:buNone/>
+            </a:pPr>
+            <a:endParaRPr lang="en-US" dirty="0"/>
+          </a:p>
+        </p:txBody>
+      </p:sp>
+      <p:sp>
+        <p:nvSpPr>
+          <p:cNvPr id="7" name="Текст 6">
+            <a:extLst>
+              <a:ext uri="{FF2B5EF4-FFF2-40B4-BE49-F238E27FC236}">
+                <a16:creationId xmlns:a16="http://schemas.microsoft.com/office/drawing/2014/main" id="{69404FFA-12C2-44CE-A372-EE830B078F73}"/>
+              </a:ext>
+            </a:extLst>
+          </p:cNvPr>
+          <p:cNvSpPr txBox="1">
+            <a:spLocks/>
+          </p:cNvSpPr>
+          <p:nvPr/>
+        </p:nvSpPr>
+        <p:spPr>
+          <a:xfrm>
+            <a:off x="268448" y="5310610"/>
+            <a:ext cx="9781562" cy="1814020"/>
+          </a:xfrm>
+          <a:prstGeom prst="rect">
+            <a:avLst/>
+          </a:prstGeom>
+        </p:spPr>
+        <p:txBody>
+          <a:bodyPr/>
+          <a:lstStyle>
+            <a:lvl1pPr marL="228600" indent="-228600" algn="l" defTabSz="914400" rtl="0" eaLnBrk="1" latinLnBrk="0" hangingPunct="1">
+              <a:lnSpc>
+                <a:spcPct val="120000"/>
+              </a:lnSpc>
+              <a:spcBef>
+                <a:spcPts val="1000"/>
+              </a:spcBef>
+              <a:buSzPct val="125000"/>
+              <a:buFont typeface="Arial" panose="020B0604020202020204" pitchFamily="34" charset="0"/>
+              <a:buChar char="•"/>
+              <a:defRPr sz="2400" kern="1200">
+                <a:solidFill>
+                  <a:schemeClr val="tx1"/>
+                </a:solidFill>
+                <a:latin typeface="+mn-lt"/>
+                <a:ea typeface="+mn-ea"/>
+                <a:cs typeface="+mn-cs"/>
+              </a:defRPr>
+            </a:lvl1pPr>
+            <a:lvl2pPr marL="685800" indent="-228600" algn="l" defTabSz="914400" rtl="0" eaLnBrk="1" latinLnBrk="0" hangingPunct="1">
+              <a:lnSpc>
+                <a:spcPct val="120000"/>
+              </a:lnSpc>
+              <a:spcBef>
+                <a:spcPts val="500"/>
+              </a:spcBef>
+              <a:buSzPct val="125000"/>
+              <a:buFont typeface="Arial" panose="020B0604020202020204" pitchFamily="34" charset="0"/>
+              <a:buChar char="•"/>
+              <a:defRPr sz="2000" kern="1200">
+                <a:solidFill>
+                  <a:schemeClr val="tx1"/>
+                </a:solidFill>
+                <a:latin typeface="+mn-lt"/>
+                <a:ea typeface="+mn-ea"/>
+                <a:cs typeface="+mn-cs"/>
+              </a:defRPr>
+            </a:lvl2pPr>
+            <a:lvl3pPr marL="1143000" indent="-228600" algn="l" defTabSz="914400" rtl="0" eaLnBrk="1" latinLnBrk="0" hangingPunct="1">
+              <a:lnSpc>
+                <a:spcPct val="120000"/>
+              </a:lnSpc>
+              <a:spcBef>
+                <a:spcPts val="500"/>
+              </a:spcBef>
+              <a:buSzPct val="125000"/>
+              <a:buFont typeface="Arial" panose="020B0604020202020204" pitchFamily="34" charset="0"/>
+              <a:buChar char="•"/>
+              <a:defRPr sz="1800" kern="1200">
+                <a:solidFill>
+                  <a:schemeClr val="tx1"/>
+                </a:solidFill>
+                <a:latin typeface="+mn-lt"/>
+                <a:ea typeface="+mn-ea"/>
+                <a:cs typeface="+mn-cs"/>
+              </a:defRPr>
+            </a:lvl3pPr>
+            <a:lvl4pPr marL="1600200" indent="-228600" algn="l" defTabSz="914400" rtl="0" eaLnBrk="1" latinLnBrk="0" hangingPunct="1">
+              <a:lnSpc>
+                <a:spcPct val="120000"/>
+              </a:lnSpc>
+              <a:spcBef>
+                <a:spcPts val="500"/>
+              </a:spcBef>
+              <a:buSzPct val="125000"/>
+              <a:buFont typeface="Arial" panose="020B0604020202020204" pitchFamily="34" charset="0"/>
+              <a:buChar char="•"/>
+              <a:defRPr sz="1600" kern="1200">
+                <a:solidFill>
+                  <a:schemeClr val="tx1"/>
+                </a:solidFill>
+                <a:latin typeface="+mn-lt"/>
+                <a:ea typeface="+mn-ea"/>
+                <a:cs typeface="+mn-cs"/>
+              </a:defRPr>
+            </a:lvl4pPr>
+            <a:lvl5pPr marL="2057400" indent="-228600" algn="l" defTabSz="914400" rtl="0" eaLnBrk="1" latinLnBrk="0" hangingPunct="1">
+              <a:lnSpc>
+                <a:spcPct val="120000"/>
+              </a:lnSpc>
+              <a:spcBef>
+                <a:spcPts val="500"/>
+              </a:spcBef>
+              <a:buSzPct val="125000"/>
+              <a:buFont typeface="Arial" panose="020B0604020202020204" pitchFamily="34" charset="0"/>
+              <a:buChar char="•"/>
+              <a:defRPr sz="1600" kern="1200">
+                <a:solidFill>
+                  <a:schemeClr val="tx1"/>
+                </a:solidFill>
+                <a:latin typeface="+mn-lt"/>
+                <a:ea typeface="+mn-ea"/>
+                <a:cs typeface="+mn-cs"/>
+              </a:defRPr>
+            </a:lvl5pPr>
+            <a:lvl6pPr marL="2514600" indent="-228600" algn="l" defTabSz="914400" rtl="0" eaLnBrk="1" latinLnBrk="0" hangingPunct="1">
+              <a:lnSpc>
+                <a:spcPct val="120000"/>
+              </a:lnSpc>
+              <a:spcBef>
+                <a:spcPts val="500"/>
+              </a:spcBef>
+              <a:buSzPct val="125000"/>
+              <a:buFont typeface="Arial" panose="020B0604020202020204" pitchFamily="34" charset="0"/>
+              <a:buChar char="•"/>
+              <a:defRPr sz="1400" kern="1200">
+                <a:solidFill>
+                  <a:schemeClr val="tx1"/>
+                </a:solidFill>
+                <a:latin typeface="+mn-lt"/>
+                <a:ea typeface="+mn-ea"/>
+                <a:cs typeface="+mn-cs"/>
+              </a:defRPr>
+            </a:lvl6pPr>
+            <a:lvl7pPr marL="2971800" indent="-228600" algn="l" defTabSz="914400" rtl="0" eaLnBrk="1" latinLnBrk="0" hangingPunct="1">
+              <a:lnSpc>
+                <a:spcPct val="120000"/>
+              </a:lnSpc>
+              <a:spcBef>
+                <a:spcPts val="500"/>
+              </a:spcBef>
+              <a:buSzPct val="125000"/>
+              <a:buFont typeface="Arial" panose="020B0604020202020204" pitchFamily="34" charset="0"/>
+              <a:buChar char="•"/>
+              <a:defRPr sz="1400" kern="1200">
+                <a:solidFill>
+                  <a:schemeClr val="tx1"/>
+                </a:solidFill>
+                <a:latin typeface="+mn-lt"/>
+                <a:ea typeface="+mn-ea"/>
+                <a:cs typeface="+mn-cs"/>
+              </a:defRPr>
+            </a:lvl7pPr>
+            <a:lvl8pPr marL="3429000" indent="-228600" algn="l" defTabSz="914400" rtl="0" eaLnBrk="1" latinLnBrk="0" hangingPunct="1">
+              <a:lnSpc>
+                <a:spcPct val="120000"/>
+              </a:lnSpc>
+              <a:spcBef>
+                <a:spcPts val="500"/>
+              </a:spcBef>
+              <a:buSzPct val="125000"/>
+              <a:buFont typeface="Arial" panose="020B0604020202020204" pitchFamily="34" charset="0"/>
+              <a:buChar char="•"/>
+              <a:defRPr sz="1400" kern="1200">
+                <a:solidFill>
+                  <a:schemeClr val="tx1"/>
+                </a:solidFill>
+                <a:latin typeface="+mn-lt"/>
+                <a:ea typeface="+mn-ea"/>
+                <a:cs typeface="+mn-cs"/>
+              </a:defRPr>
+            </a:lvl8pPr>
+            <a:lvl9pPr marL="3886200" indent="-228600" algn="l" defTabSz="914400" rtl="0" eaLnBrk="1" latinLnBrk="0" hangingPunct="1">
+              <a:lnSpc>
+                <a:spcPct val="120000"/>
+              </a:lnSpc>
+              <a:spcBef>
+                <a:spcPts val="500"/>
+              </a:spcBef>
+              <a:buSzPct val="125000"/>
+              <a:buFont typeface="Arial" panose="020B0604020202020204" pitchFamily="34" charset="0"/>
+              <a:buChar char="•"/>
+              <a:defRPr sz="1400" kern="1200">
+                <a:solidFill>
+                  <a:schemeClr val="tx1"/>
+                </a:solidFill>
+                <a:latin typeface="+mn-lt"/>
+                <a:ea typeface="+mn-ea"/>
+                <a:cs typeface="+mn-cs"/>
+              </a:defRPr>
+            </a:lvl9pPr>
+          </a:lstStyle>
+          <a:p>
+            <a:pPr marL="914400" lvl="2" indent="0">
+              <a:buNone/>
+            </a:pPr>
+            <a:r>
+              <a:rPr lang="ru-RU" sz="2400" dirty="0"/>
+              <a:t>Также возможен более короткий вариант вывода строки:</a:t>
+            </a:r>
+          </a:p>
+          <a:p>
+            <a:pPr marL="914400" lvl="2" indent="0">
+              <a:buNone/>
+            </a:pPr>
+            <a:endParaRPr lang="ru-RU" sz="2400" dirty="0"/>
+          </a:p>
+        </p:txBody>
+      </p:sp>
+      <p:sp>
+        <p:nvSpPr>
+          <p:cNvPr id="12" name="Прямоугольник 11">
+            <a:extLst>
+              <a:ext uri="{FF2B5EF4-FFF2-40B4-BE49-F238E27FC236}">
+                <a16:creationId xmlns:a16="http://schemas.microsoft.com/office/drawing/2014/main" id="{43A725B2-C389-4042-A6D4-02C14B3D89FA}"/>
+              </a:ext>
+            </a:extLst>
+          </p:cNvPr>
+          <p:cNvSpPr/>
+          <p:nvPr/>
+        </p:nvSpPr>
+        <p:spPr>
+          <a:xfrm>
+            <a:off x="1244367" y="4664279"/>
+            <a:ext cx="6096000" cy="646331"/>
+          </a:xfrm>
+          <a:prstGeom prst="rect">
+            <a:avLst/>
+          </a:prstGeom>
+          <a:solidFill>
+            <a:schemeClr val="bg1"/>
+          </a:solidFill>
+        </p:spPr>
+        <p:txBody>
+          <a:bodyPr>
+            <a:spAutoFit/>
+          </a:bodyPr>
+          <a:lstStyle/>
+          <a:p>
+            <a:r>
+              <a:rPr lang="en-US" dirty="0">
+                <a:solidFill>
+                  <a:srgbClr val="569CD6"/>
+                </a:solidFill>
+                <a:latin typeface="Consolas" panose="020B0609020204030204" pitchFamily="49" charset="0"/>
+              </a:rPr>
+              <a:t>&lt;?php</a:t>
+            </a:r>
+            <a:endParaRPr lang="en-US" dirty="0">
+              <a:solidFill>
+                <a:srgbClr val="D4D4D4"/>
+              </a:solidFill>
+              <a:latin typeface="Consolas" panose="020B0609020204030204" pitchFamily="49" charset="0"/>
+            </a:endParaRPr>
+          </a:p>
+          <a:p>
+            <a:r>
+              <a:rPr lang="en-US" dirty="0">
+                <a:solidFill>
+                  <a:srgbClr val="DCDCAA"/>
+                </a:solidFill>
+                <a:latin typeface="Consolas" panose="020B0609020204030204" pitchFamily="49" charset="0"/>
+              </a:rPr>
+              <a:t>echo</a:t>
+            </a:r>
+            <a:r>
+              <a:rPr lang="en-US" dirty="0">
+                <a:solidFill>
+                  <a:srgbClr val="D4D4D4"/>
+                </a:solidFill>
+                <a:latin typeface="Consolas" panose="020B0609020204030204" pitchFamily="49" charset="0"/>
+              </a:rPr>
+              <a:t> </a:t>
+            </a:r>
+            <a:r>
+              <a:rPr lang="en-US" dirty="0">
+                <a:solidFill>
+                  <a:srgbClr val="CE9178"/>
+                </a:solidFill>
+                <a:latin typeface="Consolas" panose="020B0609020204030204" pitchFamily="49" charset="0"/>
+              </a:rPr>
+              <a:t>'Hello, world!'</a:t>
+            </a:r>
+            <a:r>
+              <a:rPr lang="en-US" dirty="0">
+                <a:solidFill>
+                  <a:srgbClr val="D4D4D4"/>
+                </a:solidFill>
+                <a:latin typeface="Consolas" panose="020B0609020204030204" pitchFamily="49" charset="0"/>
+              </a:rPr>
+              <a:t>;</a:t>
+            </a:r>
+            <a:endParaRPr lang="en-US" b="0" dirty="0">
+              <a:solidFill>
+                <a:srgbClr val="D4D4D4"/>
+              </a:solidFill>
+              <a:effectLst/>
+              <a:latin typeface="Consolas" panose="020B0609020204030204" pitchFamily="49" charset="0"/>
+            </a:endParaRPr>
+          </a:p>
+        </p:txBody>
+      </p:sp>
+      <p:sp>
+        <p:nvSpPr>
+          <p:cNvPr id="14" name="Прямоугольник 13">
+            <a:extLst>
+              <a:ext uri="{FF2B5EF4-FFF2-40B4-BE49-F238E27FC236}">
+                <a16:creationId xmlns:a16="http://schemas.microsoft.com/office/drawing/2014/main" id="{15DE966E-076A-44B4-B062-1BEF5F5E9C5D}"/>
+              </a:ext>
+            </a:extLst>
+          </p:cNvPr>
+          <p:cNvSpPr/>
+          <p:nvPr/>
+        </p:nvSpPr>
+        <p:spPr>
+          <a:xfrm>
+            <a:off x="1234002" y="5956941"/>
+            <a:ext cx="7440215" cy="369332"/>
+          </a:xfrm>
+          <a:prstGeom prst="rect">
+            <a:avLst/>
+          </a:prstGeom>
+          <a:solidFill>
+            <a:schemeClr val="bg1"/>
+          </a:solidFill>
+        </p:spPr>
+        <p:txBody>
+          <a:bodyPr wrap="square">
+            <a:spAutoFit/>
+          </a:bodyPr>
+          <a:lstStyle/>
+          <a:p>
+            <a:r>
+              <a:rPr lang="en-US" dirty="0">
+                <a:solidFill>
+                  <a:srgbClr val="569CD6"/>
+                </a:solidFill>
+                <a:latin typeface="Consolas" panose="020B0609020204030204" pitchFamily="49" charset="0"/>
+              </a:rPr>
+              <a:t>&lt;?=</a:t>
+            </a:r>
+            <a:r>
+              <a:rPr lang="en-US" dirty="0">
+                <a:solidFill>
+                  <a:srgbClr val="CE9178"/>
+                </a:solidFill>
+                <a:latin typeface="Consolas" panose="020B0609020204030204" pitchFamily="49" charset="0"/>
+              </a:rPr>
+              <a:t>'Hello, world!'</a:t>
+            </a:r>
+            <a:r>
+              <a:rPr lang="en-US" dirty="0">
+                <a:solidFill>
+                  <a:srgbClr val="569CD6"/>
+                </a:solidFill>
+                <a:latin typeface="Consolas" panose="020B0609020204030204" pitchFamily="49" charset="0"/>
+              </a:rPr>
+              <a:t>?&gt;</a:t>
+            </a:r>
+            <a:endParaRPr lang="en-US" b="0" dirty="0">
+              <a:solidFill>
+                <a:srgbClr val="D4D4D4"/>
+              </a:solidFill>
+              <a:effectLst/>
+              <a:latin typeface="Consolas" panose="020B0609020204030204" pitchFamily="49" charset="0"/>
+            </a:endParaRPr>
+          </a:p>
+        </p:txBody>
+      </p:sp>
+    </p:spTree>
+    <p:extLst>
+      <p:ext uri="{BB962C8B-B14F-4D97-AF65-F5344CB8AC3E}">
+        <p14:creationId xmlns:p14="http://schemas.microsoft.com/office/powerpoint/2010/main" val="1122654774"/>
+      </p:ext>
+    </p:extLst>
+  </p:cSld>
+  <p:clrMapOvr>
+    <a:masterClrMapping/>
+  </p:clrMapOvr>
+</p:sld>
+</file>
+
+<file path=ppt/slides/slide11.xml><?xml version="1.0" encoding="utf-8"?>
+<p:sld xmlns:a="http://schemas.openxmlformats.org/drawingml/2006/main" xmlns:r="http://schemas.openxmlformats.org/officeDocument/2006/relationships" xmlns:p="http://schemas.openxmlformats.org/presentationml/2006/main">
+  <p:cSld>
+    <p:spTree>
+      <p:nvGrpSpPr>
+        <p:cNvPr id="1" name=""/>
+        <p:cNvGrpSpPr/>
+        <p:nvPr/>
+      </p:nvGrpSpPr>
+      <p:grpSpPr>
+        <a:xfrm>
+          <a:off x="0" y="0"/>
+          <a:ext cx="0" cy="0"/>
+          <a:chOff x="0" y="0"/>
+          <a:chExt cx="0" cy="0"/>
+        </a:xfrm>
+      </p:grpSpPr>
+      <p:sp>
+        <p:nvSpPr>
+          <p:cNvPr id="3" name="Объект 2">
+            <a:extLst>
+              <a:ext uri="{FF2B5EF4-FFF2-40B4-BE49-F238E27FC236}">
+                <a16:creationId xmlns:a16="http://schemas.microsoft.com/office/drawing/2014/main" id="{F593F0EB-83C4-4B23-BEF7-D47334FC8BB4}"/>
+              </a:ext>
+            </a:extLst>
+          </p:cNvPr>
+          <p:cNvSpPr>
+            <a:spLocks noGrp="1"/>
+          </p:cNvSpPr>
+          <p:nvPr>
+            <p:ph idx="1"/>
+          </p:nvPr>
+        </p:nvSpPr>
+        <p:spPr>
+          <a:xfrm>
+            <a:off x="1242080" y="278074"/>
+            <a:ext cx="9905999" cy="3541714"/>
+          </a:xfrm>
+        </p:spPr>
+        <p:txBody>
+          <a:bodyPr/>
+          <a:lstStyle/>
+          <a:p>
+            <a:pPr marL="0" indent="0">
+              <a:buNone/>
+            </a:pPr>
+            <a:r>
+              <a:rPr lang="ru-RU" dirty="0"/>
+              <a:t>Открывающий тег вида &lt;?= используется для сокращённой записи конструкций, используемых для вывода строки.</a:t>
+            </a:r>
+          </a:p>
+          <a:p>
+            <a:pPr marL="0" indent="0">
+              <a:buNone/>
+            </a:pPr>
+            <a:r>
+              <a:rPr lang="ru-RU" dirty="0"/>
+              <a:t>PHP исполняет код, находящийся внутри ограничителей, таких как &lt;?php ?&gt;. Всё, что находится вне ограничителей, выводится без изменений. В основном это используется для вставки PHP-кода в HTML-документ, например, так:</a:t>
+            </a:r>
+          </a:p>
+        </p:txBody>
+      </p:sp>
+      <p:sp>
+        <p:nvSpPr>
+          <p:cNvPr id="5" name="Прямоугольник 4">
+            <a:extLst>
+              <a:ext uri="{FF2B5EF4-FFF2-40B4-BE49-F238E27FC236}">
+                <a16:creationId xmlns:a16="http://schemas.microsoft.com/office/drawing/2014/main" id="{C6D63136-79CF-4C04-B791-CC84D8C712B9}"/>
+              </a:ext>
+            </a:extLst>
+          </p:cNvPr>
+          <p:cNvSpPr/>
+          <p:nvPr/>
+        </p:nvSpPr>
+        <p:spPr>
+          <a:xfrm>
+            <a:off x="1395369" y="3281354"/>
+            <a:ext cx="6096000" cy="2862322"/>
+          </a:xfrm>
+          <a:prstGeom prst="rect">
+            <a:avLst/>
+          </a:prstGeom>
+          <a:solidFill>
+            <a:schemeClr val="bg1"/>
+          </a:solidFill>
+        </p:spPr>
+        <p:txBody>
+          <a:bodyPr>
+            <a:spAutoFit/>
+          </a:bodyPr>
+          <a:lstStyle/>
+          <a:p>
+            <a:r>
+              <a:rPr lang="ru-RU" dirty="0"/>
+              <a:t>&lt;</a:t>
+            </a:r>
+            <a:r>
+              <a:rPr lang="ru-RU" dirty="0">
+                <a:solidFill>
+                  <a:srgbClr val="0070C0"/>
+                </a:solidFill>
+              </a:rPr>
+              <a:t>html</a:t>
+            </a:r>
+            <a:r>
+              <a:rPr lang="ru-RU" dirty="0"/>
+              <a:t>&gt;</a:t>
+            </a:r>
+          </a:p>
+          <a:p>
+            <a:r>
+              <a:rPr lang="ru-RU" dirty="0"/>
+              <a:t>   &lt;</a:t>
+            </a:r>
+            <a:r>
+              <a:rPr lang="ru-RU" dirty="0">
+                <a:solidFill>
+                  <a:srgbClr val="0070C0"/>
+                </a:solidFill>
+              </a:rPr>
+              <a:t>head</a:t>
+            </a:r>
+            <a:r>
+              <a:rPr lang="ru-RU" dirty="0"/>
+              <a:t>&gt;</a:t>
+            </a:r>
+          </a:p>
+          <a:p>
+            <a:r>
+              <a:rPr lang="ru-RU" dirty="0"/>
+              <a:t>      &lt;</a:t>
+            </a:r>
+            <a:r>
+              <a:rPr lang="ru-RU" dirty="0">
+                <a:solidFill>
+                  <a:srgbClr val="0070C0"/>
+                </a:solidFill>
+              </a:rPr>
+              <a:t>title</a:t>
+            </a:r>
+            <a:r>
+              <a:rPr lang="ru-RU" dirty="0"/>
+              <a:t>&gt;</a:t>
+            </a:r>
+          </a:p>
+          <a:p>
+            <a:r>
+              <a:rPr lang="ru-RU" dirty="0"/>
+              <a:t>         Тестируем PHP</a:t>
+            </a:r>
+          </a:p>
+          <a:p>
+            <a:r>
+              <a:rPr lang="ru-RU" dirty="0"/>
+              <a:t>      &lt;/</a:t>
+            </a:r>
+            <a:r>
+              <a:rPr lang="ru-RU" dirty="0">
+                <a:solidFill>
+                  <a:srgbClr val="0070C0"/>
+                </a:solidFill>
+              </a:rPr>
+              <a:t>title</a:t>
+            </a:r>
+            <a:r>
+              <a:rPr lang="ru-RU" dirty="0"/>
+              <a:t>&gt;</a:t>
+            </a:r>
+          </a:p>
+          <a:p>
+            <a:r>
+              <a:rPr lang="ru-RU" dirty="0"/>
+              <a:t>   &lt;/</a:t>
+            </a:r>
+            <a:r>
+              <a:rPr lang="ru-RU" dirty="0">
+                <a:solidFill>
+                  <a:srgbClr val="0070C0"/>
+                </a:solidFill>
+              </a:rPr>
+              <a:t>head</a:t>
+            </a:r>
+            <a:r>
+              <a:rPr lang="ru-RU" dirty="0"/>
+              <a:t>&gt;</a:t>
+            </a:r>
+          </a:p>
+          <a:p>
+            <a:r>
+              <a:rPr lang="ru-RU" dirty="0"/>
+              <a:t>   &lt;</a:t>
+            </a:r>
+            <a:r>
+              <a:rPr lang="ru-RU" dirty="0">
+                <a:solidFill>
+                  <a:srgbClr val="0070C0"/>
+                </a:solidFill>
+              </a:rPr>
+              <a:t>body</a:t>
+            </a:r>
+            <a:r>
+              <a:rPr lang="ru-RU" dirty="0"/>
+              <a:t>&gt;</a:t>
+            </a:r>
+          </a:p>
+          <a:p>
+            <a:r>
+              <a:rPr lang="ru-RU" dirty="0"/>
+              <a:t>      </a:t>
+            </a:r>
+            <a:r>
+              <a:rPr lang="ru-RU" dirty="0">
+                <a:solidFill>
+                  <a:srgbClr val="0070C0"/>
+                </a:solidFill>
+              </a:rPr>
+              <a:t>&lt;?php </a:t>
+            </a:r>
+            <a:r>
+              <a:rPr lang="ru-RU" dirty="0"/>
+              <a:t>echo 'Привет мир!'; </a:t>
+            </a:r>
+            <a:r>
+              <a:rPr lang="ru-RU" dirty="0">
+                <a:solidFill>
+                  <a:srgbClr val="0070C0"/>
+                </a:solidFill>
+              </a:rPr>
+              <a:t>?&gt;</a:t>
+            </a:r>
+          </a:p>
+          <a:p>
+            <a:r>
+              <a:rPr lang="ru-RU" dirty="0"/>
+              <a:t>   &lt;/</a:t>
+            </a:r>
+            <a:r>
+              <a:rPr lang="ru-RU" dirty="0">
+                <a:solidFill>
+                  <a:srgbClr val="0070C0"/>
+                </a:solidFill>
+              </a:rPr>
+              <a:t>body</a:t>
+            </a:r>
+            <a:r>
+              <a:rPr lang="ru-RU" dirty="0"/>
+              <a:t>&gt;</a:t>
+            </a:r>
+          </a:p>
+          <a:p>
+            <a:r>
+              <a:rPr lang="ru-RU" dirty="0"/>
+              <a:t>&lt;/</a:t>
+            </a:r>
+            <a:r>
+              <a:rPr lang="ru-RU" dirty="0">
+                <a:solidFill>
+                  <a:srgbClr val="0070C0"/>
+                </a:solidFill>
+              </a:rPr>
+              <a:t>html</a:t>
+            </a:r>
+            <a:r>
+              <a:rPr lang="ru-RU" dirty="0"/>
+              <a:t>&gt;</a:t>
+            </a:r>
+          </a:p>
+        </p:txBody>
+      </p:sp>
+    </p:spTree>
+    <p:extLst>
+      <p:ext uri="{BB962C8B-B14F-4D97-AF65-F5344CB8AC3E}">
+        <p14:creationId xmlns:p14="http://schemas.microsoft.com/office/powerpoint/2010/main" val="3143707369"/>
+      </p:ext>
+    </p:extLst>
+  </p:cSld>
+  <p:clrMapOvr>
+    <a:masterClrMapping/>
+  </p:clrMapOvr>
+</p:sld>
+</file>
+
+<file path=ppt/slides/slide12.xml><?xml version="1.0" encoding="utf-8"?>
+<p:sld xmlns:a="http://schemas.openxmlformats.org/drawingml/2006/main" xmlns:r="http://schemas.openxmlformats.org/officeDocument/2006/relationships" xmlns:p="http://schemas.openxmlformats.org/presentationml/2006/main">
+  <p:cSld>
+    <p:spTree>
+      <p:nvGrpSpPr>
+        <p:cNvPr id="1" name=""/>
+        <p:cNvGrpSpPr/>
+        <p:nvPr/>
+      </p:nvGrpSpPr>
+      <p:grpSpPr>
+        <a:xfrm>
+          <a:off x="0" y="0"/>
+          <a:ext cx="0" cy="0"/>
+          <a:chOff x="0" y="0"/>
+          <a:chExt cx="0" cy="0"/>
+        </a:xfrm>
+      </p:grpSpPr>
+      <p:sp>
+        <p:nvSpPr>
+          <p:cNvPr id="2" name="Заголовок 1">
+            <a:extLst>
+              <a:ext uri="{FF2B5EF4-FFF2-40B4-BE49-F238E27FC236}">
+                <a16:creationId xmlns:a16="http://schemas.microsoft.com/office/drawing/2014/main" id="{BAF70E97-49FC-4488-B6B5-AE349897197C}"/>
+              </a:ext>
+            </a:extLst>
+          </p:cNvPr>
+          <p:cNvSpPr>
+            <a:spLocks noGrp="1"/>
+          </p:cNvSpPr>
+          <p:nvPr>
+            <p:ph type="title"/>
+          </p:nvPr>
+        </p:nvSpPr>
+        <p:spPr>
+          <a:xfrm>
+            <a:off x="844493" y="-104379"/>
+            <a:ext cx="9905998" cy="1111058"/>
+          </a:xfrm>
+        </p:spPr>
+        <p:txBody>
+          <a:bodyPr/>
+          <a:lstStyle/>
+          <a:p>
+            <a:pPr algn="ctr"/>
+            <a:r>
+              <a:rPr lang="ru-RU" dirty="0"/>
+              <a:t>Переменные</a:t>
+            </a:r>
+          </a:p>
+        </p:txBody>
+      </p:sp>
+      <p:sp>
+        <p:nvSpPr>
+          <p:cNvPr id="3" name="Объект 2">
+            <a:extLst>
+              <a:ext uri="{FF2B5EF4-FFF2-40B4-BE49-F238E27FC236}">
+                <a16:creationId xmlns:a16="http://schemas.microsoft.com/office/drawing/2014/main" id="{8791B6F0-F300-4BF8-BE77-5213CD8C6AE0}"/>
+              </a:ext>
+            </a:extLst>
+          </p:cNvPr>
+          <p:cNvSpPr>
+            <a:spLocks noGrp="1"/>
+          </p:cNvSpPr>
+          <p:nvPr>
+            <p:ph idx="1"/>
+          </p:nvPr>
+        </p:nvSpPr>
+        <p:spPr>
+          <a:xfrm>
+            <a:off x="844492" y="771786"/>
+            <a:ext cx="10732315" cy="3254929"/>
+          </a:xfrm>
+        </p:spPr>
+        <p:txBody>
+          <a:bodyPr>
+            <a:normAutofit lnSpcReduction="10000"/>
+          </a:bodyPr>
+          <a:lstStyle/>
+          <a:p>
+            <a:pPr marL="0" indent="0">
+              <a:buNone/>
+            </a:pPr>
+            <a:r>
+              <a:rPr lang="ru-RU" dirty="0"/>
+              <a:t>Переменные в PHP представлены знаком доллара с последующим именем переменной. Имя переменной чувствительно к регистру.</a:t>
+            </a:r>
+          </a:p>
+          <a:p>
+            <a:pPr marL="0" indent="0">
+              <a:buNone/>
+            </a:pPr>
+            <a:r>
+              <a:rPr lang="ru-RU" dirty="0"/>
+              <a:t>Имена переменных соответствуют тем же правилам, что и остальные наименования в PHP. Правильное имя переменной должно начинаться с буквы или символа подчёркивания и состоять из букв, цифр и символов подчёркивания в любом количестве. Это можно отобразить регулярным выражением: ^[a-zA-Z_\x80-\xff][a-zA-Z0-9_\x80-\xff]*$</a:t>
+            </a:r>
+          </a:p>
+          <a:p>
+            <a:pPr marL="0" indent="0">
+              <a:buNone/>
+            </a:pPr>
+            <a:endParaRPr lang="ru-RU" dirty="0"/>
+          </a:p>
+        </p:txBody>
+      </p:sp>
+      <p:sp>
+        <p:nvSpPr>
+          <p:cNvPr id="4" name="Прямоугольник 3">
+            <a:extLst>
+              <a:ext uri="{FF2B5EF4-FFF2-40B4-BE49-F238E27FC236}">
+                <a16:creationId xmlns:a16="http://schemas.microsoft.com/office/drawing/2014/main" id="{1BE5401C-D52D-4CDD-90AF-9987267EEC41}"/>
+              </a:ext>
+            </a:extLst>
+          </p:cNvPr>
+          <p:cNvSpPr/>
+          <p:nvPr/>
+        </p:nvSpPr>
+        <p:spPr>
+          <a:xfrm>
+            <a:off x="1324062" y="4104898"/>
+            <a:ext cx="9426429" cy="2585323"/>
+          </a:xfrm>
+          <a:prstGeom prst="rect">
+            <a:avLst/>
+          </a:prstGeom>
+          <a:solidFill>
+            <a:schemeClr val="bg1"/>
+          </a:solidFill>
+        </p:spPr>
+        <p:txBody>
+          <a:bodyPr wrap="square">
+            <a:spAutoFit/>
+          </a:bodyPr>
+          <a:lstStyle/>
+          <a:p>
+            <a:r>
+              <a:rPr lang="en-US" dirty="0">
+                <a:solidFill>
+                  <a:srgbClr val="569CD6"/>
+                </a:solidFill>
+                <a:latin typeface="Consolas" panose="020B0609020204030204" pitchFamily="49" charset="0"/>
+              </a:rPr>
+              <a:t>&lt;?php</a:t>
+            </a:r>
+            <a:endParaRPr lang="en-US" dirty="0">
+              <a:solidFill>
+                <a:srgbClr val="D4D4D4"/>
+              </a:solidFill>
+              <a:latin typeface="Consolas" panose="020B0609020204030204" pitchFamily="49" charset="0"/>
+            </a:endParaRPr>
+          </a:p>
+          <a:p>
+            <a:r>
+              <a:rPr lang="en-US" dirty="0">
+                <a:solidFill>
+                  <a:srgbClr val="9CDCFE"/>
+                </a:solidFill>
+                <a:latin typeface="Consolas" panose="020B0609020204030204" pitchFamily="49" charset="0"/>
+              </a:rPr>
+              <a:t>$var</a:t>
+            </a:r>
+            <a:r>
+              <a:rPr lang="en-US" dirty="0">
+                <a:solidFill>
+                  <a:srgbClr val="D4D4D4"/>
+                </a:solidFill>
+                <a:latin typeface="Consolas" panose="020B0609020204030204" pitchFamily="49" charset="0"/>
+              </a:rPr>
+              <a:t> = </a:t>
+            </a:r>
+            <a:r>
+              <a:rPr lang="en-US" dirty="0">
+                <a:solidFill>
+                  <a:srgbClr val="CE9178"/>
+                </a:solidFill>
+                <a:latin typeface="Consolas" panose="020B0609020204030204" pitchFamily="49" charset="0"/>
+              </a:rPr>
+              <a:t>'</a:t>
+            </a:r>
+            <a:r>
+              <a:rPr lang="ru-RU" dirty="0">
+                <a:solidFill>
+                  <a:srgbClr val="CE9178"/>
+                </a:solidFill>
+                <a:latin typeface="Consolas" panose="020B0609020204030204" pitchFamily="49" charset="0"/>
+              </a:rPr>
+              <a:t>Боб'</a:t>
+            </a:r>
+            <a:r>
+              <a:rPr lang="ru-RU" dirty="0">
+                <a:solidFill>
+                  <a:srgbClr val="D4D4D4"/>
+                </a:solidFill>
+                <a:latin typeface="Consolas" panose="020B0609020204030204" pitchFamily="49" charset="0"/>
+              </a:rPr>
+              <a:t>;</a:t>
+            </a:r>
+          </a:p>
+          <a:p>
+            <a:r>
+              <a:rPr lang="ru-RU" dirty="0">
+                <a:solidFill>
+                  <a:srgbClr val="9CDCFE"/>
+                </a:solidFill>
+                <a:latin typeface="Consolas" panose="020B0609020204030204" pitchFamily="49" charset="0"/>
+              </a:rPr>
+              <a:t>$</a:t>
+            </a:r>
+            <a:r>
+              <a:rPr lang="en-US" dirty="0">
+                <a:solidFill>
+                  <a:srgbClr val="9CDCFE"/>
+                </a:solidFill>
+                <a:latin typeface="Consolas" panose="020B0609020204030204" pitchFamily="49" charset="0"/>
+              </a:rPr>
+              <a:t>Var</a:t>
+            </a:r>
+            <a:r>
+              <a:rPr lang="en-US" dirty="0">
+                <a:solidFill>
+                  <a:srgbClr val="D4D4D4"/>
+                </a:solidFill>
+                <a:latin typeface="Consolas" panose="020B0609020204030204" pitchFamily="49" charset="0"/>
+              </a:rPr>
+              <a:t> = </a:t>
+            </a:r>
+            <a:r>
+              <a:rPr lang="en-US" dirty="0">
+                <a:solidFill>
+                  <a:srgbClr val="CE9178"/>
+                </a:solidFill>
+                <a:latin typeface="Consolas" panose="020B0609020204030204" pitchFamily="49" charset="0"/>
+              </a:rPr>
+              <a:t>'</a:t>
+            </a:r>
+            <a:r>
+              <a:rPr lang="ru-RU" dirty="0">
+                <a:solidFill>
+                  <a:srgbClr val="CE9178"/>
+                </a:solidFill>
+                <a:latin typeface="Consolas" panose="020B0609020204030204" pitchFamily="49" charset="0"/>
+              </a:rPr>
+              <a:t>Джо'</a:t>
+            </a:r>
+            <a:r>
+              <a:rPr lang="ru-RU" dirty="0">
+                <a:solidFill>
+                  <a:srgbClr val="D4D4D4"/>
+                </a:solidFill>
+                <a:latin typeface="Consolas" panose="020B0609020204030204" pitchFamily="49" charset="0"/>
+              </a:rPr>
+              <a:t>;</a:t>
+            </a:r>
+          </a:p>
+          <a:p>
+            <a:r>
+              <a:rPr lang="en-US" dirty="0">
+                <a:solidFill>
+                  <a:srgbClr val="DCDCAA"/>
+                </a:solidFill>
+                <a:latin typeface="Consolas" panose="020B0609020204030204" pitchFamily="49" charset="0"/>
+              </a:rPr>
+              <a:t>echo</a:t>
+            </a:r>
+            <a:r>
+              <a:rPr lang="en-US" dirty="0">
+                <a:solidFill>
+                  <a:srgbClr val="D4D4D4"/>
+                </a:solidFill>
+                <a:latin typeface="Consolas" panose="020B0609020204030204" pitchFamily="49" charset="0"/>
+              </a:rPr>
+              <a:t> </a:t>
+            </a:r>
+            <a:r>
+              <a:rPr lang="en-US" dirty="0">
+                <a:solidFill>
+                  <a:srgbClr val="CE9178"/>
+                </a:solidFill>
+                <a:latin typeface="Consolas" panose="020B0609020204030204" pitchFamily="49" charset="0"/>
+              </a:rPr>
+              <a:t>"</a:t>
+            </a:r>
+            <a:r>
+              <a:rPr lang="en-US" dirty="0">
+                <a:solidFill>
+                  <a:srgbClr val="9CDCFE"/>
+                </a:solidFill>
+                <a:latin typeface="Consolas" panose="020B0609020204030204" pitchFamily="49" charset="0"/>
+              </a:rPr>
+              <a:t>$var</a:t>
+            </a:r>
+            <a:r>
+              <a:rPr lang="en-US" dirty="0">
+                <a:solidFill>
+                  <a:srgbClr val="CE9178"/>
+                </a:solidFill>
+                <a:latin typeface="Consolas" panose="020B0609020204030204" pitchFamily="49" charset="0"/>
+              </a:rPr>
+              <a:t>, </a:t>
+            </a:r>
+            <a:r>
+              <a:rPr lang="en-US" dirty="0">
+                <a:solidFill>
+                  <a:srgbClr val="9CDCFE"/>
+                </a:solidFill>
+                <a:latin typeface="Consolas" panose="020B0609020204030204" pitchFamily="49" charset="0"/>
+              </a:rPr>
+              <a:t>$Var</a:t>
+            </a:r>
+            <a:r>
+              <a:rPr lang="en-US" dirty="0">
+                <a:solidFill>
+                  <a:srgbClr val="CE9178"/>
+                </a:solidFill>
+                <a:latin typeface="Consolas" panose="020B0609020204030204" pitchFamily="49" charset="0"/>
+              </a:rPr>
+              <a:t>"</a:t>
+            </a:r>
+            <a:r>
+              <a:rPr lang="en-US" dirty="0">
+                <a:solidFill>
+                  <a:srgbClr val="D4D4D4"/>
+                </a:solidFill>
+                <a:latin typeface="Consolas" panose="020B0609020204030204" pitchFamily="49" charset="0"/>
+              </a:rPr>
+              <a:t>;      </a:t>
+            </a:r>
+            <a:r>
+              <a:rPr lang="en-US" dirty="0">
+                <a:solidFill>
+                  <a:srgbClr val="6A9955"/>
+                </a:solidFill>
+                <a:latin typeface="Consolas" panose="020B0609020204030204" pitchFamily="49" charset="0"/>
+              </a:rPr>
+              <a:t>// </a:t>
+            </a:r>
+            <a:r>
+              <a:rPr lang="ru-RU" dirty="0">
+                <a:solidFill>
+                  <a:srgbClr val="6A9955"/>
+                </a:solidFill>
+                <a:latin typeface="Consolas" panose="020B0609020204030204" pitchFamily="49" charset="0"/>
+              </a:rPr>
+              <a:t>выведет "Боб, Джо"</a:t>
+            </a:r>
+            <a:endParaRPr lang="ru-RU" dirty="0">
+              <a:solidFill>
+                <a:srgbClr val="D4D4D4"/>
+              </a:solidFill>
+              <a:latin typeface="Consolas" panose="020B0609020204030204" pitchFamily="49" charset="0"/>
+            </a:endParaRPr>
+          </a:p>
+          <a:p>
+            <a:br>
+              <a:rPr lang="ru-RU" dirty="0">
+                <a:solidFill>
+                  <a:srgbClr val="D4D4D4"/>
+                </a:solidFill>
+                <a:latin typeface="Consolas" panose="020B0609020204030204" pitchFamily="49" charset="0"/>
+              </a:rPr>
+            </a:br>
+            <a:r>
+              <a:rPr lang="ru-RU" dirty="0">
+                <a:solidFill>
+                  <a:srgbClr val="D4D4D4"/>
+                </a:solidFill>
+                <a:latin typeface="Consolas" panose="020B0609020204030204" pitchFamily="49" charset="0"/>
+              </a:rPr>
+              <a:t>$</a:t>
+            </a:r>
+            <a:r>
+              <a:rPr lang="ru-RU" dirty="0">
+                <a:solidFill>
+                  <a:srgbClr val="B5CEA8"/>
+                </a:solidFill>
+                <a:latin typeface="Consolas" panose="020B0609020204030204" pitchFamily="49" charset="0"/>
+              </a:rPr>
+              <a:t>4</a:t>
+            </a:r>
+            <a:r>
+              <a:rPr lang="en-US" dirty="0">
+                <a:solidFill>
+                  <a:srgbClr val="D4D4D4"/>
+                </a:solidFill>
+                <a:latin typeface="Consolas" panose="020B0609020204030204" pitchFamily="49" charset="0"/>
+              </a:rPr>
+              <a:t>site = </a:t>
+            </a:r>
+            <a:r>
+              <a:rPr lang="en-US" dirty="0">
+                <a:solidFill>
+                  <a:srgbClr val="CE9178"/>
+                </a:solidFill>
+                <a:latin typeface="Consolas" panose="020B0609020204030204" pitchFamily="49" charset="0"/>
+              </a:rPr>
+              <a:t>'</a:t>
+            </a:r>
+            <a:r>
+              <a:rPr lang="ru-RU" dirty="0">
+                <a:solidFill>
+                  <a:srgbClr val="CE9178"/>
+                </a:solidFill>
+                <a:latin typeface="Consolas" panose="020B0609020204030204" pitchFamily="49" charset="0"/>
+              </a:rPr>
+              <a:t>ещё нет'</a:t>
+            </a:r>
+            <a:r>
+              <a:rPr lang="ru-RU" dirty="0">
+                <a:solidFill>
+                  <a:srgbClr val="D4D4D4"/>
+                </a:solidFill>
+                <a:latin typeface="Consolas" panose="020B0609020204030204" pitchFamily="49" charset="0"/>
+              </a:rPr>
+              <a:t>;     </a:t>
+            </a:r>
+            <a:r>
+              <a:rPr lang="ru-RU" dirty="0">
+                <a:solidFill>
+                  <a:srgbClr val="6A9955"/>
+                </a:solidFill>
+                <a:latin typeface="Consolas" panose="020B0609020204030204" pitchFamily="49" charset="0"/>
+              </a:rPr>
+              <a:t>// неверно; начинается с цифры</a:t>
+            </a:r>
+            <a:endParaRPr lang="ru-RU" dirty="0">
+              <a:solidFill>
+                <a:srgbClr val="D4D4D4"/>
+              </a:solidFill>
+              <a:latin typeface="Consolas" panose="020B0609020204030204" pitchFamily="49" charset="0"/>
+            </a:endParaRPr>
+          </a:p>
+          <a:p>
+            <a:r>
+              <a:rPr lang="ru-RU" dirty="0">
+                <a:solidFill>
+                  <a:srgbClr val="9CDCFE"/>
+                </a:solidFill>
+                <a:latin typeface="Consolas" panose="020B0609020204030204" pitchFamily="49" charset="0"/>
+              </a:rPr>
+              <a:t>$_4</a:t>
+            </a:r>
+            <a:r>
+              <a:rPr lang="en-US" dirty="0">
+                <a:solidFill>
+                  <a:srgbClr val="9CDCFE"/>
+                </a:solidFill>
+                <a:latin typeface="Consolas" panose="020B0609020204030204" pitchFamily="49" charset="0"/>
+              </a:rPr>
+              <a:t>site</a:t>
+            </a:r>
+            <a:r>
+              <a:rPr lang="en-US" dirty="0">
+                <a:solidFill>
+                  <a:srgbClr val="D4D4D4"/>
+                </a:solidFill>
+                <a:latin typeface="Consolas" panose="020B0609020204030204" pitchFamily="49" charset="0"/>
+              </a:rPr>
+              <a:t> = </a:t>
+            </a:r>
+            <a:r>
+              <a:rPr lang="en-US" dirty="0">
+                <a:solidFill>
+                  <a:srgbClr val="CE9178"/>
+                </a:solidFill>
+                <a:latin typeface="Consolas" panose="020B0609020204030204" pitchFamily="49" charset="0"/>
+              </a:rPr>
+              <a:t>'</a:t>
+            </a:r>
+            <a:r>
+              <a:rPr lang="ru-RU" dirty="0">
+                <a:solidFill>
+                  <a:srgbClr val="CE9178"/>
+                </a:solidFill>
+                <a:latin typeface="Consolas" panose="020B0609020204030204" pitchFamily="49" charset="0"/>
+              </a:rPr>
+              <a:t>ещё нет'</a:t>
+            </a:r>
+            <a:r>
+              <a:rPr lang="ru-RU" dirty="0">
+                <a:solidFill>
+                  <a:srgbClr val="D4D4D4"/>
+                </a:solidFill>
+                <a:latin typeface="Consolas" panose="020B0609020204030204" pitchFamily="49" charset="0"/>
+              </a:rPr>
+              <a:t>;    </a:t>
+            </a:r>
+            <a:r>
+              <a:rPr lang="ru-RU" dirty="0">
+                <a:solidFill>
+                  <a:srgbClr val="6A9955"/>
+                </a:solidFill>
+                <a:latin typeface="Consolas" panose="020B0609020204030204" pitchFamily="49" charset="0"/>
+              </a:rPr>
+              <a:t>// верно; начинается с символа подчёркивания</a:t>
+            </a:r>
+            <a:endParaRPr lang="ru-RU" dirty="0">
+              <a:solidFill>
+                <a:srgbClr val="D4D4D4"/>
+              </a:solidFill>
+              <a:latin typeface="Consolas" panose="020B0609020204030204" pitchFamily="49" charset="0"/>
+            </a:endParaRPr>
+          </a:p>
+          <a:p>
+            <a:r>
+              <a:rPr lang="ru-RU" dirty="0">
+                <a:solidFill>
+                  <a:srgbClr val="9CDCFE"/>
+                </a:solidFill>
+                <a:latin typeface="Consolas" panose="020B0609020204030204" pitchFamily="49" charset="0"/>
+              </a:rPr>
+              <a:t>$</a:t>
+            </a:r>
+            <a:r>
+              <a:rPr lang="en-US" dirty="0">
+                <a:solidFill>
+                  <a:srgbClr val="9CDCFE"/>
+                </a:solidFill>
+                <a:latin typeface="Consolas" panose="020B0609020204030204" pitchFamily="49" charset="0"/>
+              </a:rPr>
+              <a:t>täyte</a:t>
+            </a:r>
+            <a:r>
+              <a:rPr lang="en-US" dirty="0">
+                <a:solidFill>
+                  <a:srgbClr val="D4D4D4"/>
+                </a:solidFill>
+                <a:latin typeface="Consolas" panose="020B0609020204030204" pitchFamily="49" charset="0"/>
+              </a:rPr>
+              <a:t> = </a:t>
+            </a:r>
+            <a:r>
+              <a:rPr lang="en-US" dirty="0">
+                <a:solidFill>
+                  <a:srgbClr val="CE9178"/>
+                </a:solidFill>
+                <a:latin typeface="Consolas" panose="020B0609020204030204" pitchFamily="49" charset="0"/>
+              </a:rPr>
+              <a:t>'mansikka'</a:t>
+            </a:r>
+            <a:r>
+              <a:rPr lang="en-US" dirty="0">
+                <a:solidFill>
+                  <a:srgbClr val="D4D4D4"/>
+                </a:solidFill>
+                <a:latin typeface="Consolas" panose="020B0609020204030204" pitchFamily="49" charset="0"/>
+              </a:rPr>
+              <a:t>;    </a:t>
+            </a:r>
+            <a:r>
+              <a:rPr lang="en-US" dirty="0">
+                <a:solidFill>
+                  <a:srgbClr val="6A9955"/>
+                </a:solidFill>
+                <a:latin typeface="Consolas" panose="020B0609020204030204" pitchFamily="49" charset="0"/>
+              </a:rPr>
+              <a:t>// </a:t>
+            </a:r>
+            <a:r>
+              <a:rPr lang="ru-RU" dirty="0">
+                <a:solidFill>
+                  <a:srgbClr val="6A9955"/>
+                </a:solidFill>
+                <a:latin typeface="Consolas" panose="020B0609020204030204" pitchFamily="49" charset="0"/>
+              </a:rPr>
+              <a:t>верно; '</a:t>
+            </a:r>
+            <a:r>
+              <a:rPr lang="en-US" dirty="0">
+                <a:solidFill>
+                  <a:srgbClr val="6A9955"/>
+                </a:solidFill>
+                <a:latin typeface="Consolas" panose="020B0609020204030204" pitchFamily="49" charset="0"/>
+              </a:rPr>
+              <a:t>ä' </a:t>
+            </a:r>
+            <a:r>
+              <a:rPr lang="ru-RU" dirty="0">
+                <a:solidFill>
+                  <a:srgbClr val="6A9955"/>
+                </a:solidFill>
+                <a:latin typeface="Consolas" panose="020B0609020204030204" pitchFamily="49" charset="0"/>
+              </a:rPr>
+              <a:t>это (Расширенный) </a:t>
+            </a:r>
+            <a:r>
+              <a:rPr lang="en-US" dirty="0">
+                <a:solidFill>
+                  <a:srgbClr val="6A9955"/>
+                </a:solidFill>
+                <a:latin typeface="Consolas" panose="020B0609020204030204" pitchFamily="49" charset="0"/>
+              </a:rPr>
+              <a:t>ASCII 228.</a:t>
+            </a:r>
+            <a:endParaRPr lang="en-US" dirty="0">
+              <a:solidFill>
+                <a:srgbClr val="D4D4D4"/>
+              </a:solidFill>
+              <a:latin typeface="Consolas" panose="020B0609020204030204" pitchFamily="49" charset="0"/>
+            </a:endParaRPr>
+          </a:p>
+          <a:p>
+            <a:r>
+              <a:rPr lang="en-US" dirty="0">
+                <a:solidFill>
+                  <a:srgbClr val="569CD6"/>
+                </a:solidFill>
+                <a:latin typeface="Consolas" panose="020B0609020204030204" pitchFamily="49" charset="0"/>
+              </a:rPr>
+              <a:t>?&gt;</a:t>
+            </a:r>
+            <a:endParaRPr lang="en-US" b="0" dirty="0">
+              <a:solidFill>
+                <a:srgbClr val="D4D4D4"/>
+              </a:solidFill>
+              <a:effectLst/>
+              <a:latin typeface="Consolas" panose="020B0609020204030204" pitchFamily="49" charset="0"/>
+            </a:endParaRPr>
+          </a:p>
+        </p:txBody>
+      </p:sp>
+    </p:spTree>
+    <p:extLst>
+      <p:ext uri="{BB962C8B-B14F-4D97-AF65-F5344CB8AC3E}">
+        <p14:creationId xmlns:p14="http://schemas.microsoft.com/office/powerpoint/2010/main" val="642579818"/>
+      </p:ext>
+    </p:extLst>
+  </p:cSld>
+  <p:clrMapOvr>
+    <a:masterClrMapping/>
+  </p:clrMapOvr>
+</p:sld>
+</file>
+
+<file path=ppt/slides/slide13.xml><?xml version="1.0" encoding="utf-8"?>
+<p:sld xmlns:a="http://schemas.openxmlformats.org/drawingml/2006/main" xmlns:r="http://schemas.openxmlformats.org/officeDocument/2006/relationships" xmlns:p="http://schemas.openxmlformats.org/presentationml/2006/main">
+  <p:cSld>
+    <p:spTree>
+      <p:nvGrpSpPr>
+        <p:cNvPr id="1" name=""/>
+        <p:cNvGrpSpPr/>
+        <p:nvPr/>
+      </p:nvGrpSpPr>
+      <p:grpSpPr>
+        <a:xfrm>
+          <a:off x="0" y="0"/>
+          <a:ext cx="0" cy="0"/>
+          <a:chOff x="0" y="0"/>
+          <a:chExt cx="0" cy="0"/>
+        </a:xfrm>
+      </p:grpSpPr>
+      <p:sp>
+        <p:nvSpPr>
+          <p:cNvPr id="2" name="Заголовок 1">
+            <a:extLst>
+              <a:ext uri="{FF2B5EF4-FFF2-40B4-BE49-F238E27FC236}">
+                <a16:creationId xmlns:a16="http://schemas.microsoft.com/office/drawing/2014/main" id="{F0CFD8CD-4667-4AE5-921E-8BA00626532D}"/>
+              </a:ext>
+            </a:extLst>
+          </p:cNvPr>
+          <p:cNvSpPr>
+            <a:spLocks noGrp="1"/>
+          </p:cNvSpPr>
+          <p:nvPr>
+            <p:ph type="title"/>
+          </p:nvPr>
+        </p:nvSpPr>
+        <p:spPr>
+          <a:xfrm>
+            <a:off x="0" y="119650"/>
+            <a:ext cx="12270460" cy="335487"/>
+          </a:xfrm>
+        </p:spPr>
+        <p:txBody>
+          <a:bodyPr>
+            <a:normAutofit fontScale="90000"/>
+          </a:bodyPr>
+          <a:lstStyle/>
+          <a:p>
+            <a:pPr algn="ctr"/>
+            <a:r>
+              <a:rPr lang="ru-RU" dirty="0"/>
+              <a:t>Запуск </a:t>
+            </a:r>
+            <a:r>
+              <a:rPr lang="en-US" dirty="0"/>
+              <a:t>Open server</a:t>
+            </a:r>
+            <a:endParaRPr lang="ru-RU" dirty="0"/>
+          </a:p>
+        </p:txBody>
+      </p:sp>
+      <p:sp>
+        <p:nvSpPr>
+          <p:cNvPr id="3" name="Объект 2">
+            <a:extLst>
+              <a:ext uri="{FF2B5EF4-FFF2-40B4-BE49-F238E27FC236}">
+                <a16:creationId xmlns:a16="http://schemas.microsoft.com/office/drawing/2014/main" id="{DC3F7CEE-10D8-4AE8-96FF-8821C07CA526}"/>
+              </a:ext>
+            </a:extLst>
+          </p:cNvPr>
+          <p:cNvSpPr>
+            <a:spLocks noGrp="1"/>
+          </p:cNvSpPr>
+          <p:nvPr>
+            <p:ph idx="1"/>
+          </p:nvPr>
+        </p:nvSpPr>
+        <p:spPr>
+          <a:xfrm>
+            <a:off x="675273" y="528589"/>
+            <a:ext cx="11275295" cy="3541714"/>
+          </a:xfrm>
+        </p:spPr>
+        <p:txBody>
+          <a:bodyPr/>
+          <a:lstStyle/>
+          <a:p>
+            <a:r>
+              <a:rPr lang="ru-RU" dirty="0"/>
+              <a:t>Скачиваем и устанавливаем </a:t>
+            </a:r>
+            <a:r>
+              <a:rPr lang="en-US" dirty="0"/>
+              <a:t>open server</a:t>
+            </a:r>
+            <a:r>
+              <a:rPr lang="ru-RU" dirty="0"/>
+              <a:t> с официального сайта</a:t>
+            </a:r>
+            <a:r>
+              <a:rPr lang="en-US" dirty="0"/>
+              <a:t>(</a:t>
+            </a:r>
+            <a:r>
+              <a:rPr lang="en-US" dirty="0">
+                <a:hlinkClick r:id="rId2"/>
+              </a:rPr>
+              <a:t>https://ospanel.io/</a:t>
+            </a:r>
+            <a:r>
+              <a:rPr lang="en-US" dirty="0"/>
+              <a:t>)</a:t>
+            </a:r>
+            <a:endParaRPr lang="ru-RU" dirty="0"/>
+          </a:p>
+          <a:p>
+            <a:r>
+              <a:rPr lang="ru-RU" dirty="0"/>
+              <a:t>В папке </a:t>
+            </a:r>
+            <a:r>
+              <a:rPr lang="en-US" dirty="0"/>
+              <a:t>openserver\domains </a:t>
+            </a:r>
+            <a:r>
+              <a:rPr lang="ru-RU" dirty="0"/>
+              <a:t>создаём папку с названием </a:t>
+            </a:r>
+            <a:r>
+              <a:rPr lang="en-US" dirty="0"/>
+              <a:t>brandshop</a:t>
+            </a:r>
+            <a:endParaRPr lang="ru-RU" dirty="0"/>
+          </a:p>
+        </p:txBody>
+      </p:sp>
+      <p:pic>
+        <p:nvPicPr>
+          <p:cNvPr id="4" name="Рисунок 3">
+            <a:extLst>
+              <a:ext uri="{FF2B5EF4-FFF2-40B4-BE49-F238E27FC236}">
+                <a16:creationId xmlns:a16="http://schemas.microsoft.com/office/drawing/2014/main" id="{468D1A7D-7BF8-4574-882C-181A653298BA}"/>
+              </a:ext>
+            </a:extLst>
+          </p:cNvPr>
+          <p:cNvPicPr>
+            <a:picLocks noChangeAspect="1"/>
+          </p:cNvPicPr>
+          <p:nvPr/>
+        </p:nvPicPr>
+        <p:blipFill>
+          <a:blip r:embed="rId3"/>
+          <a:stretch>
+            <a:fillRect/>
+          </a:stretch>
+        </p:blipFill>
+        <p:spPr>
+          <a:xfrm>
+            <a:off x="982880" y="1637387"/>
+            <a:ext cx="10226240" cy="1324118"/>
+          </a:xfrm>
+          <a:prstGeom prst="rect">
+            <a:avLst/>
+          </a:prstGeom>
+        </p:spPr>
+      </p:pic>
+      <p:pic>
+        <p:nvPicPr>
+          <p:cNvPr id="5" name="Рисунок 4">
+            <a:extLst>
+              <a:ext uri="{FF2B5EF4-FFF2-40B4-BE49-F238E27FC236}">
+                <a16:creationId xmlns:a16="http://schemas.microsoft.com/office/drawing/2014/main" id="{C542A5D4-3D47-4120-A750-6224E2533066}"/>
+              </a:ext>
+            </a:extLst>
+          </p:cNvPr>
+          <p:cNvPicPr>
+            <a:picLocks noChangeAspect="1"/>
+          </p:cNvPicPr>
+          <p:nvPr/>
+        </p:nvPicPr>
+        <p:blipFill>
+          <a:blip r:embed="rId4"/>
+          <a:stretch>
+            <a:fillRect/>
+          </a:stretch>
+        </p:blipFill>
+        <p:spPr>
+          <a:xfrm>
+            <a:off x="5886843" y="3220419"/>
+            <a:ext cx="2190750" cy="914400"/>
+          </a:xfrm>
+          <a:prstGeom prst="rect">
+            <a:avLst/>
+          </a:prstGeom>
+        </p:spPr>
+      </p:pic>
+      <p:pic>
+        <p:nvPicPr>
+          <p:cNvPr id="8" name="Рисунок 7">
+            <a:extLst>
+              <a:ext uri="{FF2B5EF4-FFF2-40B4-BE49-F238E27FC236}">
+                <a16:creationId xmlns:a16="http://schemas.microsoft.com/office/drawing/2014/main" id="{A67C0F1B-D007-4152-B3C8-809C0D95F6BB}"/>
+              </a:ext>
+            </a:extLst>
+          </p:cNvPr>
+          <p:cNvPicPr>
+            <a:picLocks noChangeAspect="1"/>
+          </p:cNvPicPr>
+          <p:nvPr/>
+        </p:nvPicPr>
+        <p:blipFill>
+          <a:blip r:embed="rId5"/>
+          <a:stretch>
+            <a:fillRect/>
+          </a:stretch>
+        </p:blipFill>
+        <p:spPr>
+          <a:xfrm>
+            <a:off x="10147967" y="3458104"/>
+            <a:ext cx="2047875" cy="523875"/>
+          </a:xfrm>
+          <a:prstGeom prst="rect">
+            <a:avLst/>
+          </a:prstGeom>
+        </p:spPr>
+      </p:pic>
+      <p:sp>
+        <p:nvSpPr>
+          <p:cNvPr id="10" name="Прямоугольник 9">
+            <a:extLst>
+              <a:ext uri="{FF2B5EF4-FFF2-40B4-BE49-F238E27FC236}">
+                <a16:creationId xmlns:a16="http://schemas.microsoft.com/office/drawing/2014/main" id="{F9071241-CE1B-4F09-8241-F4D3269E83DD}"/>
+              </a:ext>
+            </a:extLst>
+          </p:cNvPr>
+          <p:cNvSpPr/>
+          <p:nvPr/>
+        </p:nvSpPr>
+        <p:spPr>
+          <a:xfrm>
+            <a:off x="672122" y="3119878"/>
+            <a:ext cx="5060394" cy="1200329"/>
+          </a:xfrm>
+          <a:prstGeom prst="rect">
+            <a:avLst/>
+          </a:prstGeom>
+        </p:spPr>
+        <p:txBody>
+          <a:bodyPr wrap="square">
+            <a:spAutoFit/>
+          </a:bodyPr>
+          <a:lstStyle/>
+          <a:p>
+            <a:r>
+              <a:rPr lang="ru-RU" sz="2400" dirty="0"/>
+              <a:t>Если </a:t>
+            </a:r>
+            <a:r>
+              <a:rPr lang="en-US" sz="2400" dirty="0"/>
+              <a:t>Open Server</a:t>
+            </a:r>
+            <a:r>
+              <a:rPr lang="ru-RU" sz="2400" dirty="0"/>
+              <a:t> ещё не запущен, нужно сделать это кликом на флажок</a:t>
+            </a:r>
+            <a:r>
+              <a:rPr lang="en-US" sz="2400" dirty="0"/>
+              <a:t> </a:t>
+            </a:r>
+            <a:r>
+              <a:rPr lang="ru-RU" sz="2400" dirty="0"/>
+              <a:t>на панели задач </a:t>
+            </a:r>
+            <a:r>
+              <a:rPr lang="en-US" sz="2400" dirty="0"/>
+              <a:t>&gt;</a:t>
+            </a:r>
+            <a:r>
+              <a:rPr lang="ru-RU" sz="2400" dirty="0"/>
+              <a:t> Запустить</a:t>
+            </a:r>
+          </a:p>
+        </p:txBody>
+      </p:sp>
+      <p:sp>
+        <p:nvSpPr>
+          <p:cNvPr id="11" name="Прямоугольник 10">
+            <a:extLst>
+              <a:ext uri="{FF2B5EF4-FFF2-40B4-BE49-F238E27FC236}">
+                <a16:creationId xmlns:a16="http://schemas.microsoft.com/office/drawing/2014/main" id="{D3CF1DAC-F48F-4B61-8072-7BA87DBE435B}"/>
+              </a:ext>
+            </a:extLst>
+          </p:cNvPr>
+          <p:cNvSpPr/>
+          <p:nvPr/>
+        </p:nvSpPr>
+        <p:spPr>
+          <a:xfrm>
+            <a:off x="672122" y="4629464"/>
+            <a:ext cx="6096000" cy="1200329"/>
+          </a:xfrm>
+          <a:prstGeom prst="rect">
+            <a:avLst/>
+          </a:prstGeom>
+        </p:spPr>
+        <p:txBody>
+          <a:bodyPr>
+            <a:spAutoFit/>
+          </a:bodyPr>
+          <a:lstStyle/>
+          <a:p>
+            <a:r>
+              <a:rPr lang="ru-RU" sz="2400" dirty="0"/>
+              <a:t>Пишем в адресной строке </a:t>
+            </a:r>
+            <a:r>
+              <a:rPr lang="en-US" sz="2400" dirty="0">
+                <a:hlinkClick r:id="rId6"/>
+              </a:rPr>
+              <a:t>https://brandshop</a:t>
+            </a:r>
+            <a:r>
+              <a:rPr lang="en-US" sz="2400" dirty="0"/>
+              <a:t> </a:t>
+            </a:r>
+            <a:r>
+              <a:rPr lang="ru-RU" sz="2400" dirty="0"/>
+              <a:t>или просто </a:t>
+            </a:r>
+            <a:r>
+              <a:rPr lang="en-US" sz="2400" dirty="0"/>
+              <a:t>brandshop, </a:t>
+            </a:r>
+            <a:r>
+              <a:rPr lang="ru-RU" sz="2400" dirty="0"/>
+              <a:t>в результате мы должны получить такую веб страницу</a:t>
+            </a:r>
+            <a:r>
+              <a:rPr lang="en-US" sz="2400" dirty="0"/>
+              <a:t>:</a:t>
+            </a:r>
+            <a:endParaRPr lang="ru-RU" sz="2400" dirty="0"/>
+          </a:p>
+        </p:txBody>
+      </p:sp>
+      <p:pic>
+        <p:nvPicPr>
+          <p:cNvPr id="12" name="Рисунок 11">
+            <a:extLst>
+              <a:ext uri="{FF2B5EF4-FFF2-40B4-BE49-F238E27FC236}">
+                <a16:creationId xmlns:a16="http://schemas.microsoft.com/office/drawing/2014/main" id="{AE86EDDC-DBBD-4812-B566-14B28A01BDCC}"/>
+              </a:ext>
+            </a:extLst>
+          </p:cNvPr>
+          <p:cNvPicPr>
+            <a:picLocks noChangeAspect="1"/>
+          </p:cNvPicPr>
+          <p:nvPr/>
+        </p:nvPicPr>
+        <p:blipFill>
+          <a:blip r:embed="rId7"/>
+          <a:stretch>
+            <a:fillRect/>
+          </a:stretch>
+        </p:blipFill>
+        <p:spPr>
+          <a:xfrm>
+            <a:off x="8413880" y="3200780"/>
+            <a:ext cx="1600200" cy="942975"/>
+          </a:xfrm>
+          <a:prstGeom prst="rect">
+            <a:avLst/>
+          </a:prstGeom>
+        </p:spPr>
+      </p:pic>
+      <p:pic>
+        <p:nvPicPr>
+          <p:cNvPr id="13" name="Рисунок 12">
+            <a:extLst>
+              <a:ext uri="{FF2B5EF4-FFF2-40B4-BE49-F238E27FC236}">
+                <a16:creationId xmlns:a16="http://schemas.microsoft.com/office/drawing/2014/main" id="{95B44F2E-52CA-457A-B427-A7F23584E29F}"/>
+              </a:ext>
+            </a:extLst>
+          </p:cNvPr>
+          <p:cNvPicPr>
+            <a:picLocks noChangeAspect="1"/>
+          </p:cNvPicPr>
+          <p:nvPr/>
+        </p:nvPicPr>
+        <p:blipFill>
+          <a:blip r:embed="rId8"/>
+          <a:stretch>
+            <a:fillRect/>
+          </a:stretch>
+        </p:blipFill>
+        <p:spPr>
+          <a:xfrm>
+            <a:off x="7047579" y="4566902"/>
+            <a:ext cx="4124325" cy="1752600"/>
+          </a:xfrm>
+          <a:prstGeom prst="rect">
+            <a:avLst/>
+          </a:prstGeom>
+        </p:spPr>
+      </p:pic>
+    </p:spTree>
+    <p:extLst>
+      <p:ext uri="{BB962C8B-B14F-4D97-AF65-F5344CB8AC3E}">
+        <p14:creationId xmlns:p14="http://schemas.microsoft.com/office/powerpoint/2010/main" val="1164353090"/>
+      </p:ext>
+    </p:extLst>
+  </p:cSld>
+  <p:clrMapOvr>
+    <a:masterClrMapping/>
+  </p:clrMapOvr>
+</p:sld>
+</file>
+
+<file path=ppt/slides/slide14.xml><?xml version="1.0" encoding="utf-8"?>
+<p:sld xmlns:a="http://schemas.openxmlformats.org/drawingml/2006/main" xmlns:r="http://schemas.openxmlformats.org/officeDocument/2006/relationships" xmlns:p="http://schemas.openxmlformats.org/presentationml/2006/main">
+  <p:cSld>
+    <p:spTree>
+      <p:nvGrpSpPr>
+        <p:cNvPr id="1" name=""/>
+        <p:cNvGrpSpPr/>
+        <p:nvPr/>
+      </p:nvGrpSpPr>
+      <p:grpSpPr>
+        <a:xfrm>
+          <a:off x="0" y="0"/>
+          <a:ext cx="0" cy="0"/>
+          <a:chOff x="0" y="0"/>
+          <a:chExt cx="0" cy="0"/>
+        </a:xfrm>
+      </p:grpSpPr>
+      <p:sp>
+        <p:nvSpPr>
+          <p:cNvPr id="2" name="Заголовок 1">
+            <a:extLst>
+              <a:ext uri="{FF2B5EF4-FFF2-40B4-BE49-F238E27FC236}">
+                <a16:creationId xmlns:a16="http://schemas.microsoft.com/office/drawing/2014/main" id="{1F5CF761-D298-4D27-9F8E-E7ACFFBE2C28}"/>
+              </a:ext>
+            </a:extLst>
+          </p:cNvPr>
+          <p:cNvSpPr>
+            <a:spLocks noGrp="1"/>
+          </p:cNvSpPr>
+          <p:nvPr>
+            <p:ph type="title"/>
+          </p:nvPr>
+        </p:nvSpPr>
+        <p:spPr>
+          <a:xfrm>
+            <a:off x="-1589" y="0"/>
+            <a:ext cx="12192000" cy="859809"/>
+          </a:xfrm>
+        </p:spPr>
+        <p:txBody>
+          <a:bodyPr/>
+          <a:lstStyle/>
+          <a:p>
+            <a:pPr algn="ctr"/>
+            <a:r>
+              <a:rPr lang="ru-RU" dirty="0"/>
+              <a:t>Создание простого интернет магазина</a:t>
+            </a:r>
+          </a:p>
+        </p:txBody>
+      </p:sp>
+      <p:sp>
+        <p:nvSpPr>
+          <p:cNvPr id="3" name="Объект 2">
+            <a:extLst>
+              <a:ext uri="{FF2B5EF4-FFF2-40B4-BE49-F238E27FC236}">
+                <a16:creationId xmlns:a16="http://schemas.microsoft.com/office/drawing/2014/main" id="{45B538DE-CADA-43E0-9A11-348C72EDECCE}"/>
+              </a:ext>
+            </a:extLst>
+          </p:cNvPr>
+          <p:cNvSpPr>
+            <a:spLocks noGrp="1"/>
+          </p:cNvSpPr>
+          <p:nvPr>
+            <p:ph idx="1"/>
+          </p:nvPr>
+        </p:nvSpPr>
+        <p:spPr>
+          <a:xfrm>
+            <a:off x="595502" y="627797"/>
+            <a:ext cx="9905999" cy="5363569"/>
+          </a:xfrm>
+        </p:spPr>
+        <p:txBody>
+          <a:bodyPr/>
+          <a:lstStyle/>
+          <a:p>
+            <a:r>
+              <a:rPr lang="ru-RU" dirty="0"/>
+              <a:t>Создаём в папке сервера</a:t>
+            </a:r>
+            <a:r>
+              <a:rPr lang="en-US" dirty="0"/>
+              <a:t>(</a:t>
+            </a:r>
+            <a:r>
+              <a:rPr lang="ru-RU" dirty="0"/>
+              <a:t>в нашем случае </a:t>
+            </a:r>
+            <a:r>
+              <a:rPr lang="en-US" dirty="0"/>
+              <a:t>open server)</a:t>
+            </a:r>
+            <a:r>
+              <a:rPr lang="ru-RU" dirty="0"/>
+              <a:t> файл </a:t>
+            </a:r>
+            <a:r>
+              <a:rPr lang="en-US" dirty="0"/>
+              <a:t>index.php </a:t>
+            </a:r>
+            <a:r>
+              <a:rPr lang="ru-RU" dirty="0"/>
+              <a:t>со следующим содержанием</a:t>
+            </a:r>
+            <a:r>
+              <a:rPr lang="en-US" dirty="0"/>
+              <a:t>:</a:t>
+            </a:r>
+            <a:endParaRPr lang="ru-RU" dirty="0"/>
+          </a:p>
+        </p:txBody>
+      </p:sp>
+      <p:sp>
+        <p:nvSpPr>
+          <p:cNvPr id="4" name="Прямоугольник 3">
+            <a:extLst>
+              <a:ext uri="{FF2B5EF4-FFF2-40B4-BE49-F238E27FC236}">
+                <a16:creationId xmlns:a16="http://schemas.microsoft.com/office/drawing/2014/main" id="{AD5A3A72-0A4D-4BE3-B483-45C3A6C91BD0}"/>
+              </a:ext>
+            </a:extLst>
+          </p:cNvPr>
+          <p:cNvSpPr/>
+          <p:nvPr/>
+        </p:nvSpPr>
+        <p:spPr>
+          <a:xfrm>
+            <a:off x="855151" y="1705888"/>
+            <a:ext cx="9646350" cy="4524315"/>
+          </a:xfrm>
+          <a:prstGeom prst="rect">
+            <a:avLst/>
+          </a:prstGeom>
+          <a:solidFill>
+            <a:schemeClr val="bg1"/>
+          </a:solidFill>
+        </p:spPr>
+        <p:txBody>
+          <a:bodyPr wrap="square">
+            <a:spAutoFit/>
+          </a:bodyPr>
+          <a:lstStyle/>
+          <a:p>
+            <a:r>
+              <a:rPr lang="en-US" sz="1200" dirty="0">
+                <a:solidFill>
+                  <a:srgbClr val="808080"/>
+                </a:solidFill>
+                <a:latin typeface="Consolas" panose="020B0609020204030204" pitchFamily="49" charset="0"/>
+              </a:rPr>
+              <a:t>&lt;!</a:t>
+            </a:r>
+            <a:r>
+              <a:rPr lang="en-US" sz="1200" dirty="0">
+                <a:solidFill>
+                  <a:srgbClr val="569CD6"/>
+                </a:solidFill>
+                <a:latin typeface="Consolas" panose="020B0609020204030204" pitchFamily="49" charset="0"/>
+              </a:rPr>
+              <a:t>DOCTYPE</a:t>
+            </a:r>
+            <a:r>
+              <a:rPr lang="en-US" sz="1200" dirty="0">
+                <a:solidFill>
+                  <a:srgbClr val="D4D4D4"/>
+                </a:solidFill>
+                <a:latin typeface="Consolas" panose="020B0609020204030204" pitchFamily="49" charset="0"/>
+              </a:rPr>
+              <a:t> </a:t>
+            </a:r>
+            <a:r>
+              <a:rPr lang="en-US" sz="1200" dirty="0">
+                <a:solidFill>
+                  <a:srgbClr val="9CDCFE"/>
+                </a:solidFill>
+                <a:latin typeface="Consolas" panose="020B0609020204030204" pitchFamily="49" charset="0"/>
+              </a:rPr>
+              <a:t>html</a:t>
+            </a:r>
+            <a:r>
+              <a:rPr lang="en-US" sz="1200" dirty="0">
+                <a:solidFill>
+                  <a:srgbClr val="808080"/>
+                </a:solidFill>
+                <a:latin typeface="Consolas" panose="020B0609020204030204" pitchFamily="49" charset="0"/>
+              </a:rPr>
+              <a:t>&gt;</a:t>
+            </a:r>
+            <a:endParaRPr lang="en-US" sz="1200" dirty="0">
+              <a:solidFill>
+                <a:srgbClr val="D4D4D4"/>
+              </a:solidFill>
+              <a:latin typeface="Consolas" panose="020B0609020204030204" pitchFamily="49" charset="0"/>
+            </a:endParaRPr>
+          </a:p>
+          <a:p>
+            <a:r>
+              <a:rPr lang="en-US" sz="1200" dirty="0">
+                <a:solidFill>
+                  <a:srgbClr val="808080"/>
+                </a:solidFill>
+                <a:latin typeface="Consolas" panose="020B0609020204030204" pitchFamily="49" charset="0"/>
+              </a:rPr>
+              <a:t>&lt;</a:t>
+            </a:r>
+            <a:r>
+              <a:rPr lang="en-US" sz="1200" dirty="0">
+                <a:solidFill>
+                  <a:srgbClr val="569CD6"/>
+                </a:solidFill>
+                <a:latin typeface="Consolas" panose="020B0609020204030204" pitchFamily="49" charset="0"/>
+              </a:rPr>
+              <a:t>html</a:t>
+            </a:r>
+            <a:r>
+              <a:rPr lang="en-US" sz="1200" dirty="0">
+                <a:solidFill>
+                  <a:srgbClr val="D4D4D4"/>
+                </a:solidFill>
+                <a:latin typeface="Consolas" panose="020B0609020204030204" pitchFamily="49" charset="0"/>
+              </a:rPr>
+              <a:t> </a:t>
+            </a:r>
+            <a:r>
+              <a:rPr lang="en-US" sz="1200" dirty="0">
+                <a:solidFill>
+                  <a:srgbClr val="9CDCFE"/>
+                </a:solidFill>
+                <a:latin typeface="Consolas" panose="020B0609020204030204" pitchFamily="49" charset="0"/>
+              </a:rPr>
+              <a:t>lang</a:t>
+            </a:r>
+            <a:r>
+              <a:rPr lang="en-US" sz="1200" dirty="0">
+                <a:solidFill>
+                  <a:srgbClr val="D4D4D4"/>
+                </a:solidFill>
+                <a:latin typeface="Consolas" panose="020B0609020204030204" pitchFamily="49" charset="0"/>
+              </a:rPr>
+              <a:t>=</a:t>
+            </a:r>
+            <a:r>
+              <a:rPr lang="en-US" sz="1200" dirty="0">
+                <a:solidFill>
+                  <a:srgbClr val="CE9178"/>
+                </a:solidFill>
+                <a:latin typeface="Consolas" panose="020B0609020204030204" pitchFamily="49" charset="0"/>
+              </a:rPr>
+              <a:t>"</a:t>
+            </a:r>
+            <a:r>
+              <a:rPr lang="en-US" sz="1200" dirty="0" err="1">
+                <a:solidFill>
+                  <a:srgbClr val="CE9178"/>
+                </a:solidFill>
+                <a:latin typeface="Consolas" panose="020B0609020204030204" pitchFamily="49" charset="0"/>
+              </a:rPr>
+              <a:t>ru</a:t>
+            </a:r>
+            <a:r>
+              <a:rPr lang="en-US" sz="1200" dirty="0">
+                <a:solidFill>
+                  <a:srgbClr val="CE9178"/>
+                </a:solidFill>
+                <a:latin typeface="Consolas" panose="020B0609020204030204" pitchFamily="49" charset="0"/>
+              </a:rPr>
+              <a:t>"</a:t>
+            </a:r>
+            <a:r>
+              <a:rPr lang="en-US" sz="1200" dirty="0">
+                <a:solidFill>
+                  <a:srgbClr val="808080"/>
+                </a:solidFill>
+                <a:latin typeface="Consolas" panose="020B0609020204030204" pitchFamily="49" charset="0"/>
+              </a:rPr>
+              <a:t>&gt;</a:t>
+            </a:r>
+            <a:endParaRPr lang="en-US" sz="1200" dirty="0">
+              <a:solidFill>
+                <a:srgbClr val="D4D4D4"/>
+              </a:solidFill>
+              <a:latin typeface="Consolas" panose="020B0609020204030204" pitchFamily="49" charset="0"/>
+            </a:endParaRPr>
+          </a:p>
+          <a:p>
+            <a:r>
+              <a:rPr lang="en-US" sz="1200" dirty="0">
+                <a:solidFill>
+                  <a:srgbClr val="808080"/>
+                </a:solidFill>
+                <a:latin typeface="Consolas" panose="020B0609020204030204" pitchFamily="49" charset="0"/>
+              </a:rPr>
+              <a:t>&lt;</a:t>
+            </a:r>
+            <a:r>
+              <a:rPr lang="en-US" sz="1200" dirty="0">
+                <a:solidFill>
+                  <a:srgbClr val="569CD6"/>
+                </a:solidFill>
+                <a:latin typeface="Consolas" panose="020B0609020204030204" pitchFamily="49" charset="0"/>
+              </a:rPr>
+              <a:t>head</a:t>
+            </a:r>
+            <a:r>
+              <a:rPr lang="en-US" sz="1200" dirty="0">
+                <a:solidFill>
+                  <a:srgbClr val="808080"/>
+                </a:solidFill>
+                <a:latin typeface="Consolas" panose="020B0609020204030204" pitchFamily="49" charset="0"/>
+              </a:rPr>
+              <a:t>&gt;</a:t>
+            </a:r>
+            <a:endParaRPr lang="en-US" sz="1200" dirty="0">
+              <a:solidFill>
+                <a:srgbClr val="D4D4D4"/>
+              </a:solidFill>
+              <a:latin typeface="Consolas" panose="020B0609020204030204" pitchFamily="49" charset="0"/>
+            </a:endParaRPr>
+          </a:p>
+          <a:p>
+            <a:r>
+              <a:rPr lang="en-US" sz="1200" dirty="0">
+                <a:solidFill>
+                  <a:srgbClr val="D4D4D4"/>
+                </a:solidFill>
+                <a:latin typeface="Consolas" panose="020B0609020204030204" pitchFamily="49" charset="0"/>
+              </a:rPr>
+              <a:t>    </a:t>
+            </a:r>
+            <a:r>
+              <a:rPr lang="en-US" sz="1200" dirty="0">
+                <a:solidFill>
+                  <a:srgbClr val="808080"/>
+                </a:solidFill>
+                <a:latin typeface="Consolas" panose="020B0609020204030204" pitchFamily="49" charset="0"/>
+              </a:rPr>
+              <a:t>&lt;</a:t>
+            </a:r>
+            <a:r>
+              <a:rPr lang="en-US" sz="1200" dirty="0">
+                <a:solidFill>
+                  <a:srgbClr val="569CD6"/>
+                </a:solidFill>
+                <a:latin typeface="Consolas" panose="020B0609020204030204" pitchFamily="49" charset="0"/>
+              </a:rPr>
+              <a:t>meta</a:t>
+            </a:r>
+            <a:r>
+              <a:rPr lang="en-US" sz="1200" dirty="0">
+                <a:solidFill>
+                  <a:srgbClr val="D4D4D4"/>
+                </a:solidFill>
+                <a:latin typeface="Consolas" panose="020B0609020204030204" pitchFamily="49" charset="0"/>
+              </a:rPr>
+              <a:t> </a:t>
+            </a:r>
+            <a:r>
+              <a:rPr lang="en-US" sz="1200" dirty="0">
+                <a:solidFill>
+                  <a:srgbClr val="9CDCFE"/>
+                </a:solidFill>
+                <a:latin typeface="Consolas" panose="020B0609020204030204" pitchFamily="49" charset="0"/>
+              </a:rPr>
+              <a:t>charset</a:t>
+            </a:r>
+            <a:r>
+              <a:rPr lang="en-US" sz="1200" dirty="0">
+                <a:solidFill>
+                  <a:srgbClr val="D4D4D4"/>
+                </a:solidFill>
+                <a:latin typeface="Consolas" panose="020B0609020204030204" pitchFamily="49" charset="0"/>
+              </a:rPr>
+              <a:t>=</a:t>
+            </a:r>
+            <a:r>
+              <a:rPr lang="en-US" sz="1200" dirty="0">
+                <a:solidFill>
+                  <a:srgbClr val="CE9178"/>
+                </a:solidFill>
+                <a:latin typeface="Consolas" panose="020B0609020204030204" pitchFamily="49" charset="0"/>
+              </a:rPr>
+              <a:t>"UTF-8"</a:t>
+            </a:r>
+            <a:r>
+              <a:rPr lang="en-US" sz="1200" dirty="0">
+                <a:solidFill>
+                  <a:srgbClr val="808080"/>
+                </a:solidFill>
+                <a:latin typeface="Consolas" panose="020B0609020204030204" pitchFamily="49" charset="0"/>
+              </a:rPr>
+              <a:t>&gt;</a:t>
+            </a:r>
+            <a:endParaRPr lang="en-US" sz="1200" dirty="0">
+              <a:solidFill>
+                <a:srgbClr val="D4D4D4"/>
+              </a:solidFill>
+              <a:latin typeface="Consolas" panose="020B0609020204030204" pitchFamily="49" charset="0"/>
+            </a:endParaRPr>
+          </a:p>
+          <a:p>
+            <a:r>
+              <a:rPr lang="en-US" sz="1200" dirty="0">
+                <a:solidFill>
+                  <a:srgbClr val="D4D4D4"/>
+                </a:solidFill>
+                <a:latin typeface="Consolas" panose="020B0609020204030204" pitchFamily="49" charset="0"/>
+              </a:rPr>
+              <a:t>    </a:t>
+            </a:r>
+            <a:r>
+              <a:rPr lang="en-US" sz="1200" dirty="0">
+                <a:solidFill>
+                  <a:srgbClr val="808080"/>
+                </a:solidFill>
+                <a:latin typeface="Consolas" panose="020B0609020204030204" pitchFamily="49" charset="0"/>
+              </a:rPr>
+              <a:t>&lt;</a:t>
+            </a:r>
+            <a:r>
+              <a:rPr lang="en-US" sz="1200" dirty="0">
+                <a:solidFill>
+                  <a:srgbClr val="569CD6"/>
+                </a:solidFill>
+                <a:latin typeface="Consolas" panose="020B0609020204030204" pitchFamily="49" charset="0"/>
+              </a:rPr>
+              <a:t>link</a:t>
+            </a:r>
+            <a:r>
+              <a:rPr lang="en-US" sz="1200" dirty="0">
+                <a:solidFill>
+                  <a:srgbClr val="D4D4D4"/>
+                </a:solidFill>
+                <a:latin typeface="Consolas" panose="020B0609020204030204" pitchFamily="49" charset="0"/>
+              </a:rPr>
+              <a:t> </a:t>
+            </a:r>
+            <a:r>
+              <a:rPr lang="en-US" sz="1200" dirty="0">
+                <a:solidFill>
+                  <a:srgbClr val="9CDCFE"/>
+                </a:solidFill>
+                <a:latin typeface="Consolas" panose="020B0609020204030204" pitchFamily="49" charset="0"/>
+              </a:rPr>
+              <a:t>href</a:t>
+            </a:r>
+            <a:r>
+              <a:rPr lang="en-US" sz="1200" dirty="0">
+                <a:solidFill>
+                  <a:srgbClr val="D4D4D4"/>
+                </a:solidFill>
+                <a:latin typeface="Consolas" panose="020B0609020204030204" pitchFamily="49" charset="0"/>
+              </a:rPr>
+              <a:t>=</a:t>
+            </a:r>
+            <a:r>
+              <a:rPr lang="en-US" sz="1200" dirty="0">
+                <a:solidFill>
+                  <a:srgbClr val="CE9178"/>
+                </a:solidFill>
+                <a:latin typeface="Consolas" panose="020B0609020204030204" pitchFamily="49" charset="0"/>
+              </a:rPr>
+              <a:t>"styles/site.css"</a:t>
+            </a:r>
+            <a:r>
+              <a:rPr lang="en-US" sz="1200" dirty="0">
+                <a:solidFill>
+                  <a:srgbClr val="D4D4D4"/>
+                </a:solidFill>
+                <a:latin typeface="Consolas" panose="020B0609020204030204" pitchFamily="49" charset="0"/>
+              </a:rPr>
+              <a:t> </a:t>
+            </a:r>
+            <a:r>
+              <a:rPr lang="en-US" sz="1200" dirty="0">
+                <a:solidFill>
+                  <a:srgbClr val="9CDCFE"/>
+                </a:solidFill>
+                <a:latin typeface="Consolas" panose="020B0609020204030204" pitchFamily="49" charset="0"/>
+              </a:rPr>
+              <a:t>rel</a:t>
+            </a:r>
+            <a:r>
+              <a:rPr lang="en-US" sz="1200" dirty="0">
+                <a:solidFill>
+                  <a:srgbClr val="D4D4D4"/>
+                </a:solidFill>
+                <a:latin typeface="Consolas" panose="020B0609020204030204" pitchFamily="49" charset="0"/>
+              </a:rPr>
+              <a:t>=</a:t>
+            </a:r>
+            <a:r>
+              <a:rPr lang="en-US" sz="1200" dirty="0">
+                <a:solidFill>
+                  <a:srgbClr val="CE9178"/>
+                </a:solidFill>
+                <a:latin typeface="Consolas" panose="020B0609020204030204" pitchFamily="49" charset="0"/>
+              </a:rPr>
+              <a:t>"stylesheet"</a:t>
+            </a:r>
+            <a:r>
+              <a:rPr lang="en-US" sz="1200" dirty="0">
+                <a:solidFill>
+                  <a:srgbClr val="808080"/>
+                </a:solidFill>
+                <a:latin typeface="Consolas" panose="020B0609020204030204" pitchFamily="49" charset="0"/>
+              </a:rPr>
+              <a:t>&gt;</a:t>
+            </a:r>
+            <a:endParaRPr lang="en-US" sz="1200" dirty="0">
+              <a:solidFill>
+                <a:srgbClr val="D4D4D4"/>
+              </a:solidFill>
+              <a:latin typeface="Consolas" panose="020B0609020204030204" pitchFamily="49" charset="0"/>
+            </a:endParaRPr>
+          </a:p>
+          <a:p>
+            <a:r>
+              <a:rPr lang="en-US" sz="1200" dirty="0">
+                <a:solidFill>
+                  <a:srgbClr val="D4D4D4"/>
+                </a:solidFill>
+                <a:latin typeface="Consolas" panose="020B0609020204030204" pitchFamily="49" charset="0"/>
+              </a:rPr>
+              <a:t>    </a:t>
+            </a:r>
+            <a:r>
+              <a:rPr lang="en-US" sz="1200" dirty="0">
+                <a:solidFill>
+                  <a:srgbClr val="808080"/>
+                </a:solidFill>
+                <a:latin typeface="Consolas" panose="020B0609020204030204" pitchFamily="49" charset="0"/>
+              </a:rPr>
+              <a:t>&lt;</a:t>
+            </a:r>
+            <a:r>
+              <a:rPr lang="en-US" sz="1200" dirty="0">
+                <a:solidFill>
+                  <a:srgbClr val="569CD6"/>
+                </a:solidFill>
+                <a:latin typeface="Consolas" panose="020B0609020204030204" pitchFamily="49" charset="0"/>
+              </a:rPr>
+              <a:t>script</a:t>
+            </a:r>
+            <a:r>
+              <a:rPr lang="en-US" sz="1200" dirty="0">
+                <a:solidFill>
+                  <a:srgbClr val="D4D4D4"/>
+                </a:solidFill>
+                <a:latin typeface="Consolas" panose="020B0609020204030204" pitchFamily="49" charset="0"/>
+              </a:rPr>
+              <a:t> </a:t>
+            </a:r>
+            <a:r>
+              <a:rPr lang="en-US" sz="1200" dirty="0">
+                <a:solidFill>
+                  <a:srgbClr val="9CDCFE"/>
+                </a:solidFill>
+                <a:latin typeface="Consolas" panose="020B0609020204030204" pitchFamily="49" charset="0"/>
+              </a:rPr>
+              <a:t>src</a:t>
+            </a:r>
+            <a:r>
+              <a:rPr lang="en-US" sz="1200" dirty="0">
+                <a:solidFill>
+                  <a:srgbClr val="D4D4D4"/>
+                </a:solidFill>
+                <a:latin typeface="Consolas" panose="020B0609020204030204" pitchFamily="49" charset="0"/>
+              </a:rPr>
+              <a:t>=</a:t>
+            </a:r>
+            <a:r>
+              <a:rPr lang="en-US" sz="1200" dirty="0">
+                <a:solidFill>
+                  <a:srgbClr val="CE9178"/>
+                </a:solidFill>
+                <a:latin typeface="Consolas" panose="020B0609020204030204" pitchFamily="49" charset="0"/>
+              </a:rPr>
+              <a:t>"scripts/jquery.js"</a:t>
+            </a:r>
+            <a:r>
+              <a:rPr lang="en-US" sz="1200" dirty="0">
+                <a:solidFill>
+                  <a:srgbClr val="808080"/>
+                </a:solidFill>
+                <a:latin typeface="Consolas" panose="020B0609020204030204" pitchFamily="49" charset="0"/>
+              </a:rPr>
+              <a:t>&gt;&lt;/</a:t>
+            </a:r>
+            <a:r>
+              <a:rPr lang="en-US" sz="1200" dirty="0">
+                <a:solidFill>
+                  <a:srgbClr val="569CD6"/>
+                </a:solidFill>
+                <a:latin typeface="Consolas" panose="020B0609020204030204" pitchFamily="49" charset="0"/>
+              </a:rPr>
+              <a:t>script</a:t>
+            </a:r>
+            <a:r>
+              <a:rPr lang="en-US" sz="1200" dirty="0">
+                <a:solidFill>
+                  <a:srgbClr val="808080"/>
+                </a:solidFill>
+                <a:latin typeface="Consolas" panose="020B0609020204030204" pitchFamily="49" charset="0"/>
+              </a:rPr>
+              <a:t>&gt;</a:t>
+            </a:r>
+            <a:endParaRPr lang="en-US" sz="1200" dirty="0">
+              <a:solidFill>
+                <a:srgbClr val="D4D4D4"/>
+              </a:solidFill>
+              <a:latin typeface="Consolas" panose="020B0609020204030204" pitchFamily="49" charset="0"/>
+            </a:endParaRPr>
+          </a:p>
+          <a:p>
+            <a:r>
+              <a:rPr lang="en-US" sz="1200" dirty="0">
+                <a:solidFill>
+                  <a:srgbClr val="D4D4D4"/>
+                </a:solidFill>
+                <a:latin typeface="Consolas" panose="020B0609020204030204" pitchFamily="49" charset="0"/>
+              </a:rPr>
+              <a:t>    </a:t>
+            </a:r>
+            <a:r>
+              <a:rPr lang="en-US" sz="1200" dirty="0">
+                <a:solidFill>
+                  <a:srgbClr val="808080"/>
+                </a:solidFill>
+                <a:latin typeface="Consolas" panose="020B0609020204030204" pitchFamily="49" charset="0"/>
+              </a:rPr>
+              <a:t>&lt;</a:t>
+            </a:r>
+            <a:r>
+              <a:rPr lang="en-US" sz="1200" dirty="0">
+                <a:solidFill>
+                  <a:srgbClr val="569CD6"/>
+                </a:solidFill>
+                <a:latin typeface="Consolas" panose="020B0609020204030204" pitchFamily="49" charset="0"/>
+              </a:rPr>
+              <a:t>script</a:t>
+            </a:r>
+            <a:r>
+              <a:rPr lang="en-US" sz="1200" dirty="0">
+                <a:solidFill>
+                  <a:srgbClr val="D4D4D4"/>
+                </a:solidFill>
+                <a:latin typeface="Consolas" panose="020B0609020204030204" pitchFamily="49" charset="0"/>
+              </a:rPr>
+              <a:t> </a:t>
+            </a:r>
+            <a:r>
+              <a:rPr lang="en-US" sz="1200" dirty="0">
+                <a:solidFill>
+                  <a:srgbClr val="9CDCFE"/>
+                </a:solidFill>
+                <a:latin typeface="Consolas" panose="020B0609020204030204" pitchFamily="49" charset="0"/>
+              </a:rPr>
+              <a:t>src</a:t>
+            </a:r>
+            <a:r>
+              <a:rPr lang="en-US" sz="1200" dirty="0">
+                <a:solidFill>
+                  <a:srgbClr val="D4D4D4"/>
+                </a:solidFill>
+                <a:latin typeface="Consolas" panose="020B0609020204030204" pitchFamily="49" charset="0"/>
+              </a:rPr>
+              <a:t>=</a:t>
+            </a:r>
+            <a:r>
+              <a:rPr lang="en-US" sz="1200" dirty="0">
+                <a:solidFill>
+                  <a:srgbClr val="CE9178"/>
+                </a:solidFill>
+                <a:latin typeface="Consolas" panose="020B0609020204030204" pitchFamily="49" charset="0"/>
+              </a:rPr>
+              <a:t>"scripts/site.js"</a:t>
+            </a:r>
+            <a:r>
+              <a:rPr lang="en-US" sz="1200" dirty="0">
+                <a:solidFill>
+                  <a:srgbClr val="808080"/>
+                </a:solidFill>
+                <a:latin typeface="Consolas" panose="020B0609020204030204" pitchFamily="49" charset="0"/>
+              </a:rPr>
+              <a:t>&gt;&lt;/</a:t>
+            </a:r>
+            <a:r>
+              <a:rPr lang="en-US" sz="1200" dirty="0">
+                <a:solidFill>
+                  <a:srgbClr val="569CD6"/>
+                </a:solidFill>
+                <a:latin typeface="Consolas" panose="020B0609020204030204" pitchFamily="49" charset="0"/>
+              </a:rPr>
+              <a:t>script</a:t>
+            </a:r>
+            <a:r>
+              <a:rPr lang="en-US" sz="1200" dirty="0">
+                <a:solidFill>
+                  <a:srgbClr val="808080"/>
+                </a:solidFill>
+                <a:latin typeface="Consolas" panose="020B0609020204030204" pitchFamily="49" charset="0"/>
+              </a:rPr>
+              <a:t>&gt;</a:t>
+            </a:r>
+            <a:endParaRPr lang="en-US" sz="1200" dirty="0">
+              <a:solidFill>
+                <a:srgbClr val="D4D4D4"/>
+              </a:solidFill>
+              <a:latin typeface="Consolas" panose="020B0609020204030204" pitchFamily="49" charset="0"/>
+            </a:endParaRPr>
+          </a:p>
+          <a:p>
+            <a:r>
+              <a:rPr lang="en-US" sz="1200" dirty="0">
+                <a:solidFill>
+                  <a:srgbClr val="D4D4D4"/>
+                </a:solidFill>
+                <a:latin typeface="Consolas" panose="020B0609020204030204" pitchFamily="49" charset="0"/>
+              </a:rPr>
+              <a:t>    </a:t>
+            </a:r>
+            <a:r>
+              <a:rPr lang="en-US" sz="1200" dirty="0">
+                <a:solidFill>
+                  <a:srgbClr val="808080"/>
+                </a:solidFill>
+                <a:latin typeface="Consolas" panose="020B0609020204030204" pitchFamily="49" charset="0"/>
+              </a:rPr>
+              <a:t>&lt;</a:t>
+            </a:r>
+            <a:r>
+              <a:rPr lang="en-US" sz="1200" dirty="0">
+                <a:solidFill>
+                  <a:srgbClr val="569CD6"/>
+                </a:solidFill>
+                <a:latin typeface="Consolas" panose="020B0609020204030204" pitchFamily="49" charset="0"/>
+              </a:rPr>
+              <a:t>title</a:t>
+            </a:r>
+            <a:r>
+              <a:rPr lang="en-US" sz="1200" dirty="0">
+                <a:solidFill>
+                  <a:srgbClr val="808080"/>
+                </a:solidFill>
+                <a:latin typeface="Consolas" panose="020B0609020204030204" pitchFamily="49" charset="0"/>
+              </a:rPr>
+              <a:t>&gt;</a:t>
+            </a:r>
+            <a:r>
+              <a:rPr lang="ru-RU" sz="1200" dirty="0">
+                <a:solidFill>
+                  <a:srgbClr val="D4D4D4"/>
+                </a:solidFill>
+                <a:latin typeface="Consolas" panose="020B0609020204030204" pitchFamily="49" charset="0"/>
+              </a:rPr>
+              <a:t>Онлайн магазин</a:t>
+            </a:r>
+            <a:r>
+              <a:rPr lang="ru-RU" sz="1200" dirty="0">
+                <a:solidFill>
+                  <a:srgbClr val="808080"/>
+                </a:solidFill>
+                <a:latin typeface="Consolas" panose="020B0609020204030204" pitchFamily="49" charset="0"/>
+              </a:rPr>
+              <a:t>&lt;/</a:t>
+            </a:r>
+            <a:r>
+              <a:rPr lang="en-US" sz="1200" dirty="0">
+                <a:solidFill>
+                  <a:srgbClr val="569CD6"/>
+                </a:solidFill>
+                <a:latin typeface="Consolas" panose="020B0609020204030204" pitchFamily="49" charset="0"/>
+              </a:rPr>
+              <a:t>title</a:t>
+            </a:r>
+            <a:r>
+              <a:rPr lang="en-US" sz="1200" dirty="0">
+                <a:solidFill>
+                  <a:srgbClr val="808080"/>
+                </a:solidFill>
+                <a:latin typeface="Consolas" panose="020B0609020204030204" pitchFamily="49" charset="0"/>
+              </a:rPr>
+              <a:t>&gt;</a:t>
+            </a:r>
+            <a:endParaRPr lang="en-US" sz="1200" dirty="0">
+              <a:solidFill>
+                <a:srgbClr val="D4D4D4"/>
+              </a:solidFill>
+              <a:latin typeface="Consolas" panose="020B0609020204030204" pitchFamily="49" charset="0"/>
+            </a:endParaRPr>
+          </a:p>
+          <a:p>
+            <a:r>
+              <a:rPr lang="en-US" sz="1200" dirty="0">
+                <a:solidFill>
+                  <a:srgbClr val="808080"/>
+                </a:solidFill>
+                <a:latin typeface="Consolas" panose="020B0609020204030204" pitchFamily="49" charset="0"/>
+              </a:rPr>
+              <a:t>&lt;/</a:t>
+            </a:r>
+            <a:r>
+              <a:rPr lang="en-US" sz="1200" dirty="0">
+                <a:solidFill>
+                  <a:srgbClr val="569CD6"/>
+                </a:solidFill>
+                <a:latin typeface="Consolas" panose="020B0609020204030204" pitchFamily="49" charset="0"/>
+              </a:rPr>
+              <a:t>head</a:t>
+            </a:r>
+            <a:r>
+              <a:rPr lang="en-US" sz="1200" dirty="0">
+                <a:solidFill>
+                  <a:srgbClr val="808080"/>
+                </a:solidFill>
+                <a:latin typeface="Consolas" panose="020B0609020204030204" pitchFamily="49" charset="0"/>
+              </a:rPr>
+              <a:t>&gt;</a:t>
+            </a:r>
+            <a:endParaRPr lang="en-US" sz="1200" dirty="0">
+              <a:solidFill>
+                <a:srgbClr val="D4D4D4"/>
+              </a:solidFill>
+              <a:latin typeface="Consolas" panose="020B0609020204030204" pitchFamily="49" charset="0"/>
+            </a:endParaRPr>
+          </a:p>
+          <a:p>
+            <a:r>
+              <a:rPr lang="en-US" sz="1200" dirty="0">
+                <a:solidFill>
+                  <a:srgbClr val="808080"/>
+                </a:solidFill>
+                <a:latin typeface="Consolas" panose="020B0609020204030204" pitchFamily="49" charset="0"/>
+              </a:rPr>
+              <a:t>&lt;</a:t>
+            </a:r>
+            <a:r>
+              <a:rPr lang="en-US" sz="1200" dirty="0">
+                <a:solidFill>
+                  <a:srgbClr val="569CD6"/>
+                </a:solidFill>
+                <a:latin typeface="Consolas" panose="020B0609020204030204" pitchFamily="49" charset="0"/>
+              </a:rPr>
+              <a:t>body</a:t>
+            </a:r>
+            <a:r>
+              <a:rPr lang="en-US" sz="1200" dirty="0">
+                <a:solidFill>
+                  <a:srgbClr val="808080"/>
+                </a:solidFill>
+                <a:latin typeface="Consolas" panose="020B0609020204030204" pitchFamily="49" charset="0"/>
+              </a:rPr>
+              <a:t>&gt;</a:t>
+            </a:r>
+            <a:endParaRPr lang="en-US" sz="1200" dirty="0">
+              <a:solidFill>
+                <a:srgbClr val="D4D4D4"/>
+              </a:solidFill>
+              <a:latin typeface="Consolas" panose="020B0609020204030204" pitchFamily="49" charset="0"/>
+            </a:endParaRPr>
+          </a:p>
+          <a:p>
+            <a:r>
+              <a:rPr lang="en-US" sz="1200" dirty="0">
+                <a:solidFill>
+                  <a:srgbClr val="808080"/>
+                </a:solidFill>
+                <a:latin typeface="Consolas" panose="020B0609020204030204" pitchFamily="49" charset="0"/>
+              </a:rPr>
+              <a:t>&lt;</a:t>
+            </a:r>
+            <a:r>
+              <a:rPr lang="en-US" sz="1200" dirty="0">
+                <a:solidFill>
+                  <a:srgbClr val="569CD6"/>
+                </a:solidFill>
+                <a:latin typeface="Consolas" panose="020B0609020204030204" pitchFamily="49" charset="0"/>
+              </a:rPr>
+              <a:t>header</a:t>
+            </a:r>
+            <a:r>
+              <a:rPr lang="en-US" sz="1200" dirty="0">
+                <a:solidFill>
+                  <a:srgbClr val="808080"/>
+                </a:solidFill>
+                <a:latin typeface="Consolas" panose="020B0609020204030204" pitchFamily="49" charset="0"/>
+              </a:rPr>
+              <a:t>&gt;</a:t>
+            </a:r>
+            <a:endParaRPr lang="en-US" sz="1200" dirty="0">
+              <a:solidFill>
+                <a:srgbClr val="D4D4D4"/>
+              </a:solidFill>
+              <a:latin typeface="Consolas" panose="020B0609020204030204" pitchFamily="49" charset="0"/>
+            </a:endParaRPr>
+          </a:p>
+          <a:p>
+            <a:r>
+              <a:rPr lang="en-US" sz="1200" dirty="0">
+                <a:solidFill>
+                  <a:srgbClr val="D4D4D4"/>
+                </a:solidFill>
+                <a:latin typeface="Consolas" panose="020B0609020204030204" pitchFamily="49" charset="0"/>
+              </a:rPr>
+              <a:t>    </a:t>
+            </a:r>
+            <a:r>
+              <a:rPr lang="en-US" sz="1200" dirty="0">
+                <a:solidFill>
+                  <a:srgbClr val="808080"/>
+                </a:solidFill>
+                <a:latin typeface="Consolas" panose="020B0609020204030204" pitchFamily="49" charset="0"/>
+              </a:rPr>
+              <a:t>&lt;</a:t>
+            </a:r>
+            <a:r>
+              <a:rPr lang="en-US" sz="1200" dirty="0">
+                <a:solidFill>
+                  <a:srgbClr val="569CD6"/>
+                </a:solidFill>
+                <a:latin typeface="Consolas" panose="020B0609020204030204" pitchFamily="49" charset="0"/>
+              </a:rPr>
+              <a:t>div</a:t>
+            </a:r>
+            <a:r>
+              <a:rPr lang="en-US" sz="1200" dirty="0">
+                <a:solidFill>
+                  <a:srgbClr val="D4D4D4"/>
+                </a:solidFill>
+                <a:latin typeface="Consolas" panose="020B0609020204030204" pitchFamily="49" charset="0"/>
+              </a:rPr>
+              <a:t> </a:t>
+            </a:r>
+            <a:r>
+              <a:rPr lang="en-US" sz="1200" dirty="0">
+                <a:solidFill>
+                  <a:srgbClr val="9CDCFE"/>
+                </a:solidFill>
+                <a:latin typeface="Consolas" panose="020B0609020204030204" pitchFamily="49" charset="0"/>
+              </a:rPr>
+              <a:t>id</a:t>
+            </a:r>
+            <a:r>
+              <a:rPr lang="en-US" sz="1200" dirty="0">
+                <a:solidFill>
+                  <a:srgbClr val="D4D4D4"/>
+                </a:solidFill>
+                <a:latin typeface="Consolas" panose="020B0609020204030204" pitchFamily="49" charset="0"/>
+              </a:rPr>
+              <a:t>=</a:t>
+            </a:r>
+            <a:r>
+              <a:rPr lang="en-US" sz="1200" dirty="0">
+                <a:solidFill>
+                  <a:srgbClr val="CE9178"/>
+                </a:solidFill>
+                <a:latin typeface="Consolas" panose="020B0609020204030204" pitchFamily="49" charset="0"/>
+              </a:rPr>
+              <a:t>"headerInside"</a:t>
+            </a:r>
+            <a:r>
+              <a:rPr lang="en-US" sz="1200" dirty="0">
+                <a:solidFill>
+                  <a:srgbClr val="808080"/>
+                </a:solidFill>
+                <a:latin typeface="Consolas" panose="020B0609020204030204" pitchFamily="49" charset="0"/>
+              </a:rPr>
+              <a:t>&gt;</a:t>
+            </a:r>
+            <a:endParaRPr lang="en-US" sz="1200" dirty="0">
+              <a:solidFill>
+                <a:srgbClr val="D4D4D4"/>
+              </a:solidFill>
+              <a:latin typeface="Consolas" panose="020B0609020204030204" pitchFamily="49" charset="0"/>
+            </a:endParaRPr>
+          </a:p>
+          <a:p>
+            <a:r>
+              <a:rPr lang="en-US" sz="1200" dirty="0">
+                <a:solidFill>
+                  <a:srgbClr val="D4D4D4"/>
+                </a:solidFill>
+                <a:latin typeface="Consolas" panose="020B0609020204030204" pitchFamily="49" charset="0"/>
+              </a:rPr>
+              <a:t>        </a:t>
+            </a:r>
+            <a:r>
+              <a:rPr lang="en-US" sz="1200" dirty="0">
+                <a:solidFill>
+                  <a:srgbClr val="808080"/>
+                </a:solidFill>
+                <a:latin typeface="Consolas" panose="020B0609020204030204" pitchFamily="49" charset="0"/>
+              </a:rPr>
+              <a:t>&lt;</a:t>
+            </a:r>
+            <a:r>
+              <a:rPr lang="en-US" sz="1200" dirty="0">
+                <a:solidFill>
+                  <a:srgbClr val="569CD6"/>
+                </a:solidFill>
+                <a:latin typeface="Consolas" panose="020B0609020204030204" pitchFamily="49" charset="0"/>
+              </a:rPr>
+              <a:t>div</a:t>
+            </a:r>
+            <a:r>
+              <a:rPr lang="en-US" sz="1200" dirty="0">
+                <a:solidFill>
+                  <a:srgbClr val="D4D4D4"/>
+                </a:solidFill>
+                <a:latin typeface="Consolas" panose="020B0609020204030204" pitchFamily="49" charset="0"/>
+              </a:rPr>
+              <a:t> </a:t>
+            </a:r>
+            <a:r>
+              <a:rPr lang="en-US" sz="1200" dirty="0">
+                <a:solidFill>
+                  <a:srgbClr val="9CDCFE"/>
+                </a:solidFill>
+                <a:latin typeface="Consolas" panose="020B0609020204030204" pitchFamily="49" charset="0"/>
+              </a:rPr>
+              <a:t>id</a:t>
+            </a:r>
+            <a:r>
+              <a:rPr lang="en-US" sz="1200" dirty="0">
+                <a:solidFill>
+                  <a:srgbClr val="D4D4D4"/>
+                </a:solidFill>
+                <a:latin typeface="Consolas" panose="020B0609020204030204" pitchFamily="49" charset="0"/>
+              </a:rPr>
+              <a:t>=</a:t>
+            </a:r>
+            <a:r>
+              <a:rPr lang="en-US" sz="1200" dirty="0">
+                <a:solidFill>
+                  <a:srgbClr val="CE9178"/>
+                </a:solidFill>
+                <a:latin typeface="Consolas" panose="020B0609020204030204" pitchFamily="49" charset="0"/>
+              </a:rPr>
+              <a:t>"logo"</a:t>
+            </a:r>
+            <a:r>
+              <a:rPr lang="en-US" sz="1200" dirty="0">
+                <a:solidFill>
+                  <a:srgbClr val="808080"/>
+                </a:solidFill>
+                <a:latin typeface="Consolas" panose="020B0609020204030204" pitchFamily="49" charset="0"/>
+              </a:rPr>
+              <a:t>&gt;&lt;/</a:t>
+            </a:r>
+            <a:r>
+              <a:rPr lang="en-US" sz="1200" dirty="0">
+                <a:solidFill>
+                  <a:srgbClr val="569CD6"/>
+                </a:solidFill>
+                <a:latin typeface="Consolas" panose="020B0609020204030204" pitchFamily="49" charset="0"/>
+              </a:rPr>
+              <a:t>div</a:t>
+            </a:r>
+            <a:r>
+              <a:rPr lang="en-US" sz="1200" dirty="0">
+                <a:solidFill>
+                  <a:srgbClr val="808080"/>
+                </a:solidFill>
+                <a:latin typeface="Consolas" panose="020B0609020204030204" pitchFamily="49" charset="0"/>
+              </a:rPr>
+              <a:t>&gt;</a:t>
+            </a:r>
+            <a:endParaRPr lang="en-US" sz="1200" dirty="0">
+              <a:solidFill>
+                <a:srgbClr val="D4D4D4"/>
+              </a:solidFill>
+              <a:latin typeface="Consolas" panose="020B0609020204030204" pitchFamily="49" charset="0"/>
+            </a:endParaRPr>
+          </a:p>
+          <a:p>
+            <a:r>
+              <a:rPr lang="en-US" sz="1200" dirty="0">
+                <a:solidFill>
+                  <a:srgbClr val="D4D4D4"/>
+                </a:solidFill>
+                <a:latin typeface="Consolas" panose="020B0609020204030204" pitchFamily="49" charset="0"/>
+              </a:rPr>
+              <a:t>        </a:t>
+            </a:r>
+            <a:r>
+              <a:rPr lang="en-US" sz="1200" dirty="0">
+                <a:solidFill>
+                  <a:srgbClr val="808080"/>
+                </a:solidFill>
+                <a:latin typeface="Consolas" panose="020B0609020204030204" pitchFamily="49" charset="0"/>
+              </a:rPr>
+              <a:t>&lt;</a:t>
+            </a:r>
+            <a:r>
+              <a:rPr lang="en-US" sz="1200" dirty="0">
+                <a:solidFill>
+                  <a:srgbClr val="569CD6"/>
+                </a:solidFill>
+                <a:latin typeface="Consolas" panose="020B0609020204030204" pitchFamily="49" charset="0"/>
+              </a:rPr>
+              <a:t>div</a:t>
+            </a:r>
+            <a:r>
+              <a:rPr lang="en-US" sz="1200" dirty="0">
+                <a:solidFill>
+                  <a:srgbClr val="D4D4D4"/>
+                </a:solidFill>
+                <a:latin typeface="Consolas" panose="020B0609020204030204" pitchFamily="49" charset="0"/>
+              </a:rPr>
+              <a:t> </a:t>
+            </a:r>
+            <a:r>
+              <a:rPr lang="en-US" sz="1200" dirty="0">
+                <a:solidFill>
+                  <a:srgbClr val="9CDCFE"/>
+                </a:solidFill>
+                <a:latin typeface="Consolas" panose="020B0609020204030204" pitchFamily="49" charset="0"/>
+              </a:rPr>
+              <a:t>id</a:t>
+            </a:r>
+            <a:r>
+              <a:rPr lang="en-US" sz="1200" dirty="0">
+                <a:solidFill>
+                  <a:srgbClr val="D4D4D4"/>
+                </a:solidFill>
+                <a:latin typeface="Consolas" panose="020B0609020204030204" pitchFamily="49" charset="0"/>
+              </a:rPr>
+              <a:t>=</a:t>
+            </a:r>
+            <a:r>
+              <a:rPr lang="en-US" sz="1200" dirty="0">
+                <a:solidFill>
+                  <a:srgbClr val="CE9178"/>
+                </a:solidFill>
+                <a:latin typeface="Consolas" panose="020B0609020204030204" pitchFamily="49" charset="0"/>
+              </a:rPr>
+              <a:t>"companyName"</a:t>
+            </a:r>
+            <a:r>
+              <a:rPr lang="en-US" sz="1200" dirty="0">
+                <a:solidFill>
+                  <a:srgbClr val="808080"/>
+                </a:solidFill>
+                <a:latin typeface="Consolas" panose="020B0609020204030204" pitchFamily="49" charset="0"/>
+              </a:rPr>
+              <a:t>&gt;</a:t>
+            </a:r>
+            <a:r>
+              <a:rPr lang="en-US" sz="1200" dirty="0">
+                <a:solidFill>
+                  <a:srgbClr val="D4D4D4"/>
+                </a:solidFill>
+                <a:latin typeface="Consolas" panose="020B0609020204030204" pitchFamily="49" charset="0"/>
+              </a:rPr>
+              <a:t>Brand</a:t>
+            </a:r>
+            <a:r>
+              <a:rPr lang="en-US" sz="1200" dirty="0">
+                <a:solidFill>
+                  <a:srgbClr val="808080"/>
+                </a:solidFill>
+                <a:latin typeface="Consolas" panose="020B0609020204030204" pitchFamily="49" charset="0"/>
+              </a:rPr>
+              <a:t>&lt;/</a:t>
+            </a:r>
+            <a:r>
+              <a:rPr lang="en-US" sz="1200" dirty="0">
+                <a:solidFill>
+                  <a:srgbClr val="569CD6"/>
+                </a:solidFill>
+                <a:latin typeface="Consolas" panose="020B0609020204030204" pitchFamily="49" charset="0"/>
+              </a:rPr>
+              <a:t>div</a:t>
+            </a:r>
+            <a:r>
+              <a:rPr lang="en-US" sz="1200" dirty="0">
+                <a:solidFill>
+                  <a:srgbClr val="808080"/>
+                </a:solidFill>
+                <a:latin typeface="Consolas" panose="020B0609020204030204" pitchFamily="49" charset="0"/>
+              </a:rPr>
+              <a:t>&gt;</a:t>
+            </a:r>
+            <a:endParaRPr lang="en-US" sz="1200" dirty="0">
+              <a:solidFill>
+                <a:srgbClr val="D4D4D4"/>
+              </a:solidFill>
+              <a:latin typeface="Consolas" panose="020B0609020204030204" pitchFamily="49" charset="0"/>
+            </a:endParaRPr>
+          </a:p>
+          <a:p>
+            <a:r>
+              <a:rPr lang="en-US" sz="1200" dirty="0">
+                <a:solidFill>
+                  <a:srgbClr val="D4D4D4"/>
+                </a:solidFill>
+                <a:latin typeface="Consolas" panose="020B0609020204030204" pitchFamily="49" charset="0"/>
+              </a:rPr>
+              <a:t>        </a:t>
+            </a:r>
+            <a:r>
+              <a:rPr lang="en-US" sz="1200" dirty="0">
+                <a:solidFill>
+                  <a:srgbClr val="808080"/>
+                </a:solidFill>
+                <a:latin typeface="Consolas" panose="020B0609020204030204" pitchFamily="49" charset="0"/>
+              </a:rPr>
+              <a:t>&lt;</a:t>
+            </a:r>
+            <a:r>
+              <a:rPr lang="en-US" sz="1200" dirty="0">
+                <a:solidFill>
+                  <a:srgbClr val="569CD6"/>
+                </a:solidFill>
+                <a:latin typeface="Consolas" panose="020B0609020204030204" pitchFamily="49" charset="0"/>
+              </a:rPr>
+              <a:t>div</a:t>
+            </a:r>
+            <a:r>
+              <a:rPr lang="en-US" sz="1200" dirty="0">
+                <a:solidFill>
+                  <a:srgbClr val="D4D4D4"/>
+                </a:solidFill>
+                <a:latin typeface="Consolas" panose="020B0609020204030204" pitchFamily="49" charset="0"/>
+              </a:rPr>
+              <a:t> </a:t>
+            </a:r>
+            <a:r>
+              <a:rPr lang="en-US" sz="1200" dirty="0">
+                <a:solidFill>
+                  <a:srgbClr val="9CDCFE"/>
+                </a:solidFill>
+                <a:latin typeface="Consolas" panose="020B0609020204030204" pitchFamily="49" charset="0"/>
+              </a:rPr>
+              <a:t>id</a:t>
+            </a:r>
+            <a:r>
+              <a:rPr lang="en-US" sz="1200" dirty="0">
+                <a:solidFill>
+                  <a:srgbClr val="D4D4D4"/>
+                </a:solidFill>
+                <a:latin typeface="Consolas" panose="020B0609020204030204" pitchFamily="49" charset="0"/>
+              </a:rPr>
+              <a:t>=</a:t>
+            </a:r>
+            <a:r>
+              <a:rPr lang="en-US" sz="1200" dirty="0">
+                <a:solidFill>
+                  <a:srgbClr val="CE9178"/>
+                </a:solidFill>
+                <a:latin typeface="Consolas" panose="020B0609020204030204" pitchFamily="49" charset="0"/>
+              </a:rPr>
+              <a:t>"navWrap"</a:t>
+            </a:r>
+            <a:r>
+              <a:rPr lang="en-US" sz="1200" dirty="0">
+                <a:solidFill>
+                  <a:srgbClr val="808080"/>
+                </a:solidFill>
+                <a:latin typeface="Consolas" panose="020B0609020204030204" pitchFamily="49" charset="0"/>
+              </a:rPr>
+              <a:t>&gt;</a:t>
+            </a:r>
+            <a:endParaRPr lang="en-US" sz="1200" dirty="0">
+              <a:solidFill>
+                <a:srgbClr val="D4D4D4"/>
+              </a:solidFill>
+              <a:latin typeface="Consolas" panose="020B0609020204030204" pitchFamily="49" charset="0"/>
+            </a:endParaRPr>
+          </a:p>
+          <a:p>
+            <a:r>
+              <a:rPr lang="en-US" sz="1200" dirty="0">
+                <a:solidFill>
+                  <a:srgbClr val="D4D4D4"/>
+                </a:solidFill>
+                <a:latin typeface="Consolas" panose="020B0609020204030204" pitchFamily="49" charset="0"/>
+              </a:rPr>
+              <a:t>            </a:t>
+            </a:r>
+            <a:r>
+              <a:rPr lang="en-US" sz="1200" dirty="0">
+                <a:solidFill>
+                  <a:srgbClr val="808080"/>
+                </a:solidFill>
+                <a:latin typeface="Consolas" panose="020B0609020204030204" pitchFamily="49" charset="0"/>
+              </a:rPr>
+              <a:t>&lt;</a:t>
+            </a:r>
+            <a:r>
+              <a:rPr lang="en-US" sz="1200" dirty="0">
+                <a:solidFill>
+                  <a:srgbClr val="569CD6"/>
+                </a:solidFill>
+                <a:latin typeface="Consolas" panose="020B0609020204030204" pitchFamily="49" charset="0"/>
+              </a:rPr>
+              <a:t>a</a:t>
+            </a:r>
+            <a:r>
+              <a:rPr lang="en-US" sz="1200" dirty="0">
+                <a:solidFill>
+                  <a:srgbClr val="D4D4D4"/>
+                </a:solidFill>
+                <a:latin typeface="Consolas" panose="020B0609020204030204" pitchFamily="49" charset="0"/>
+              </a:rPr>
+              <a:t> </a:t>
+            </a:r>
+            <a:r>
+              <a:rPr lang="en-US" sz="1200" dirty="0">
+                <a:solidFill>
+                  <a:srgbClr val="9CDCFE"/>
+                </a:solidFill>
+                <a:latin typeface="Consolas" panose="020B0609020204030204" pitchFamily="49" charset="0"/>
+              </a:rPr>
+              <a:t>href</a:t>
+            </a:r>
+            <a:r>
+              <a:rPr lang="en-US" sz="1200" dirty="0">
+                <a:solidFill>
+                  <a:srgbClr val="D4D4D4"/>
+                </a:solidFill>
+                <a:latin typeface="Consolas" panose="020B0609020204030204" pitchFamily="49" charset="0"/>
+              </a:rPr>
+              <a:t>=</a:t>
+            </a:r>
+            <a:r>
+              <a:rPr lang="en-US" sz="1200" dirty="0">
+                <a:solidFill>
+                  <a:srgbClr val="CE9178"/>
+                </a:solidFill>
+                <a:latin typeface="Consolas" panose="020B0609020204030204" pitchFamily="49" charset="0"/>
+              </a:rPr>
+              <a:t>"/"</a:t>
+            </a:r>
+            <a:r>
+              <a:rPr lang="en-US" sz="1200" dirty="0">
+                <a:solidFill>
+                  <a:srgbClr val="808080"/>
+                </a:solidFill>
+                <a:latin typeface="Consolas" panose="020B0609020204030204" pitchFamily="49" charset="0"/>
+              </a:rPr>
+              <a:t>&gt;</a:t>
+            </a:r>
+            <a:endParaRPr lang="en-US" sz="1200" dirty="0">
+              <a:solidFill>
+                <a:srgbClr val="D4D4D4"/>
+              </a:solidFill>
+              <a:latin typeface="Consolas" panose="020B0609020204030204" pitchFamily="49" charset="0"/>
+            </a:endParaRPr>
+          </a:p>
+          <a:p>
+            <a:r>
+              <a:rPr lang="en-US" sz="1200" dirty="0">
+                <a:solidFill>
+                  <a:srgbClr val="D4D4D4"/>
+                </a:solidFill>
+                <a:latin typeface="Consolas" panose="020B0609020204030204" pitchFamily="49" charset="0"/>
+              </a:rPr>
+              <a:t>                </a:t>
+            </a:r>
+            <a:r>
+              <a:rPr lang="ru-RU" sz="1200" dirty="0">
+                <a:solidFill>
+                  <a:srgbClr val="D4D4D4"/>
+                </a:solidFill>
+                <a:latin typeface="Consolas" panose="020B0609020204030204" pitchFamily="49" charset="0"/>
+              </a:rPr>
+              <a:t>Главная</a:t>
+            </a:r>
+          </a:p>
+          <a:p>
+            <a:r>
+              <a:rPr lang="ru-RU" sz="1200" dirty="0">
+                <a:solidFill>
+                  <a:srgbClr val="D4D4D4"/>
+                </a:solidFill>
+                <a:latin typeface="Consolas" panose="020B0609020204030204" pitchFamily="49" charset="0"/>
+              </a:rPr>
+              <a:t>            </a:t>
+            </a:r>
+            <a:r>
+              <a:rPr lang="ru-RU" sz="1200" dirty="0">
+                <a:solidFill>
+                  <a:srgbClr val="808080"/>
+                </a:solidFill>
+                <a:latin typeface="Consolas" panose="020B0609020204030204" pitchFamily="49" charset="0"/>
+              </a:rPr>
+              <a:t>&lt;/</a:t>
+            </a:r>
+            <a:r>
+              <a:rPr lang="en-US" sz="1200" dirty="0">
+                <a:solidFill>
+                  <a:srgbClr val="569CD6"/>
+                </a:solidFill>
+                <a:latin typeface="Consolas" panose="020B0609020204030204" pitchFamily="49" charset="0"/>
+              </a:rPr>
+              <a:t>a</a:t>
+            </a:r>
+            <a:r>
+              <a:rPr lang="en-US" sz="1200" dirty="0">
+                <a:solidFill>
+                  <a:srgbClr val="808080"/>
+                </a:solidFill>
+                <a:latin typeface="Consolas" panose="020B0609020204030204" pitchFamily="49" charset="0"/>
+              </a:rPr>
+              <a:t>&gt;</a:t>
+            </a:r>
+            <a:endParaRPr lang="en-US" sz="1200" dirty="0">
+              <a:solidFill>
+                <a:srgbClr val="D4D4D4"/>
+              </a:solidFill>
+              <a:latin typeface="Consolas" panose="020B0609020204030204" pitchFamily="49" charset="0"/>
+            </a:endParaRPr>
+          </a:p>
+          <a:p>
+            <a:r>
+              <a:rPr lang="en-US" sz="1200" dirty="0">
+                <a:solidFill>
+                  <a:srgbClr val="D4D4D4"/>
+                </a:solidFill>
+                <a:latin typeface="Consolas" panose="020B0609020204030204" pitchFamily="49" charset="0"/>
+              </a:rPr>
+              <a:t>            </a:t>
+            </a:r>
+            <a:r>
+              <a:rPr lang="en-US" sz="1200" dirty="0">
+                <a:solidFill>
+                  <a:srgbClr val="808080"/>
+                </a:solidFill>
+                <a:latin typeface="Consolas" panose="020B0609020204030204" pitchFamily="49" charset="0"/>
+              </a:rPr>
+              <a:t>&lt;</a:t>
+            </a:r>
+            <a:r>
+              <a:rPr lang="en-US" sz="1200" dirty="0">
+                <a:solidFill>
+                  <a:srgbClr val="569CD6"/>
+                </a:solidFill>
+                <a:latin typeface="Consolas" panose="020B0609020204030204" pitchFamily="49" charset="0"/>
+              </a:rPr>
+              <a:t>a</a:t>
+            </a:r>
+            <a:r>
+              <a:rPr lang="en-US" sz="1200" dirty="0">
+                <a:solidFill>
+                  <a:srgbClr val="D4D4D4"/>
+                </a:solidFill>
+                <a:latin typeface="Consolas" panose="020B0609020204030204" pitchFamily="49" charset="0"/>
+              </a:rPr>
+              <a:t> </a:t>
+            </a:r>
+            <a:r>
+              <a:rPr lang="en-US" sz="1200" dirty="0">
+                <a:solidFill>
+                  <a:srgbClr val="9CDCFE"/>
+                </a:solidFill>
+                <a:latin typeface="Consolas" panose="020B0609020204030204" pitchFamily="49" charset="0"/>
+              </a:rPr>
+              <a:t>href</a:t>
+            </a:r>
+            <a:r>
+              <a:rPr lang="en-US" sz="1200" dirty="0">
+                <a:solidFill>
+                  <a:srgbClr val="D4D4D4"/>
+                </a:solidFill>
+                <a:latin typeface="Consolas" panose="020B0609020204030204" pitchFamily="49" charset="0"/>
+              </a:rPr>
+              <a:t>=</a:t>
+            </a:r>
+            <a:r>
+              <a:rPr lang="en-US" sz="1200" dirty="0">
+                <a:solidFill>
+                  <a:srgbClr val="CE9178"/>
+                </a:solidFill>
+                <a:latin typeface="Consolas" panose="020B0609020204030204" pitchFamily="49" charset="0"/>
+              </a:rPr>
+              <a:t>"index.php?page=shop"</a:t>
+            </a:r>
+            <a:r>
+              <a:rPr lang="en-US" sz="1200" dirty="0">
+                <a:solidFill>
+                  <a:srgbClr val="808080"/>
+                </a:solidFill>
+                <a:latin typeface="Consolas" panose="020B0609020204030204" pitchFamily="49" charset="0"/>
+              </a:rPr>
+              <a:t>&gt;</a:t>
+            </a:r>
+            <a:endParaRPr lang="en-US" sz="1200" dirty="0">
+              <a:solidFill>
+                <a:srgbClr val="D4D4D4"/>
+              </a:solidFill>
+              <a:latin typeface="Consolas" panose="020B0609020204030204" pitchFamily="49" charset="0"/>
+            </a:endParaRPr>
+          </a:p>
+          <a:p>
+            <a:r>
+              <a:rPr lang="en-US" sz="1200" dirty="0">
+                <a:solidFill>
+                  <a:srgbClr val="D4D4D4"/>
+                </a:solidFill>
+                <a:latin typeface="Consolas" panose="020B0609020204030204" pitchFamily="49" charset="0"/>
+              </a:rPr>
+              <a:t>                </a:t>
+            </a:r>
+            <a:r>
+              <a:rPr lang="ru-RU" sz="1200" dirty="0">
+                <a:solidFill>
+                  <a:srgbClr val="D4D4D4"/>
+                </a:solidFill>
+                <a:latin typeface="Consolas" panose="020B0609020204030204" pitchFamily="49" charset="0"/>
+              </a:rPr>
+              <a:t>Магазин</a:t>
+            </a:r>
+          </a:p>
+          <a:p>
+            <a:r>
+              <a:rPr lang="ru-RU" sz="1200" dirty="0">
+                <a:solidFill>
+                  <a:srgbClr val="D4D4D4"/>
+                </a:solidFill>
+                <a:latin typeface="Consolas" panose="020B0609020204030204" pitchFamily="49" charset="0"/>
+              </a:rPr>
+              <a:t>            </a:t>
+            </a:r>
+            <a:r>
+              <a:rPr lang="ru-RU" sz="1200" dirty="0">
+                <a:solidFill>
+                  <a:srgbClr val="808080"/>
+                </a:solidFill>
+                <a:latin typeface="Consolas" panose="020B0609020204030204" pitchFamily="49" charset="0"/>
+              </a:rPr>
+              <a:t>&lt;/</a:t>
+            </a:r>
+            <a:r>
+              <a:rPr lang="en-US" sz="1200" dirty="0">
+                <a:solidFill>
+                  <a:srgbClr val="569CD6"/>
+                </a:solidFill>
+                <a:latin typeface="Consolas" panose="020B0609020204030204" pitchFamily="49" charset="0"/>
+              </a:rPr>
+              <a:t>a</a:t>
+            </a:r>
+            <a:r>
+              <a:rPr lang="en-US" sz="1200" dirty="0">
+                <a:solidFill>
+                  <a:srgbClr val="808080"/>
+                </a:solidFill>
+                <a:latin typeface="Consolas" panose="020B0609020204030204" pitchFamily="49" charset="0"/>
+              </a:rPr>
+              <a:t>&gt;</a:t>
+            </a:r>
+            <a:endParaRPr lang="en-US" sz="1200" dirty="0">
+              <a:solidFill>
+                <a:srgbClr val="D4D4D4"/>
+              </a:solidFill>
+              <a:latin typeface="Consolas" panose="020B0609020204030204" pitchFamily="49" charset="0"/>
+            </a:endParaRPr>
+          </a:p>
+          <a:p>
+            <a:r>
+              <a:rPr lang="en-US" sz="1200" dirty="0">
+                <a:solidFill>
+                  <a:srgbClr val="D4D4D4"/>
+                </a:solidFill>
+                <a:latin typeface="Consolas" panose="020B0609020204030204" pitchFamily="49" charset="0"/>
+              </a:rPr>
+              <a:t>        </a:t>
+            </a:r>
+            <a:r>
+              <a:rPr lang="en-US" sz="1200" dirty="0">
+                <a:solidFill>
+                  <a:srgbClr val="808080"/>
+                </a:solidFill>
+                <a:latin typeface="Consolas" panose="020B0609020204030204" pitchFamily="49" charset="0"/>
+              </a:rPr>
+              <a:t>&lt;/</a:t>
+            </a:r>
+            <a:r>
+              <a:rPr lang="en-US" sz="1200" dirty="0">
+                <a:solidFill>
+                  <a:srgbClr val="569CD6"/>
+                </a:solidFill>
+                <a:latin typeface="Consolas" panose="020B0609020204030204" pitchFamily="49" charset="0"/>
+              </a:rPr>
+              <a:t>div</a:t>
+            </a:r>
+            <a:r>
+              <a:rPr lang="en-US" sz="1200" dirty="0">
+                <a:solidFill>
+                  <a:srgbClr val="808080"/>
+                </a:solidFill>
+                <a:latin typeface="Consolas" panose="020B0609020204030204" pitchFamily="49" charset="0"/>
+              </a:rPr>
+              <a:t>&gt;</a:t>
+            </a:r>
+            <a:endParaRPr lang="en-US" sz="1200" dirty="0">
+              <a:solidFill>
+                <a:srgbClr val="D4D4D4"/>
+              </a:solidFill>
+              <a:latin typeface="Consolas" panose="020B0609020204030204" pitchFamily="49" charset="0"/>
+            </a:endParaRPr>
+          </a:p>
+          <a:p>
+            <a:r>
+              <a:rPr lang="en-US" sz="1200" dirty="0">
+                <a:solidFill>
+                  <a:srgbClr val="D4D4D4"/>
+                </a:solidFill>
+                <a:latin typeface="Consolas" panose="020B0609020204030204" pitchFamily="49" charset="0"/>
+              </a:rPr>
+              <a:t>    </a:t>
+            </a:r>
+            <a:r>
+              <a:rPr lang="en-US" sz="1200" dirty="0">
+                <a:solidFill>
+                  <a:srgbClr val="808080"/>
+                </a:solidFill>
+                <a:latin typeface="Consolas" panose="020B0609020204030204" pitchFamily="49" charset="0"/>
+              </a:rPr>
+              <a:t>&lt;/</a:t>
+            </a:r>
+            <a:r>
+              <a:rPr lang="en-US" sz="1200" dirty="0">
+                <a:solidFill>
+                  <a:srgbClr val="569CD6"/>
+                </a:solidFill>
+                <a:latin typeface="Consolas" panose="020B0609020204030204" pitchFamily="49" charset="0"/>
+              </a:rPr>
+              <a:t>div</a:t>
+            </a:r>
+            <a:r>
+              <a:rPr lang="en-US" sz="1200" dirty="0">
+                <a:solidFill>
+                  <a:srgbClr val="808080"/>
+                </a:solidFill>
+                <a:latin typeface="Consolas" panose="020B0609020204030204" pitchFamily="49" charset="0"/>
+              </a:rPr>
+              <a:t>&gt;</a:t>
+            </a:r>
+            <a:endParaRPr lang="en-US" sz="1200" dirty="0">
+              <a:solidFill>
+                <a:srgbClr val="D4D4D4"/>
+              </a:solidFill>
+              <a:latin typeface="Consolas" panose="020B0609020204030204" pitchFamily="49" charset="0"/>
+            </a:endParaRPr>
+          </a:p>
+          <a:p>
+            <a:r>
+              <a:rPr lang="en-US" sz="1200" dirty="0">
+                <a:solidFill>
+                  <a:srgbClr val="808080"/>
+                </a:solidFill>
+                <a:latin typeface="Consolas" panose="020B0609020204030204" pitchFamily="49" charset="0"/>
+              </a:rPr>
+              <a:t>&lt;/</a:t>
+            </a:r>
+            <a:r>
+              <a:rPr lang="en-US" sz="1200" dirty="0">
+                <a:solidFill>
+                  <a:srgbClr val="569CD6"/>
+                </a:solidFill>
+                <a:latin typeface="Consolas" panose="020B0609020204030204" pitchFamily="49" charset="0"/>
+              </a:rPr>
+              <a:t>header</a:t>
+            </a:r>
+            <a:r>
+              <a:rPr lang="en-US" sz="1200" dirty="0">
+                <a:solidFill>
+                  <a:srgbClr val="808080"/>
+                </a:solidFill>
+                <a:latin typeface="Consolas" panose="020B0609020204030204" pitchFamily="49" charset="0"/>
+              </a:rPr>
+              <a:t>&gt;</a:t>
+            </a:r>
+            <a:endParaRPr lang="en-US" sz="1200" b="0" dirty="0">
+              <a:solidFill>
+                <a:srgbClr val="D4D4D4"/>
+              </a:solidFill>
+              <a:effectLst/>
+              <a:latin typeface="Consolas" panose="020B0609020204030204" pitchFamily="49" charset="0"/>
+            </a:endParaRPr>
+          </a:p>
+        </p:txBody>
+      </p:sp>
+    </p:spTree>
+    <p:extLst>
+      <p:ext uri="{BB962C8B-B14F-4D97-AF65-F5344CB8AC3E}">
+        <p14:creationId xmlns:p14="http://schemas.microsoft.com/office/powerpoint/2010/main" val="2445936571"/>
+      </p:ext>
+    </p:extLst>
+  </p:cSld>
+  <p:clrMapOvr>
+    <a:masterClrMapping/>
+  </p:clrMapOvr>
+</p:sld>
+</file>
+
 <file path=ppt/slides/slide2.xml><?xml version="1.0" encoding="utf-8"?>
 <p:sld xmlns:a="http://schemas.openxmlformats.org/drawingml/2006/main" xmlns:r="http://schemas.openxmlformats.org/officeDocument/2006/relationships" xmlns:p="http://schemas.openxmlformats.org/presentationml/2006/main">
   <p:cSld>
@@ -13420,7 +16968,7 @@
           <p:cNvPr id="2" name="Заголовок 1">
             <a:extLst>
               <a:ext uri="{FF2B5EF4-FFF2-40B4-BE49-F238E27FC236}">
-                <a16:creationId xmlns:a16="http://schemas.microsoft.com/office/drawing/2014/main" id="{B10B97C0-EF9E-4D85-A6A6-9042D3593A80}"/>
+                <a16:creationId xmlns:a16="http://schemas.microsoft.com/office/drawing/2014/main" id="{E45B1B21-77EF-421C-BC79-ED2886BD09A6}"/>
               </a:ext>
             </a:extLst>
           </p:cNvPr>
@@ -13433,21 +16981,18 @@
         </p:nvSpPr>
         <p:spPr>
           <a:xfrm>
-            <a:off x="2592708" y="0"/>
-            <a:ext cx="9905998" cy="1478570"/>
+            <a:off x="0" y="1"/>
+            <a:ext cx="12192000" cy="750816"/>
           </a:xfrm>
         </p:spPr>
         <p:txBody>
           <a:bodyPr/>
           <a:lstStyle/>
           <a:p>
-            <a:r>
-              <a:rPr lang="ru-RU" dirty="0"/>
-              <a:t>Основы синтаксиса </a:t>
-            </a:r>
+            <a:pPr algn="ctr"/>
             <a:r>
               <a:rPr lang="en-US" dirty="0"/>
-              <a:t>php</a:t>
+              <a:t>HTML</a:t>
             </a:r>
             <a:endParaRPr lang="ru-RU" dirty="0"/>
           </a:p>
@@ -13458,7 +17003,7 @@
           <p:cNvPr id="3" name="Объект 2">
             <a:extLst>
               <a:ext uri="{FF2B5EF4-FFF2-40B4-BE49-F238E27FC236}">
-                <a16:creationId xmlns:a16="http://schemas.microsoft.com/office/drawing/2014/main" id="{DE674828-E05A-425D-BB21-CEE5FE13F4DA}"/>
+                <a16:creationId xmlns:a16="http://schemas.microsoft.com/office/drawing/2014/main" id="{74976D2A-563E-40DC-AEBA-7E45A35AA04D}"/>
               </a:ext>
             </a:extLst>
           </p:cNvPr>
@@ -13471,13 +17016,13 @@
         </p:nvSpPr>
         <p:spPr>
           <a:xfrm>
-            <a:off x="1143000" y="1116972"/>
-            <a:ext cx="9905999" cy="3547307"/>
+            <a:off x="872965" y="563298"/>
+            <a:ext cx="9905999" cy="6294702"/>
           </a:xfrm>
         </p:spPr>
         <p:txBody>
           <a:bodyPr>
-            <a:normAutofit/>
+            <a:normAutofit fontScale="92500"/>
           </a:bodyPr>
           <a:lstStyle/>
           <a:p>
@@ -13485,9 +17030,22 @@
               <a:buNone/>
             </a:pPr>
             <a:r>
+              <a:rPr lang="en-US" dirty="0"/>
+              <a:t>HTML - </a:t>
+            </a:r>
+            <a:r>
               <a:rPr lang="ru-RU" dirty="0"/>
-              <a:t>Синтаксис PHP подобен синтаксису языка Си. Некоторые элементы, такие как ассоциативные массивы и цикл foreach, заимствованы из Perl.</a:t>
-            </a:r>
+              <a:t>стандартизированный язык разметки документов для просмотра веб-страниц в браузере</a:t>
+            </a:r>
+            <a:r>
+              <a:rPr lang="en-US" dirty="0"/>
+              <a:t>. </a:t>
+            </a:r>
+            <a:r>
+              <a:rPr lang="ru-RU" dirty="0"/>
+              <a:t>Веб-браузеры получают HTML документ от сервера по протоколам HTTP/HTTPS или открывают с локального диска, далее интерпретируют код в интерфейс, который будет отображаться на экране монитора.</a:t>
+            </a:r>
+            <a:endParaRPr lang="en-US" dirty="0"/>
           </a:p>
           <a:p>
             <a:pPr marL="0" indent="0">
@@ -13495,412 +17053,54 @@
             </a:pPr>
             <a:r>
               <a:rPr lang="ru-RU" dirty="0"/>
-              <a:t>Для написания простейшего скрипта не требуется описывать какие-либо переменные, используемые модули и т. п. Любой скрипт может начинаться непосредственно с оператора &lt;?php.</a:t>
-            </a:r>
+              <a:t>Элементы HTML являются строительными блоками HTML страниц. С помощью HTML разные конструкции, изображения и другие объекты такие как </a:t>
+            </a:r>
+            <a:r>
+              <a:rPr lang="ru-RU" dirty="0" err="1"/>
+              <a:t>интеракивная</a:t>
+            </a:r>
+            <a:r>
+              <a:rPr lang="ru-RU" dirty="0"/>
+              <a:t> веб-формы могут быть встроены в отображаемую страницу. HTML предоставляет средства для создания заголовков, абзацев, списков, ссылок, цитат и других элементов. Элементы HTML выделяются тегами, записанными с использованием угловых скобок. Такие теги, как &lt;</a:t>
+            </a:r>
+            <a:r>
+              <a:rPr lang="ru-RU" dirty="0" err="1"/>
+              <a:t>img</a:t>
+            </a:r>
+            <a:r>
+              <a:rPr lang="ru-RU" dirty="0"/>
+              <a:t> /&gt; и &lt;</a:t>
+            </a:r>
+            <a:r>
+              <a:rPr lang="ru-RU" dirty="0" err="1"/>
+              <a:t>input</a:t>
+            </a:r>
+            <a:r>
+              <a:rPr lang="ru-RU" dirty="0"/>
+              <a:t> /&gt;, напрямую вводят контент на страницу. Другие теги, такие как &lt;p&gt;, окружают и оформляют текст внутри себя и могут включать другие теги в качестве </a:t>
+            </a:r>
+            <a:r>
+              <a:rPr lang="ru-RU" dirty="0" err="1"/>
+              <a:t>подэлементов</a:t>
+            </a:r>
+            <a:r>
+              <a:rPr lang="ru-RU" dirty="0"/>
+              <a:t>. Браузеры не отображают HTML-теги, но используют их для интерпретации содержимого страницы.</a:t>
+            </a:r>
+            <a:endParaRPr lang="en-US" dirty="0"/>
           </a:p>
           <a:p>
             <a:pPr marL="0" indent="0">
               <a:buNone/>
             </a:pPr>
-            <a:r>
-              <a:rPr lang="ru-RU" dirty="0"/>
-              <a:t>Простейшая программа Hello world на PHP выглядит следующим образом:</a:t>
-            </a:r>
-            <a:endParaRPr lang="en-US" dirty="0"/>
-          </a:p>
-          <a:p>
-            <a:pPr marL="0" indent="0">
-              <a:buNone/>
-            </a:pPr>
-            <a:endParaRPr lang="en-US" dirty="0"/>
-          </a:p>
-          <a:p>
-            <a:pPr marL="0" indent="0">
-              <a:buNone/>
-            </a:pPr>
-            <a:endParaRPr lang="en-US" dirty="0"/>
-          </a:p>
-        </p:txBody>
-      </p:sp>
-      <p:sp>
-        <p:nvSpPr>
-          <p:cNvPr id="7" name="Текст 6">
-            <a:extLst>
-              <a:ext uri="{FF2B5EF4-FFF2-40B4-BE49-F238E27FC236}">
-                <a16:creationId xmlns:a16="http://schemas.microsoft.com/office/drawing/2014/main" id="{69404FFA-12C2-44CE-A372-EE830B078F73}"/>
-              </a:ext>
-            </a:extLst>
-          </p:cNvPr>
-          <p:cNvSpPr txBox="1">
-            <a:spLocks/>
-          </p:cNvSpPr>
-          <p:nvPr/>
-        </p:nvSpPr>
-        <p:spPr>
-          <a:xfrm>
-            <a:off x="268448" y="5310610"/>
-            <a:ext cx="9781562" cy="1814020"/>
-          </a:xfrm>
-          <a:prstGeom prst="rect">
-            <a:avLst/>
-          </a:prstGeom>
-        </p:spPr>
-        <p:txBody>
-          <a:bodyPr/>
-          <a:lstStyle>
-            <a:lvl1pPr marL="228600" indent="-228600" algn="l" defTabSz="914400" rtl="0" eaLnBrk="1" latinLnBrk="0" hangingPunct="1">
-              <a:lnSpc>
-                <a:spcPct val="120000"/>
-              </a:lnSpc>
-              <a:spcBef>
-                <a:spcPts val="1000"/>
-              </a:spcBef>
-              <a:buSzPct val="125000"/>
-              <a:buFont typeface="Arial" panose="020B0604020202020204" pitchFamily="34" charset="0"/>
-              <a:buChar char="•"/>
-              <a:defRPr sz="2400" kern="1200">
-                <a:solidFill>
-                  <a:schemeClr val="tx1"/>
-                </a:solidFill>
-                <a:latin typeface="+mn-lt"/>
-                <a:ea typeface="+mn-ea"/>
-                <a:cs typeface="+mn-cs"/>
-              </a:defRPr>
-            </a:lvl1pPr>
-            <a:lvl2pPr marL="685800" indent="-228600" algn="l" defTabSz="914400" rtl="0" eaLnBrk="1" latinLnBrk="0" hangingPunct="1">
-              <a:lnSpc>
-                <a:spcPct val="120000"/>
-              </a:lnSpc>
-              <a:spcBef>
-                <a:spcPts val="500"/>
-              </a:spcBef>
-              <a:buSzPct val="125000"/>
-              <a:buFont typeface="Arial" panose="020B0604020202020204" pitchFamily="34" charset="0"/>
-              <a:buChar char="•"/>
-              <a:defRPr sz="2000" kern="1200">
-                <a:solidFill>
-                  <a:schemeClr val="tx1"/>
-                </a:solidFill>
-                <a:latin typeface="+mn-lt"/>
-                <a:ea typeface="+mn-ea"/>
-                <a:cs typeface="+mn-cs"/>
-              </a:defRPr>
-            </a:lvl2pPr>
-            <a:lvl3pPr marL="1143000" indent="-228600" algn="l" defTabSz="914400" rtl="0" eaLnBrk="1" latinLnBrk="0" hangingPunct="1">
-              <a:lnSpc>
-                <a:spcPct val="120000"/>
-              </a:lnSpc>
-              <a:spcBef>
-                <a:spcPts val="500"/>
-              </a:spcBef>
-              <a:buSzPct val="125000"/>
-              <a:buFont typeface="Arial" panose="020B0604020202020204" pitchFamily="34" charset="0"/>
-              <a:buChar char="•"/>
-              <a:defRPr sz="1800" kern="1200">
-                <a:solidFill>
-                  <a:schemeClr val="tx1"/>
-                </a:solidFill>
-                <a:latin typeface="+mn-lt"/>
-                <a:ea typeface="+mn-ea"/>
-                <a:cs typeface="+mn-cs"/>
-              </a:defRPr>
-            </a:lvl3pPr>
-            <a:lvl4pPr marL="1600200" indent="-228600" algn="l" defTabSz="914400" rtl="0" eaLnBrk="1" latinLnBrk="0" hangingPunct="1">
-              <a:lnSpc>
-                <a:spcPct val="120000"/>
-              </a:lnSpc>
-              <a:spcBef>
-                <a:spcPts val="500"/>
-              </a:spcBef>
-              <a:buSzPct val="125000"/>
-              <a:buFont typeface="Arial" panose="020B0604020202020204" pitchFamily="34" charset="0"/>
-              <a:buChar char="•"/>
-              <a:defRPr sz="1600" kern="1200">
-                <a:solidFill>
-                  <a:schemeClr val="tx1"/>
-                </a:solidFill>
-                <a:latin typeface="+mn-lt"/>
-                <a:ea typeface="+mn-ea"/>
-                <a:cs typeface="+mn-cs"/>
-              </a:defRPr>
-            </a:lvl4pPr>
-            <a:lvl5pPr marL="2057400" indent="-228600" algn="l" defTabSz="914400" rtl="0" eaLnBrk="1" latinLnBrk="0" hangingPunct="1">
-              <a:lnSpc>
-                <a:spcPct val="120000"/>
-              </a:lnSpc>
-              <a:spcBef>
-                <a:spcPts val="500"/>
-              </a:spcBef>
-              <a:buSzPct val="125000"/>
-              <a:buFont typeface="Arial" panose="020B0604020202020204" pitchFamily="34" charset="0"/>
-              <a:buChar char="•"/>
-              <a:defRPr sz="1600" kern="1200">
-                <a:solidFill>
-                  <a:schemeClr val="tx1"/>
-                </a:solidFill>
-                <a:latin typeface="+mn-lt"/>
-                <a:ea typeface="+mn-ea"/>
-                <a:cs typeface="+mn-cs"/>
-              </a:defRPr>
-            </a:lvl5pPr>
-            <a:lvl6pPr marL="2514600" indent="-228600" algn="l" defTabSz="914400" rtl="0" eaLnBrk="1" latinLnBrk="0" hangingPunct="1">
-              <a:lnSpc>
-                <a:spcPct val="120000"/>
-              </a:lnSpc>
-              <a:spcBef>
-                <a:spcPts val="500"/>
-              </a:spcBef>
-              <a:buSzPct val="125000"/>
-              <a:buFont typeface="Arial" panose="020B0604020202020204" pitchFamily="34" charset="0"/>
-              <a:buChar char="•"/>
-              <a:defRPr sz="1400" kern="1200">
-                <a:solidFill>
-                  <a:schemeClr val="tx1"/>
-                </a:solidFill>
-                <a:latin typeface="+mn-lt"/>
-                <a:ea typeface="+mn-ea"/>
-                <a:cs typeface="+mn-cs"/>
-              </a:defRPr>
-            </a:lvl6pPr>
-            <a:lvl7pPr marL="2971800" indent="-228600" algn="l" defTabSz="914400" rtl="0" eaLnBrk="1" latinLnBrk="0" hangingPunct="1">
-              <a:lnSpc>
-                <a:spcPct val="120000"/>
-              </a:lnSpc>
-              <a:spcBef>
-                <a:spcPts val="500"/>
-              </a:spcBef>
-              <a:buSzPct val="125000"/>
-              <a:buFont typeface="Arial" panose="020B0604020202020204" pitchFamily="34" charset="0"/>
-              <a:buChar char="•"/>
-              <a:defRPr sz="1400" kern="1200">
-                <a:solidFill>
-                  <a:schemeClr val="tx1"/>
-                </a:solidFill>
-                <a:latin typeface="+mn-lt"/>
-                <a:ea typeface="+mn-ea"/>
-                <a:cs typeface="+mn-cs"/>
-              </a:defRPr>
-            </a:lvl7pPr>
-            <a:lvl8pPr marL="3429000" indent="-228600" algn="l" defTabSz="914400" rtl="0" eaLnBrk="1" latinLnBrk="0" hangingPunct="1">
-              <a:lnSpc>
-                <a:spcPct val="120000"/>
-              </a:lnSpc>
-              <a:spcBef>
-                <a:spcPts val="500"/>
-              </a:spcBef>
-              <a:buSzPct val="125000"/>
-              <a:buFont typeface="Arial" panose="020B0604020202020204" pitchFamily="34" charset="0"/>
-              <a:buChar char="•"/>
-              <a:defRPr sz="1400" kern="1200">
-                <a:solidFill>
-                  <a:schemeClr val="tx1"/>
-                </a:solidFill>
-                <a:latin typeface="+mn-lt"/>
-                <a:ea typeface="+mn-ea"/>
-                <a:cs typeface="+mn-cs"/>
-              </a:defRPr>
-            </a:lvl8pPr>
-            <a:lvl9pPr marL="3886200" indent="-228600" algn="l" defTabSz="914400" rtl="0" eaLnBrk="1" latinLnBrk="0" hangingPunct="1">
-              <a:lnSpc>
-                <a:spcPct val="120000"/>
-              </a:lnSpc>
-              <a:spcBef>
-                <a:spcPts val="500"/>
-              </a:spcBef>
-              <a:buSzPct val="125000"/>
-              <a:buFont typeface="Arial" panose="020B0604020202020204" pitchFamily="34" charset="0"/>
-              <a:buChar char="•"/>
-              <a:defRPr sz="1400" kern="1200">
-                <a:solidFill>
-                  <a:schemeClr val="tx1"/>
-                </a:solidFill>
-                <a:latin typeface="+mn-lt"/>
-                <a:ea typeface="+mn-ea"/>
-                <a:cs typeface="+mn-cs"/>
-              </a:defRPr>
-            </a:lvl9pPr>
-          </a:lstStyle>
-          <a:p>
-            <a:pPr marL="914400" lvl="2" indent="0">
-              <a:buNone/>
-            </a:pPr>
-            <a:r>
-              <a:rPr lang="ru-RU" sz="2400" dirty="0"/>
-              <a:t>Также возможен более короткий вариант вывода строки:</a:t>
-            </a:r>
-          </a:p>
-          <a:p>
-            <a:pPr marL="914400" lvl="2" indent="0">
-              <a:buNone/>
-            </a:pPr>
-            <a:endParaRPr lang="ru-RU" sz="2400" dirty="0"/>
-          </a:p>
-        </p:txBody>
-      </p:sp>
-      <p:sp>
-        <p:nvSpPr>
-          <p:cNvPr id="12" name="Прямоугольник 11">
-            <a:extLst>
-              <a:ext uri="{FF2B5EF4-FFF2-40B4-BE49-F238E27FC236}">
-                <a16:creationId xmlns:a16="http://schemas.microsoft.com/office/drawing/2014/main" id="{43A725B2-C389-4042-A6D4-02C14B3D89FA}"/>
-              </a:ext>
-            </a:extLst>
-          </p:cNvPr>
-          <p:cNvSpPr/>
-          <p:nvPr/>
-        </p:nvSpPr>
-        <p:spPr>
-          <a:xfrm>
-            <a:off x="1244367" y="4664279"/>
-            <a:ext cx="6096000" cy="646331"/>
-          </a:xfrm>
-          <a:prstGeom prst="rect">
-            <a:avLst/>
-          </a:prstGeom>
-          <a:solidFill>
-            <a:schemeClr val="bg1"/>
-          </a:solidFill>
-        </p:spPr>
-        <p:txBody>
-          <a:bodyPr>
-            <a:spAutoFit/>
-          </a:bodyPr>
-          <a:lstStyle/>
-          <a:p>
-            <a:r>
-              <a:rPr lang="en-US" dirty="0">
-                <a:solidFill>
-                  <a:srgbClr val="569CD6"/>
-                </a:solidFill>
-                <a:latin typeface="Consolas" panose="020B0609020204030204" pitchFamily="49" charset="0"/>
-              </a:rPr>
-              <a:t>&lt;?php</a:t>
-            </a:r>
-            <a:endParaRPr lang="en-US" dirty="0">
-              <a:solidFill>
-                <a:srgbClr val="D4D4D4"/>
-              </a:solidFill>
-              <a:latin typeface="Consolas" panose="020B0609020204030204" pitchFamily="49" charset="0"/>
-            </a:endParaRPr>
-          </a:p>
-          <a:p>
-            <a:r>
-              <a:rPr lang="en-US" dirty="0">
-                <a:solidFill>
-                  <a:srgbClr val="DCDCAA"/>
-                </a:solidFill>
-                <a:latin typeface="Consolas" panose="020B0609020204030204" pitchFamily="49" charset="0"/>
-              </a:rPr>
-              <a:t>echo</a:t>
-            </a:r>
-            <a:r>
-              <a:rPr lang="en-US" dirty="0">
-                <a:solidFill>
-                  <a:srgbClr val="D4D4D4"/>
-                </a:solidFill>
-                <a:latin typeface="Consolas" panose="020B0609020204030204" pitchFamily="49" charset="0"/>
-              </a:rPr>
-              <a:t> </a:t>
-            </a:r>
-            <a:r>
-              <a:rPr lang="en-US" dirty="0">
-                <a:solidFill>
-                  <a:srgbClr val="CE9178"/>
-                </a:solidFill>
-                <a:latin typeface="Consolas" panose="020B0609020204030204" pitchFamily="49" charset="0"/>
-              </a:rPr>
-              <a:t>'Hello, world!'</a:t>
-            </a:r>
-            <a:r>
-              <a:rPr lang="en-US" dirty="0">
-                <a:solidFill>
-                  <a:srgbClr val="D4D4D4"/>
-                </a:solidFill>
-                <a:latin typeface="Consolas" panose="020B0609020204030204" pitchFamily="49" charset="0"/>
-              </a:rPr>
-              <a:t>;</a:t>
-            </a:r>
-            <a:endParaRPr lang="en-US" b="0" dirty="0">
-              <a:solidFill>
-                <a:srgbClr val="D4D4D4"/>
-              </a:solidFill>
-              <a:effectLst/>
-              <a:latin typeface="Consolas" panose="020B0609020204030204" pitchFamily="49" charset="0"/>
-            </a:endParaRPr>
-          </a:p>
-        </p:txBody>
-      </p:sp>
-      <p:sp>
-        <p:nvSpPr>
-          <p:cNvPr id="14" name="Прямоугольник 13">
-            <a:extLst>
-              <a:ext uri="{FF2B5EF4-FFF2-40B4-BE49-F238E27FC236}">
-                <a16:creationId xmlns:a16="http://schemas.microsoft.com/office/drawing/2014/main" id="{15DE966E-076A-44B4-B062-1BEF5F5E9C5D}"/>
-              </a:ext>
-            </a:extLst>
-          </p:cNvPr>
-          <p:cNvSpPr/>
-          <p:nvPr/>
-        </p:nvSpPr>
-        <p:spPr>
-          <a:xfrm>
-            <a:off x="1234002" y="5956941"/>
-            <a:ext cx="7440215" cy="369332"/>
-          </a:xfrm>
-          <a:prstGeom prst="rect">
-            <a:avLst/>
-          </a:prstGeom>
-          <a:solidFill>
-            <a:schemeClr val="bg1"/>
-          </a:solidFill>
-        </p:spPr>
-        <p:txBody>
-          <a:bodyPr wrap="square">
-            <a:spAutoFit/>
-          </a:bodyPr>
-          <a:lstStyle/>
-          <a:p>
-            <a:r>
-              <a:rPr lang="en-US" dirty="0">
-                <a:solidFill>
-                  <a:srgbClr val="569CD6"/>
-                </a:solidFill>
-                <a:latin typeface="Consolas" panose="020B0609020204030204" pitchFamily="49" charset="0"/>
-              </a:rPr>
-              <a:t>&lt;?=</a:t>
-            </a:r>
-            <a:r>
-              <a:rPr lang="en-US" dirty="0">
-                <a:solidFill>
-                  <a:srgbClr val="CE9178"/>
-                </a:solidFill>
-                <a:latin typeface="Consolas" panose="020B0609020204030204" pitchFamily="49" charset="0"/>
-              </a:rPr>
-              <a:t>'Hello, world!'</a:t>
-            </a:r>
-            <a:r>
-              <a:rPr lang="en-US" dirty="0">
-                <a:solidFill>
-                  <a:srgbClr val="569CD6"/>
-                </a:solidFill>
-                <a:latin typeface="Consolas" panose="020B0609020204030204" pitchFamily="49" charset="0"/>
-              </a:rPr>
-              <a:t>?&gt;</a:t>
-            </a:r>
-            <a:endParaRPr lang="en-US" b="0" dirty="0">
-              <a:solidFill>
-                <a:srgbClr val="D4D4D4"/>
-              </a:solidFill>
-              <a:effectLst/>
-              <a:latin typeface="Consolas" panose="020B0609020204030204" pitchFamily="49" charset="0"/>
-            </a:endParaRPr>
+            <a:endParaRPr lang="ru-RU" dirty="0"/>
           </a:p>
         </p:txBody>
       </p:sp>
     </p:spTree>
     <p:extLst>
       <p:ext uri="{BB962C8B-B14F-4D97-AF65-F5344CB8AC3E}">
-        <p14:creationId xmlns:p14="http://schemas.microsoft.com/office/powerpoint/2010/main" val="1122654774"/>
+        <p14:creationId xmlns:p14="http://schemas.microsoft.com/office/powerpoint/2010/main" val="930738997"/>
       </p:ext>
     </p:extLst>
   </p:cSld>
@@ -13929,10 +17129,41 @@
       </p:grpSpPr>
       <p:sp>
         <p:nvSpPr>
+          <p:cNvPr id="2" name="Заголовок 1">
+            <a:extLst>
+              <a:ext uri="{FF2B5EF4-FFF2-40B4-BE49-F238E27FC236}">
+                <a16:creationId xmlns:a16="http://schemas.microsoft.com/office/drawing/2014/main" id="{8C133F9C-696F-481B-80B0-7B07D8690A64}"/>
+              </a:ext>
+            </a:extLst>
+          </p:cNvPr>
+          <p:cNvSpPr>
+            <a:spLocks noGrp="1"/>
+          </p:cNvSpPr>
+          <p:nvPr>
+            <p:ph type="title"/>
+          </p:nvPr>
+        </p:nvSpPr>
+        <p:spPr>
+          <a:xfrm>
+            <a:off x="0" y="0"/>
+            <a:ext cx="12192000" cy="1066799"/>
+          </a:xfrm>
+        </p:spPr>
+        <p:txBody>
+          <a:bodyPr/>
+          <a:lstStyle/>
+          <a:p>
+            <a:pPr algn="ctr"/>
+            <a:endParaRPr lang="ru-RU" dirty="0"/>
+          </a:p>
+        </p:txBody>
+      </p:sp>
+      <p:sp>
+        <p:nvSpPr>
           <p:cNvPr id="3" name="Объект 2">
             <a:extLst>
               <a:ext uri="{FF2B5EF4-FFF2-40B4-BE49-F238E27FC236}">
-                <a16:creationId xmlns:a16="http://schemas.microsoft.com/office/drawing/2014/main" id="{F593F0EB-83C4-4B23-BEF7-D47334FC8BB4}"/>
+                <a16:creationId xmlns:a16="http://schemas.microsoft.com/office/drawing/2014/main" id="{744E57CD-AB69-4786-8FFC-E7624E30BA92}"/>
               </a:ext>
             </a:extLst>
           </p:cNvPr>
@@ -13945,244 +17176,459 @@
         </p:nvSpPr>
         <p:spPr>
           <a:xfrm>
-            <a:off x="1242080" y="278074"/>
+            <a:off x="990410" y="1545429"/>
             <a:ext cx="9905999" cy="3541714"/>
           </a:xfrm>
-        </p:spPr>
-        <p:txBody>
-          <a:bodyPr/>
-          <a:lstStyle/>
-          <a:p>
-            <a:pPr marL="0" indent="0">
-              <a:buNone/>
-            </a:pPr>
-            <a:r>
-              <a:rPr lang="ru-RU" dirty="0"/>
-              <a:t>Открывающий тег вида &lt;?= используется для сокращённой записи конструкций, используемых для вывода строки.</a:t>
-            </a:r>
-          </a:p>
-          <a:p>
-            <a:pPr marL="0" indent="0">
-              <a:buNone/>
-            </a:pPr>
-            <a:r>
-              <a:rPr lang="ru-RU" dirty="0"/>
-              <a:t>PHP исполняет код, находящийся внутри ограничителей, таких как &lt;?php ?&gt;. Всё, что находится вне ограничителей, выводится без изменений. В основном это используется для вставки PHP-кода в HTML-документ, например, так:</a:t>
-            </a:r>
-          </a:p>
-        </p:txBody>
-      </p:sp>
-      <p:sp>
-        <p:nvSpPr>
-          <p:cNvPr id="5" name="Прямоугольник 4">
-            <a:extLst>
-              <a:ext uri="{FF2B5EF4-FFF2-40B4-BE49-F238E27FC236}">
-                <a16:creationId xmlns:a16="http://schemas.microsoft.com/office/drawing/2014/main" id="{C6D63136-79CF-4C04-B791-CC84D8C712B9}"/>
-              </a:ext>
-            </a:extLst>
-          </p:cNvPr>
-          <p:cNvSpPr/>
-          <p:nvPr/>
-        </p:nvSpPr>
-        <p:spPr>
-          <a:xfrm>
-            <a:off x="1395369" y="3281354"/>
-            <a:ext cx="6096000" cy="2862322"/>
-          </a:xfrm>
-          <a:prstGeom prst="rect">
-            <a:avLst/>
-          </a:prstGeom>
           <a:solidFill>
             <a:schemeClr val="bg1"/>
           </a:solidFill>
         </p:spPr>
         <p:txBody>
           <a:bodyPr>
-            <a:spAutoFit/>
+            <a:normAutofit fontScale="70000" lnSpcReduction="20000"/>
           </a:bodyPr>
           <a:lstStyle/>
           <a:p>
-            <a:r>
-              <a:rPr lang="ru-RU" dirty="0"/>
+            <a:pPr marL="0" indent="0">
+              <a:buNone/>
+            </a:pPr>
+            <a:r>
+              <a:rPr lang="en-US" dirty="0">
+                <a:solidFill>
+                  <a:srgbClr val="808080"/>
+                </a:solidFill>
+                <a:latin typeface="Consolas" panose="020B0609020204030204" pitchFamily="49" charset="0"/>
+              </a:rPr>
+              <a:t>&lt;!</a:t>
+            </a:r>
+            <a:r>
+              <a:rPr lang="en-US" dirty="0">
+                <a:solidFill>
+                  <a:srgbClr val="569CD6"/>
+                </a:solidFill>
+                <a:latin typeface="Consolas" panose="020B0609020204030204" pitchFamily="49" charset="0"/>
+              </a:rPr>
+              <a:t>DOCTYPE</a:t>
+            </a:r>
+            <a:r>
+              <a:rPr lang="en-US" dirty="0">
+                <a:solidFill>
+                  <a:srgbClr val="D4D4D4"/>
+                </a:solidFill>
+                <a:latin typeface="Consolas" panose="020B0609020204030204" pitchFamily="49" charset="0"/>
+              </a:rPr>
+              <a:t> </a:t>
+            </a:r>
+            <a:r>
+              <a:rPr lang="en-US" dirty="0">
+                <a:solidFill>
+                  <a:srgbClr val="9CDCFE"/>
+                </a:solidFill>
+                <a:latin typeface="Consolas" panose="020B0609020204030204" pitchFamily="49" charset="0"/>
+              </a:rPr>
+              <a:t>html</a:t>
+            </a:r>
+            <a:r>
+              <a:rPr lang="en-US" dirty="0">
+                <a:solidFill>
+                  <a:srgbClr val="808080"/>
+                </a:solidFill>
+                <a:latin typeface="Consolas" panose="020B0609020204030204" pitchFamily="49" charset="0"/>
+              </a:rPr>
+              <a:t>&gt;</a:t>
+            </a:r>
+            <a:endParaRPr lang="en-US" dirty="0">
+              <a:solidFill>
+                <a:srgbClr val="D4D4D4"/>
+              </a:solidFill>
+              <a:latin typeface="Consolas" panose="020B0609020204030204" pitchFamily="49" charset="0"/>
+            </a:endParaRPr>
+          </a:p>
+          <a:p>
+            <a:pPr marL="0" indent="0">
+              <a:buNone/>
+            </a:pPr>
+            <a:r>
+              <a:rPr lang="en-US" dirty="0">
+                <a:solidFill>
+                  <a:srgbClr val="808080"/>
+                </a:solidFill>
+                <a:latin typeface="Consolas" panose="020B0609020204030204" pitchFamily="49" charset="0"/>
+              </a:rPr>
               <a:t>&lt;</a:t>
             </a:r>
             <a:r>
-              <a:rPr lang="ru-RU" dirty="0">
-                <a:solidFill>
-                  <a:srgbClr val="0070C0"/>
-                </a:solidFill>
+              <a:rPr lang="en-US" dirty="0">
+                <a:solidFill>
+                  <a:srgbClr val="569CD6"/>
+                </a:solidFill>
+                <a:latin typeface="Consolas" panose="020B0609020204030204" pitchFamily="49" charset="0"/>
               </a:rPr>
               <a:t>html</a:t>
             </a:r>
             <a:r>
-              <a:rPr lang="ru-RU" dirty="0"/>
+              <a:rPr lang="en-US" dirty="0">
+                <a:solidFill>
+                  <a:srgbClr val="808080"/>
+                </a:solidFill>
+                <a:latin typeface="Consolas" panose="020B0609020204030204" pitchFamily="49" charset="0"/>
+              </a:rPr>
               <a:t>&gt;</a:t>
             </a:r>
-          </a:p>
-          <a:p>
-            <a:r>
-              <a:rPr lang="ru-RU" dirty="0"/>
-              <a:t>   &lt;</a:t>
-            </a:r>
-            <a:r>
-              <a:rPr lang="ru-RU" dirty="0">
-                <a:solidFill>
-                  <a:srgbClr val="0070C0"/>
-                </a:solidFill>
+            <a:endParaRPr lang="en-US" dirty="0">
+              <a:solidFill>
+                <a:srgbClr val="D4D4D4"/>
+              </a:solidFill>
+              <a:latin typeface="Consolas" panose="020B0609020204030204" pitchFamily="49" charset="0"/>
+            </a:endParaRPr>
+          </a:p>
+          <a:p>
+            <a:pPr marL="0" indent="0">
+              <a:buNone/>
+            </a:pPr>
+            <a:r>
+              <a:rPr lang="en-US" dirty="0">
+                <a:solidFill>
+                  <a:srgbClr val="808080"/>
+                </a:solidFill>
+                <a:latin typeface="Consolas" panose="020B0609020204030204" pitchFamily="49" charset="0"/>
+              </a:rPr>
+              <a:t>&lt;</a:t>
+            </a:r>
+            <a:r>
+              <a:rPr lang="en-US" dirty="0">
+                <a:solidFill>
+                  <a:srgbClr val="569CD6"/>
+                </a:solidFill>
+                <a:latin typeface="Consolas" panose="020B0609020204030204" pitchFamily="49" charset="0"/>
               </a:rPr>
               <a:t>head</a:t>
             </a:r>
             <a:r>
-              <a:rPr lang="ru-RU" dirty="0"/>
+              <a:rPr lang="en-US" dirty="0">
+                <a:solidFill>
+                  <a:srgbClr val="808080"/>
+                </a:solidFill>
+                <a:latin typeface="Consolas" panose="020B0609020204030204" pitchFamily="49" charset="0"/>
+              </a:rPr>
               <a:t>&gt;</a:t>
             </a:r>
-          </a:p>
-          <a:p>
-            <a:r>
-              <a:rPr lang="ru-RU" dirty="0"/>
-              <a:t>      &lt;</a:t>
-            </a:r>
-            <a:r>
-              <a:rPr lang="ru-RU" dirty="0">
-                <a:solidFill>
-                  <a:srgbClr val="0070C0"/>
-                </a:solidFill>
+            <a:endParaRPr lang="en-US" dirty="0">
+              <a:solidFill>
+                <a:srgbClr val="D4D4D4"/>
+              </a:solidFill>
+              <a:latin typeface="Consolas" panose="020B0609020204030204" pitchFamily="49" charset="0"/>
+            </a:endParaRPr>
+          </a:p>
+          <a:p>
+            <a:pPr marL="0" indent="0">
+              <a:buNone/>
+            </a:pPr>
+            <a:r>
+              <a:rPr lang="en-US" dirty="0">
+                <a:solidFill>
+                  <a:srgbClr val="D4D4D4"/>
+                </a:solidFill>
+                <a:latin typeface="Consolas" panose="020B0609020204030204" pitchFamily="49" charset="0"/>
+              </a:rPr>
+              <a:t>    </a:t>
+            </a:r>
+            <a:r>
+              <a:rPr lang="en-US" dirty="0">
+                <a:solidFill>
+                  <a:srgbClr val="808080"/>
+                </a:solidFill>
+                <a:latin typeface="Consolas" panose="020B0609020204030204" pitchFamily="49" charset="0"/>
+              </a:rPr>
+              <a:t>&lt;</a:t>
+            </a:r>
+            <a:r>
+              <a:rPr lang="en-US" dirty="0">
+                <a:solidFill>
+                  <a:srgbClr val="569CD6"/>
+                </a:solidFill>
+                <a:latin typeface="Consolas" panose="020B0609020204030204" pitchFamily="49" charset="0"/>
+              </a:rPr>
+              <a:t>meta</a:t>
+            </a:r>
+            <a:r>
+              <a:rPr lang="en-US" dirty="0">
+                <a:solidFill>
+                  <a:srgbClr val="D4D4D4"/>
+                </a:solidFill>
+                <a:latin typeface="Consolas" panose="020B0609020204030204" pitchFamily="49" charset="0"/>
+              </a:rPr>
+              <a:t> </a:t>
+            </a:r>
+            <a:r>
+              <a:rPr lang="en-US" dirty="0">
+                <a:solidFill>
+                  <a:srgbClr val="9CDCFE"/>
+                </a:solidFill>
+                <a:latin typeface="Consolas" panose="020B0609020204030204" pitchFamily="49" charset="0"/>
+              </a:rPr>
+              <a:t>charset</a:t>
+            </a:r>
+            <a:r>
+              <a:rPr lang="en-US" dirty="0">
+                <a:solidFill>
+                  <a:srgbClr val="D4D4D4"/>
+                </a:solidFill>
+                <a:latin typeface="Consolas" panose="020B0609020204030204" pitchFamily="49" charset="0"/>
+              </a:rPr>
+              <a:t>=</a:t>
+            </a:r>
+            <a:r>
+              <a:rPr lang="en-US" dirty="0">
+                <a:solidFill>
+                  <a:srgbClr val="CE9178"/>
+                </a:solidFill>
+                <a:latin typeface="Consolas" panose="020B0609020204030204" pitchFamily="49" charset="0"/>
+              </a:rPr>
+              <a:t>"UTF-8"</a:t>
+            </a:r>
+            <a:r>
+              <a:rPr lang="en-US" dirty="0">
+                <a:solidFill>
+                  <a:srgbClr val="808080"/>
+                </a:solidFill>
+                <a:latin typeface="Consolas" panose="020B0609020204030204" pitchFamily="49" charset="0"/>
+              </a:rPr>
+              <a:t>&gt;</a:t>
+            </a:r>
+            <a:endParaRPr lang="en-US" dirty="0">
+              <a:solidFill>
+                <a:srgbClr val="D4D4D4"/>
+              </a:solidFill>
+              <a:latin typeface="Consolas" panose="020B0609020204030204" pitchFamily="49" charset="0"/>
+            </a:endParaRPr>
+          </a:p>
+          <a:p>
+            <a:pPr marL="0" indent="0">
+              <a:buNone/>
+            </a:pPr>
+            <a:r>
+              <a:rPr lang="en-US" dirty="0">
+                <a:solidFill>
+                  <a:srgbClr val="D4D4D4"/>
+                </a:solidFill>
+                <a:latin typeface="Consolas" panose="020B0609020204030204" pitchFamily="49" charset="0"/>
+              </a:rPr>
+              <a:t>    </a:t>
+            </a:r>
+            <a:r>
+              <a:rPr lang="en-US" dirty="0">
+                <a:solidFill>
+                  <a:srgbClr val="808080"/>
+                </a:solidFill>
+                <a:latin typeface="Consolas" panose="020B0609020204030204" pitchFamily="49" charset="0"/>
+              </a:rPr>
+              <a:t>&lt;</a:t>
+            </a:r>
+            <a:r>
+              <a:rPr lang="en-US" dirty="0">
+                <a:solidFill>
+                  <a:srgbClr val="569CD6"/>
+                </a:solidFill>
+                <a:latin typeface="Consolas" panose="020B0609020204030204" pitchFamily="49" charset="0"/>
               </a:rPr>
               <a:t>title</a:t>
             </a:r>
             <a:r>
-              <a:rPr lang="ru-RU" dirty="0"/>
+              <a:rPr lang="en-US" dirty="0">
+                <a:solidFill>
+                  <a:srgbClr val="808080"/>
+                </a:solidFill>
+                <a:latin typeface="Consolas" panose="020B0609020204030204" pitchFamily="49" charset="0"/>
+              </a:rPr>
+              <a:t>&gt;&lt;/</a:t>
+            </a:r>
+            <a:r>
+              <a:rPr lang="en-US" dirty="0">
+                <a:solidFill>
+                  <a:srgbClr val="569CD6"/>
+                </a:solidFill>
+                <a:latin typeface="Consolas" panose="020B0609020204030204" pitchFamily="49" charset="0"/>
+              </a:rPr>
+              <a:t>title</a:t>
+            </a:r>
+            <a:r>
+              <a:rPr lang="en-US" dirty="0">
+                <a:solidFill>
+                  <a:srgbClr val="808080"/>
+                </a:solidFill>
+                <a:latin typeface="Consolas" panose="020B0609020204030204" pitchFamily="49" charset="0"/>
+              </a:rPr>
               <a:t>&gt;</a:t>
             </a:r>
-          </a:p>
-          <a:p>
-            <a:r>
-              <a:rPr lang="ru-RU" dirty="0"/>
-              <a:t>         Тестируем PHP</a:t>
-            </a:r>
-          </a:p>
-          <a:p>
-            <a:r>
-              <a:rPr lang="ru-RU" dirty="0"/>
-              <a:t>      &lt;/</a:t>
-            </a:r>
-            <a:r>
-              <a:rPr lang="ru-RU" dirty="0">
-                <a:solidFill>
-                  <a:srgbClr val="0070C0"/>
-                </a:solidFill>
-              </a:rPr>
-              <a:t>title</a:t>
-            </a:r>
-            <a:r>
-              <a:rPr lang="ru-RU" dirty="0"/>
+            <a:endParaRPr lang="en-US" dirty="0">
+              <a:solidFill>
+                <a:srgbClr val="D4D4D4"/>
+              </a:solidFill>
+              <a:latin typeface="Consolas" panose="020B0609020204030204" pitchFamily="49" charset="0"/>
+            </a:endParaRPr>
+          </a:p>
+          <a:p>
+            <a:pPr marL="0" indent="0">
+              <a:buNone/>
+            </a:pPr>
+            <a:r>
+              <a:rPr lang="en-US" dirty="0">
+                <a:solidFill>
+                  <a:srgbClr val="808080"/>
+                </a:solidFill>
+                <a:latin typeface="Consolas" panose="020B0609020204030204" pitchFamily="49" charset="0"/>
+              </a:rPr>
+              <a:t>&lt;/</a:t>
+            </a:r>
+            <a:r>
+              <a:rPr lang="en-US" dirty="0">
+                <a:solidFill>
+                  <a:srgbClr val="569CD6"/>
+                </a:solidFill>
+                <a:latin typeface="Consolas" panose="020B0609020204030204" pitchFamily="49" charset="0"/>
+              </a:rPr>
+              <a:t>head</a:t>
+            </a:r>
+            <a:r>
+              <a:rPr lang="en-US" dirty="0">
+                <a:solidFill>
+                  <a:srgbClr val="808080"/>
+                </a:solidFill>
+                <a:latin typeface="Consolas" panose="020B0609020204030204" pitchFamily="49" charset="0"/>
+              </a:rPr>
               <a:t>&gt;</a:t>
             </a:r>
-          </a:p>
-          <a:p>
-            <a:r>
-              <a:rPr lang="ru-RU" dirty="0"/>
-              <a:t>   &lt;/</a:t>
-            </a:r>
-            <a:r>
-              <a:rPr lang="ru-RU" dirty="0">
-                <a:solidFill>
-                  <a:srgbClr val="0070C0"/>
-                </a:solidFill>
-              </a:rPr>
-              <a:t>head</a:t>
-            </a:r>
-            <a:r>
-              <a:rPr lang="ru-RU" dirty="0"/>
+            <a:endParaRPr lang="en-US" dirty="0">
+              <a:solidFill>
+                <a:srgbClr val="D4D4D4"/>
+              </a:solidFill>
+              <a:latin typeface="Consolas" panose="020B0609020204030204" pitchFamily="49" charset="0"/>
+            </a:endParaRPr>
+          </a:p>
+          <a:p>
+            <a:pPr marL="0" indent="0">
+              <a:buNone/>
+            </a:pPr>
+            <a:r>
+              <a:rPr lang="en-US" dirty="0">
+                <a:solidFill>
+                  <a:srgbClr val="808080"/>
+                </a:solidFill>
+                <a:latin typeface="Consolas" panose="020B0609020204030204" pitchFamily="49" charset="0"/>
+              </a:rPr>
+              <a:t>&lt;</a:t>
+            </a:r>
+            <a:r>
+              <a:rPr lang="en-US" dirty="0">
+                <a:solidFill>
+                  <a:srgbClr val="569CD6"/>
+                </a:solidFill>
+                <a:latin typeface="Consolas" panose="020B0609020204030204" pitchFamily="49" charset="0"/>
+              </a:rPr>
+              <a:t>body</a:t>
+            </a:r>
+            <a:r>
+              <a:rPr lang="en-US" dirty="0">
+                <a:solidFill>
+                  <a:srgbClr val="808080"/>
+                </a:solidFill>
+                <a:latin typeface="Consolas" panose="020B0609020204030204" pitchFamily="49" charset="0"/>
+              </a:rPr>
               <a:t>&gt;</a:t>
             </a:r>
-          </a:p>
-          <a:p>
-            <a:r>
-              <a:rPr lang="ru-RU" dirty="0"/>
-              <a:t>   &lt;</a:t>
-            </a:r>
-            <a:r>
-              <a:rPr lang="ru-RU" dirty="0">
-                <a:solidFill>
-                  <a:srgbClr val="0070C0"/>
-                </a:solidFill>
+            <a:endParaRPr lang="en-US" dirty="0">
+              <a:solidFill>
+                <a:srgbClr val="D4D4D4"/>
+              </a:solidFill>
+              <a:latin typeface="Consolas" panose="020B0609020204030204" pitchFamily="49" charset="0"/>
+            </a:endParaRPr>
+          </a:p>
+          <a:p>
+            <a:pPr marL="0" indent="0">
+              <a:buNone/>
+            </a:pPr>
+            <a:r>
+              <a:rPr lang="en-US" dirty="0">
+                <a:solidFill>
+                  <a:srgbClr val="808080"/>
+                </a:solidFill>
+                <a:latin typeface="Consolas" panose="020B0609020204030204" pitchFamily="49" charset="0"/>
+              </a:rPr>
+              <a:t>&lt;/</a:t>
+            </a:r>
+            <a:r>
+              <a:rPr lang="en-US" dirty="0">
+                <a:solidFill>
+                  <a:srgbClr val="569CD6"/>
+                </a:solidFill>
+                <a:latin typeface="Consolas" panose="020B0609020204030204" pitchFamily="49" charset="0"/>
               </a:rPr>
               <a:t>body</a:t>
             </a:r>
             <a:r>
-              <a:rPr lang="ru-RU" dirty="0"/>
+              <a:rPr lang="en-US" dirty="0">
+                <a:solidFill>
+                  <a:srgbClr val="808080"/>
+                </a:solidFill>
+                <a:latin typeface="Consolas" panose="020B0609020204030204" pitchFamily="49" charset="0"/>
+              </a:rPr>
               <a:t>&gt;</a:t>
             </a:r>
-          </a:p>
-          <a:p>
-            <a:r>
-              <a:rPr lang="ru-RU" dirty="0"/>
-              <a:t>      </a:t>
-            </a:r>
-            <a:r>
-              <a:rPr lang="ru-RU" dirty="0">
-                <a:solidFill>
-                  <a:srgbClr val="0070C0"/>
-                </a:solidFill>
-              </a:rPr>
-              <a:t>&lt;?php </a:t>
-            </a:r>
-            <a:r>
-              <a:rPr lang="ru-RU" dirty="0"/>
-              <a:t>echo 'Привет мир!'; </a:t>
-            </a:r>
-            <a:r>
-              <a:rPr lang="ru-RU" dirty="0">
-                <a:solidFill>
-                  <a:srgbClr val="0070C0"/>
-                </a:solidFill>
-              </a:rPr>
-              <a:t>?&gt;</a:t>
-            </a:r>
-          </a:p>
-          <a:p>
-            <a:r>
-              <a:rPr lang="ru-RU" dirty="0"/>
-              <a:t>   &lt;/</a:t>
-            </a:r>
-            <a:r>
-              <a:rPr lang="ru-RU" dirty="0">
-                <a:solidFill>
-                  <a:srgbClr val="0070C0"/>
-                </a:solidFill>
-              </a:rPr>
-              <a:t>body</a:t>
-            </a:r>
-            <a:r>
-              <a:rPr lang="ru-RU" dirty="0"/>
+            <a:endParaRPr lang="en-US" dirty="0">
+              <a:solidFill>
+                <a:srgbClr val="D4D4D4"/>
+              </a:solidFill>
+              <a:latin typeface="Consolas" panose="020B0609020204030204" pitchFamily="49" charset="0"/>
+            </a:endParaRPr>
+          </a:p>
+          <a:p>
+            <a:pPr marL="0" indent="0">
+              <a:buNone/>
+            </a:pPr>
+            <a:r>
+              <a:rPr lang="en-US" dirty="0">
+                <a:solidFill>
+                  <a:srgbClr val="808080"/>
+                </a:solidFill>
+                <a:latin typeface="Consolas" panose="020B0609020204030204" pitchFamily="49" charset="0"/>
+              </a:rPr>
+              <a:t>&lt;/</a:t>
+            </a:r>
+            <a:r>
+              <a:rPr lang="en-US" dirty="0">
+                <a:solidFill>
+                  <a:srgbClr val="569CD6"/>
+                </a:solidFill>
+                <a:latin typeface="Consolas" panose="020B0609020204030204" pitchFamily="49" charset="0"/>
+              </a:rPr>
+              <a:t>html</a:t>
+            </a:r>
+            <a:r>
+              <a:rPr lang="en-US" dirty="0">
+                <a:solidFill>
+                  <a:srgbClr val="808080"/>
+                </a:solidFill>
+                <a:latin typeface="Consolas" panose="020B0609020204030204" pitchFamily="49" charset="0"/>
+              </a:rPr>
               <a:t>&gt;</a:t>
             </a:r>
-          </a:p>
-          <a:p>
-            <a:r>
-              <a:rPr lang="ru-RU" dirty="0"/>
-              <a:t>&lt;/</a:t>
-            </a:r>
-            <a:r>
-              <a:rPr lang="ru-RU" dirty="0">
-                <a:solidFill>
-                  <a:srgbClr val="0070C0"/>
-                </a:solidFill>
-              </a:rPr>
-              <a:t>html</a:t>
-            </a:r>
-            <a:r>
-              <a:rPr lang="ru-RU" dirty="0"/>
-              <a:t>&gt;</a:t>
-            </a:r>
+            <a:endParaRPr lang="en-US" dirty="0">
+              <a:solidFill>
+                <a:srgbClr val="D4D4D4"/>
+              </a:solidFill>
+              <a:latin typeface="Consolas" panose="020B0609020204030204" pitchFamily="49" charset="0"/>
+            </a:endParaRPr>
+          </a:p>
+          <a:p>
+            <a:endParaRPr lang="ru-RU" dirty="0"/>
           </a:p>
         </p:txBody>
       </p:sp>
     </p:spTree>
     <p:extLst>
       <p:ext uri="{BB962C8B-B14F-4D97-AF65-F5344CB8AC3E}">
-        <p14:creationId xmlns:p14="http://schemas.microsoft.com/office/powerpoint/2010/main" val="3143707369"/>
+        <p14:creationId xmlns:p14="http://schemas.microsoft.com/office/powerpoint/2010/main" val="956093717"/>
       </p:ext>
     </p:extLst>
   </p:cSld>
@@ -14214,7 +17660,7 @@
           <p:cNvPr id="2" name="Заголовок 1">
             <a:extLst>
               <a:ext uri="{FF2B5EF4-FFF2-40B4-BE49-F238E27FC236}">
-                <a16:creationId xmlns:a16="http://schemas.microsoft.com/office/drawing/2014/main" id="{BAF70E97-49FC-4488-B6B5-AE349897197C}"/>
+                <a16:creationId xmlns:a16="http://schemas.microsoft.com/office/drawing/2014/main" id="{E0DE45FD-F088-42A7-8165-0038B57480C3}"/>
               </a:ext>
             </a:extLst>
           </p:cNvPr>
@@ -14227,8 +17673,8 @@
         </p:nvSpPr>
         <p:spPr>
           <a:xfrm>
-            <a:off x="844493" y="-104379"/>
-            <a:ext cx="9905998" cy="1111058"/>
+            <a:off x="0" y="1"/>
+            <a:ext cx="12192000" cy="721452"/>
           </a:xfrm>
         </p:spPr>
         <p:txBody>
@@ -14237,9 +17683,10 @@
           <a:p>
             <a:pPr algn="ctr"/>
             <a:r>
-              <a:rPr lang="ru-RU" dirty="0"/>
-              <a:t>Переменные</a:t>
-            </a:r>
+              <a:rPr lang="en-US" dirty="0"/>
+              <a:t>CSS</a:t>
+            </a:r>
+            <a:endParaRPr lang="ru-RU" dirty="0"/>
           </a:p>
         </p:txBody>
       </p:sp>
@@ -14248,7 +17695,7 @@
           <p:cNvPr id="3" name="Объект 2">
             <a:extLst>
               <a:ext uri="{FF2B5EF4-FFF2-40B4-BE49-F238E27FC236}">
-                <a16:creationId xmlns:a16="http://schemas.microsoft.com/office/drawing/2014/main" id="{8791B6F0-F300-4BF8-BE77-5213CD8C6AE0}"/>
+                <a16:creationId xmlns:a16="http://schemas.microsoft.com/office/drawing/2014/main" id="{39744C60-EB99-4C1C-8528-A423EEACF302}"/>
               </a:ext>
             </a:extLst>
           </p:cNvPr>
@@ -14261,8 +17708,8 @@
         </p:nvSpPr>
         <p:spPr>
           <a:xfrm>
-            <a:off x="844492" y="771786"/>
-            <a:ext cx="10732315" cy="3254929"/>
+            <a:off x="1143000" y="581990"/>
+            <a:ext cx="9905999" cy="3108878"/>
           </a:xfrm>
         </p:spPr>
         <p:txBody>
@@ -14275,18 +17722,104 @@
               <a:buNone/>
             </a:pPr>
             <a:r>
+              <a:rPr lang="en-US" dirty="0"/>
+              <a:t>CSS - </a:t>
+            </a:r>
+            <a:r>
               <a:rPr lang="ru-RU" dirty="0"/>
-              <a:t>Переменные в PHP представлены знаком доллара с последующим именем переменной. Имя переменной чувствительно к регистру.</a:t>
-            </a:r>
+              <a:t>формальный язык описания внешнего вида документа (веб-страницы), написанного с использованием языка разметки</a:t>
+            </a:r>
+            <a:r>
+              <a:rPr lang="en-US" dirty="0"/>
+              <a:t>.</a:t>
+            </a:r>
+            <a:endParaRPr lang="ru-RU" dirty="0"/>
           </a:p>
           <a:p>
             <a:pPr marL="0" indent="0">
               <a:buNone/>
             </a:pPr>
             <a:r>
+              <a:rPr lang="en-US" dirty="0"/>
+              <a:t>CSS </a:t>
+            </a:r>
+            <a:r>
               <a:rPr lang="ru-RU" dirty="0"/>
-              <a:t>Имена переменных соответствуют тем же правилам, что и остальные наименования в PHP. Правильное имя переменной должно начинаться с буквы или символа подчёркивания и состоять из букв, цифр и символов подчёркивания в любом количестве. Это можно отобразить регулярным выражением: ^[a-zA-Z_\x80-\xff][a-zA-Z0-9_\x80-\xff]*$</a:t>
-            </a:r>
+              <a:t>имеет структуру</a:t>
+            </a:r>
+            <a:r>
+              <a:rPr lang="en-US" dirty="0"/>
+              <a:t>:</a:t>
+            </a:r>
+          </a:p>
+          <a:p>
+            <a:pPr marL="0" indent="0">
+              <a:buNone/>
+            </a:pPr>
+            <a:r>
+              <a:rPr lang="ru-RU" dirty="0"/>
+              <a:t>		Селектор </a:t>
+            </a:r>
+            <a:r>
+              <a:rPr lang="en-US" dirty="0"/>
+              <a:t>{</a:t>
+            </a:r>
+            <a:r>
+              <a:rPr lang="ru-RU" dirty="0"/>
+              <a:t>Свойство</a:t>
+            </a:r>
+            <a:r>
+              <a:rPr lang="en-US" dirty="0"/>
+              <a:t>: </a:t>
+            </a:r>
+            <a:r>
+              <a:rPr lang="ru-RU" dirty="0"/>
+              <a:t>Значение</a:t>
+            </a:r>
+            <a:r>
+              <a:rPr lang="en-US" dirty="0"/>
+              <a:t>;}</a:t>
+            </a:r>
+          </a:p>
+          <a:p>
+            <a:pPr marL="0" indent="0">
+              <a:buNone/>
+            </a:pPr>
+            <a:endParaRPr lang="en-US" dirty="0"/>
+          </a:p>
+          <a:p>
+            <a:pPr marL="0" indent="0">
+              <a:buNone/>
+            </a:pPr>
+            <a:r>
+              <a:rPr lang="ru-RU" dirty="0"/>
+              <a:t>Количество свойств в одном селекторе не ограничено.</a:t>
+            </a:r>
+            <a:endParaRPr lang="en-US" dirty="0"/>
+          </a:p>
+          <a:p>
+            <a:pPr marL="0" indent="0">
+              <a:buNone/>
+            </a:pPr>
+            <a:endParaRPr lang="ru-RU" dirty="0"/>
+          </a:p>
+          <a:p>
+            <a:pPr marL="0" indent="0">
+              <a:buNone/>
+            </a:pPr>
+            <a:endParaRPr lang="ru-RU" dirty="0"/>
+          </a:p>
+          <a:p>
+            <a:pPr marL="0" indent="0">
+              <a:buNone/>
+            </a:pPr>
+            <a:endParaRPr lang="ru-RU" dirty="0"/>
+          </a:p>
+          <a:p>
+            <a:pPr marL="0" indent="0">
+              <a:buNone/>
+            </a:pPr>
+            <a:endParaRPr lang="en-US" dirty="0"/>
           </a:p>
           <a:p>
             <a:pPr marL="0" indent="0">
@@ -14301,7 +17834,7 @@
           <p:cNvPr id="4" name="Прямоугольник 3">
             <a:extLst>
               <a:ext uri="{FF2B5EF4-FFF2-40B4-BE49-F238E27FC236}">
-                <a16:creationId xmlns:a16="http://schemas.microsoft.com/office/drawing/2014/main" id="{1BE5401C-D52D-4CDD-90AF-9987267EEC41}"/>
+                <a16:creationId xmlns:a16="http://schemas.microsoft.com/office/drawing/2014/main" id="{6DA989EA-8F7D-4F6E-AEBD-D1685A959CBE}"/>
               </a:ext>
             </a:extLst>
           </p:cNvPr>
@@ -14310,8 +17843,8 @@
         </p:nvSpPr>
         <p:spPr>
           <a:xfrm>
-            <a:off x="1324062" y="4104898"/>
-            <a:ext cx="9426429" cy="2585323"/>
+            <a:off x="5914239" y="4272676"/>
+            <a:ext cx="5880682" cy="2585323"/>
           </a:xfrm>
           <a:prstGeom prst="rect">
             <a:avLst/>
@@ -14329,28 +17862,40 @@
             <a:r>
               <a:rPr lang="en-US" dirty="0">
                 <a:solidFill>
-                  <a:srgbClr val="569CD6"/>
-                </a:solidFill>
-                <a:latin typeface="Consolas" panose="020B0609020204030204" pitchFamily="49" charset="0"/>
-              </a:rPr>
-              <a:t>&lt;?php</a:t>
-            </a:r>
-            <a:endParaRPr lang="en-US" dirty="0">
-              <a:solidFill>
-                <a:srgbClr val="D4D4D4"/>
-              </a:solidFill>
-              <a:latin typeface="Consolas" panose="020B0609020204030204" pitchFamily="49" charset="0"/>
-            </a:endParaRPr>
-          </a:p>
-          <a:p>
+                  <a:srgbClr val="D7BA7D"/>
+                </a:solidFill>
+                <a:latin typeface="Consolas" panose="020B0609020204030204" pitchFamily="49" charset="0"/>
+              </a:rPr>
+              <a:t>body</a:t>
+            </a:r>
             <a:r>
               <a:rPr lang="en-US" dirty="0">
                 <a:solidFill>
+                  <a:srgbClr val="D4D4D4"/>
+                </a:solidFill>
+                <a:latin typeface="Consolas" panose="020B0609020204030204" pitchFamily="49" charset="0"/>
+              </a:rPr>
+              <a:t> {</a:t>
+            </a:r>
+          </a:p>
+          <a:p>
+            <a:r>
+              <a:rPr lang="en-US" dirty="0">
+                <a:solidFill>
+                  <a:srgbClr val="D4D4D4"/>
+                </a:solidFill>
+                <a:latin typeface="Consolas" panose="020B0609020204030204" pitchFamily="49" charset="0"/>
+              </a:rPr>
+              <a:t>    </a:t>
+            </a:r>
+            <a:r>
+              <a:rPr lang="en-US" dirty="0">
+                <a:solidFill>
                   <a:srgbClr val="9CDCFE"/>
                 </a:solidFill>
                 <a:latin typeface="Consolas" panose="020B0609020204030204" pitchFamily="49" charset="0"/>
               </a:rPr>
-              <a:t>$var</a:t>
+              <a:t>background-color</a:t>
             </a:r>
             <a:r>
               <a:rPr lang="en-US" dirty="0">
@@ -14359,7 +17904,7 @@
                 </a:solidFill>
                 <a:latin typeface="Consolas" panose="020B0609020204030204" pitchFamily="49" charset="0"/>
               </a:rPr>
-              <a:t> = </a:t>
+              <a:t>: </a:t>
             </a:r>
             <a:r>
               <a:rPr lang="en-US" dirty="0">
@@ -14368,438 +17913,196 @@
                 </a:solidFill>
                 <a:latin typeface="Consolas" panose="020B0609020204030204" pitchFamily="49" charset="0"/>
               </a:rPr>
-              <a:t>'</a:t>
-            </a:r>
-            <a:r>
-              <a:rPr lang="ru-RU" dirty="0">
+              <a:t>black</a:t>
+            </a:r>
+            <a:r>
+              <a:rPr lang="en-US" dirty="0">
+                <a:solidFill>
+                  <a:srgbClr val="D4D4D4"/>
+                </a:solidFill>
+                <a:latin typeface="Consolas" panose="020B0609020204030204" pitchFamily="49" charset="0"/>
+              </a:rPr>
+              <a:t>;</a:t>
+            </a:r>
+          </a:p>
+          <a:p>
+            <a:r>
+              <a:rPr lang="en-US" dirty="0">
+                <a:solidFill>
+                  <a:srgbClr val="D4D4D4"/>
+                </a:solidFill>
+                <a:latin typeface="Consolas" panose="020B0609020204030204" pitchFamily="49" charset="0"/>
+              </a:rPr>
+              <a:t>}</a:t>
+            </a:r>
+          </a:p>
+          <a:p>
+            <a:br>
+              <a:rPr lang="en-US" dirty="0">
+                <a:solidFill>
+                  <a:srgbClr val="D4D4D4"/>
+                </a:solidFill>
+                <a:latin typeface="Consolas" panose="020B0609020204030204" pitchFamily="49" charset="0"/>
+              </a:rPr>
+            </a:br>
+            <a:r>
+              <a:rPr lang="en-US" dirty="0">
+                <a:solidFill>
+                  <a:srgbClr val="D7BA7D"/>
+                </a:solidFill>
+                <a:latin typeface="Consolas" panose="020B0609020204030204" pitchFamily="49" charset="0"/>
+              </a:rPr>
+              <a:t>p</a:t>
+            </a:r>
+            <a:r>
+              <a:rPr lang="en-US" dirty="0">
+                <a:solidFill>
+                  <a:srgbClr val="D4D4D4"/>
+                </a:solidFill>
+                <a:latin typeface="Consolas" panose="020B0609020204030204" pitchFamily="49" charset="0"/>
+              </a:rPr>
+              <a:t> {</a:t>
+            </a:r>
+          </a:p>
+          <a:p>
+            <a:r>
+              <a:rPr lang="en-US" dirty="0">
+                <a:solidFill>
+                  <a:srgbClr val="D4D4D4"/>
+                </a:solidFill>
+                <a:latin typeface="Consolas" panose="020B0609020204030204" pitchFamily="49" charset="0"/>
+              </a:rPr>
+              <a:t>    </a:t>
+            </a:r>
+            <a:r>
+              <a:rPr lang="en-US" dirty="0">
+                <a:solidFill>
+                  <a:srgbClr val="9CDCFE"/>
+                </a:solidFill>
+                <a:latin typeface="Consolas" panose="020B0609020204030204" pitchFamily="49" charset="0"/>
+              </a:rPr>
+              <a:t>font-size</a:t>
+            </a:r>
+            <a:r>
+              <a:rPr lang="en-US" dirty="0">
+                <a:solidFill>
+                  <a:srgbClr val="D4D4D4"/>
+                </a:solidFill>
+                <a:latin typeface="Consolas" panose="020B0609020204030204" pitchFamily="49" charset="0"/>
+              </a:rPr>
+              <a:t>: </a:t>
+            </a:r>
+            <a:r>
+              <a:rPr lang="en-US" dirty="0">
+                <a:solidFill>
+                  <a:srgbClr val="B5CEA8"/>
+                </a:solidFill>
+                <a:latin typeface="Consolas" panose="020B0609020204030204" pitchFamily="49" charset="0"/>
+              </a:rPr>
+              <a:t>12px</a:t>
+            </a:r>
+            <a:r>
+              <a:rPr lang="en-US" dirty="0">
+                <a:solidFill>
+                  <a:srgbClr val="D4D4D4"/>
+                </a:solidFill>
+                <a:latin typeface="Consolas" panose="020B0609020204030204" pitchFamily="49" charset="0"/>
+              </a:rPr>
+              <a:t>;</a:t>
+            </a:r>
+          </a:p>
+          <a:p>
+            <a:r>
+              <a:rPr lang="en-US" dirty="0">
+                <a:solidFill>
+                  <a:srgbClr val="D4D4D4"/>
+                </a:solidFill>
+                <a:latin typeface="Consolas" panose="020B0609020204030204" pitchFamily="49" charset="0"/>
+              </a:rPr>
+              <a:t>    </a:t>
+            </a:r>
+            <a:r>
+              <a:rPr lang="en-US" dirty="0">
+                <a:solidFill>
+                  <a:srgbClr val="9CDCFE"/>
+                </a:solidFill>
+                <a:latin typeface="Consolas" panose="020B0609020204030204" pitchFamily="49" charset="0"/>
+              </a:rPr>
+              <a:t>font-family</a:t>
+            </a:r>
+            <a:r>
+              <a:rPr lang="en-US" dirty="0">
+                <a:solidFill>
+                  <a:srgbClr val="D4D4D4"/>
+                </a:solidFill>
+                <a:latin typeface="Consolas" panose="020B0609020204030204" pitchFamily="49" charset="0"/>
+              </a:rPr>
+              <a:t>: </a:t>
+            </a:r>
+            <a:r>
+              <a:rPr lang="en-US" dirty="0">
                 <a:solidFill>
                   <a:srgbClr val="CE9178"/>
                 </a:solidFill>
                 <a:latin typeface="Consolas" panose="020B0609020204030204" pitchFamily="49" charset="0"/>
               </a:rPr>
-              <a:t>Боб'</a:t>
-            </a:r>
-            <a:r>
-              <a:rPr lang="ru-RU" dirty="0">
+              <a:t>Verdana</a:t>
+            </a:r>
+            <a:r>
+              <a:rPr lang="en-US" dirty="0">
                 <a:solidFill>
                   <a:srgbClr val="D4D4D4"/>
                 </a:solidFill>
                 <a:latin typeface="Consolas" panose="020B0609020204030204" pitchFamily="49" charset="0"/>
               </a:rPr>
+              <a:t>, Geneva, </a:t>
+            </a:r>
+            <a:r>
+              <a:rPr lang="en-US" dirty="0">
+                <a:solidFill>
+                  <a:srgbClr val="CE9178"/>
+                </a:solidFill>
+                <a:latin typeface="Consolas" panose="020B0609020204030204" pitchFamily="49" charset="0"/>
+              </a:rPr>
+              <a:t>Tahoma</a:t>
+            </a:r>
+            <a:r>
+              <a:rPr lang="en-US" dirty="0">
+                <a:solidFill>
+                  <a:srgbClr val="D4D4D4"/>
+                </a:solidFill>
+                <a:latin typeface="Consolas" panose="020B0609020204030204" pitchFamily="49" charset="0"/>
+              </a:rPr>
+              <a:t>, </a:t>
+            </a:r>
+            <a:r>
+              <a:rPr lang="en-US" dirty="0">
+                <a:solidFill>
+                  <a:srgbClr val="CE9178"/>
+                </a:solidFill>
+                <a:latin typeface="Consolas" panose="020B0609020204030204" pitchFamily="49" charset="0"/>
+              </a:rPr>
+              <a:t>sans-serif</a:t>
+            </a:r>
+            <a:r>
+              <a:rPr lang="en-US" dirty="0">
+                <a:solidFill>
+                  <a:srgbClr val="D4D4D4"/>
+                </a:solidFill>
+                <a:latin typeface="Consolas" panose="020B0609020204030204" pitchFamily="49" charset="0"/>
+              </a:rPr>
               <a:t>;</a:t>
             </a:r>
           </a:p>
           <a:p>
             <a:r>
-              <a:rPr lang="ru-RU" dirty="0">
-                <a:solidFill>
-                  <a:srgbClr val="9CDCFE"/>
-                </a:solidFill>
-                <a:latin typeface="Consolas" panose="020B0609020204030204" pitchFamily="49" charset="0"/>
-              </a:rPr>
-              <a:t>$</a:t>
-            </a:r>
-            <a:r>
               <a:rPr lang="en-US" dirty="0">
                 <a:solidFill>
-                  <a:srgbClr val="9CDCFE"/>
-                </a:solidFill>
-                <a:latin typeface="Consolas" panose="020B0609020204030204" pitchFamily="49" charset="0"/>
-              </a:rPr>
-              <a:t>Var</a:t>
-            </a:r>
-            <a:r>
-              <a:rPr lang="en-US" dirty="0">
-                <a:solidFill>
                   <a:srgbClr val="D4D4D4"/>
                 </a:solidFill>
                 <a:latin typeface="Consolas" panose="020B0609020204030204" pitchFamily="49" charset="0"/>
               </a:rPr>
-              <a:t> = </a:t>
-            </a:r>
-            <a:r>
-              <a:rPr lang="en-US" dirty="0">
-                <a:solidFill>
-                  <a:srgbClr val="CE9178"/>
-                </a:solidFill>
-                <a:latin typeface="Consolas" panose="020B0609020204030204" pitchFamily="49" charset="0"/>
-              </a:rPr>
-              <a:t>'</a:t>
-            </a:r>
-            <a:r>
-              <a:rPr lang="ru-RU" dirty="0">
-                <a:solidFill>
-                  <a:srgbClr val="CE9178"/>
-                </a:solidFill>
-                <a:latin typeface="Consolas" panose="020B0609020204030204" pitchFamily="49" charset="0"/>
-              </a:rPr>
-              <a:t>Джо'</a:t>
-            </a:r>
-            <a:r>
-              <a:rPr lang="ru-RU" dirty="0">
-                <a:solidFill>
-                  <a:srgbClr val="D4D4D4"/>
-                </a:solidFill>
-                <a:latin typeface="Consolas" panose="020B0609020204030204" pitchFamily="49" charset="0"/>
-              </a:rPr>
-              <a:t>;</a:t>
-            </a:r>
-          </a:p>
-          <a:p>
-            <a:r>
-              <a:rPr lang="en-US" dirty="0">
-                <a:solidFill>
-                  <a:srgbClr val="DCDCAA"/>
-                </a:solidFill>
-                <a:latin typeface="Consolas" panose="020B0609020204030204" pitchFamily="49" charset="0"/>
-              </a:rPr>
-              <a:t>echo</a:t>
-            </a:r>
-            <a:r>
-              <a:rPr lang="en-US" dirty="0">
-                <a:solidFill>
-                  <a:srgbClr val="D4D4D4"/>
-                </a:solidFill>
-                <a:latin typeface="Consolas" panose="020B0609020204030204" pitchFamily="49" charset="0"/>
-              </a:rPr>
-              <a:t> </a:t>
-            </a:r>
-            <a:r>
-              <a:rPr lang="en-US" dirty="0">
-                <a:solidFill>
-                  <a:srgbClr val="CE9178"/>
-                </a:solidFill>
-                <a:latin typeface="Consolas" panose="020B0609020204030204" pitchFamily="49" charset="0"/>
-              </a:rPr>
-              <a:t>"</a:t>
-            </a:r>
-            <a:r>
-              <a:rPr lang="en-US" dirty="0">
-                <a:solidFill>
-                  <a:srgbClr val="9CDCFE"/>
-                </a:solidFill>
-                <a:latin typeface="Consolas" panose="020B0609020204030204" pitchFamily="49" charset="0"/>
-              </a:rPr>
-              <a:t>$var</a:t>
-            </a:r>
-            <a:r>
-              <a:rPr lang="en-US" dirty="0">
-                <a:solidFill>
-                  <a:srgbClr val="CE9178"/>
-                </a:solidFill>
-                <a:latin typeface="Consolas" panose="020B0609020204030204" pitchFamily="49" charset="0"/>
-              </a:rPr>
-              <a:t>, </a:t>
-            </a:r>
-            <a:r>
-              <a:rPr lang="en-US" dirty="0">
-                <a:solidFill>
-                  <a:srgbClr val="9CDCFE"/>
-                </a:solidFill>
-                <a:latin typeface="Consolas" panose="020B0609020204030204" pitchFamily="49" charset="0"/>
-              </a:rPr>
-              <a:t>$Var</a:t>
-            </a:r>
-            <a:r>
-              <a:rPr lang="en-US" dirty="0">
-                <a:solidFill>
-                  <a:srgbClr val="CE9178"/>
-                </a:solidFill>
-                <a:latin typeface="Consolas" panose="020B0609020204030204" pitchFamily="49" charset="0"/>
-              </a:rPr>
-              <a:t>"</a:t>
-            </a:r>
-            <a:r>
-              <a:rPr lang="en-US" dirty="0">
-                <a:solidFill>
-                  <a:srgbClr val="D4D4D4"/>
-                </a:solidFill>
-                <a:latin typeface="Consolas" panose="020B0609020204030204" pitchFamily="49" charset="0"/>
-              </a:rPr>
-              <a:t>;      </a:t>
-            </a:r>
-            <a:r>
-              <a:rPr lang="en-US" dirty="0">
-                <a:solidFill>
-                  <a:srgbClr val="6A9955"/>
-                </a:solidFill>
-                <a:latin typeface="Consolas" panose="020B0609020204030204" pitchFamily="49" charset="0"/>
-              </a:rPr>
-              <a:t>// </a:t>
-            </a:r>
-            <a:r>
-              <a:rPr lang="ru-RU" dirty="0">
-                <a:solidFill>
-                  <a:srgbClr val="6A9955"/>
-                </a:solidFill>
-                <a:latin typeface="Consolas" panose="020B0609020204030204" pitchFamily="49" charset="0"/>
-              </a:rPr>
-              <a:t>выведет "Боб, Джо"</a:t>
-            </a:r>
-            <a:endParaRPr lang="ru-RU" dirty="0">
-              <a:solidFill>
-                <a:srgbClr val="D4D4D4"/>
-              </a:solidFill>
-              <a:latin typeface="Consolas" panose="020B0609020204030204" pitchFamily="49" charset="0"/>
-            </a:endParaRPr>
-          </a:p>
-          <a:p>
-            <a:br>
-              <a:rPr lang="ru-RU" dirty="0">
-                <a:solidFill>
-                  <a:srgbClr val="D4D4D4"/>
-                </a:solidFill>
-                <a:latin typeface="Consolas" panose="020B0609020204030204" pitchFamily="49" charset="0"/>
-              </a:rPr>
-            </a:br>
-            <a:r>
-              <a:rPr lang="ru-RU" dirty="0">
-                <a:solidFill>
-                  <a:srgbClr val="D4D4D4"/>
-                </a:solidFill>
-                <a:latin typeface="Consolas" panose="020B0609020204030204" pitchFamily="49" charset="0"/>
-              </a:rPr>
-              <a:t>$</a:t>
-            </a:r>
-            <a:r>
-              <a:rPr lang="ru-RU" dirty="0">
-                <a:solidFill>
-                  <a:srgbClr val="B5CEA8"/>
-                </a:solidFill>
-                <a:latin typeface="Consolas" panose="020B0609020204030204" pitchFamily="49" charset="0"/>
-              </a:rPr>
-              <a:t>4</a:t>
-            </a:r>
-            <a:r>
-              <a:rPr lang="en-US" dirty="0">
-                <a:solidFill>
-                  <a:srgbClr val="D4D4D4"/>
-                </a:solidFill>
-                <a:latin typeface="Consolas" panose="020B0609020204030204" pitchFamily="49" charset="0"/>
-              </a:rPr>
-              <a:t>site = </a:t>
-            </a:r>
-            <a:r>
-              <a:rPr lang="en-US" dirty="0">
-                <a:solidFill>
-                  <a:srgbClr val="CE9178"/>
-                </a:solidFill>
-                <a:latin typeface="Consolas" panose="020B0609020204030204" pitchFamily="49" charset="0"/>
-              </a:rPr>
-              <a:t>'</a:t>
-            </a:r>
-            <a:r>
-              <a:rPr lang="ru-RU" dirty="0">
-                <a:solidFill>
-                  <a:srgbClr val="CE9178"/>
-                </a:solidFill>
-                <a:latin typeface="Consolas" panose="020B0609020204030204" pitchFamily="49" charset="0"/>
-              </a:rPr>
-              <a:t>ещё нет'</a:t>
-            </a:r>
-            <a:r>
-              <a:rPr lang="ru-RU" dirty="0">
-                <a:solidFill>
-                  <a:srgbClr val="D4D4D4"/>
-                </a:solidFill>
-                <a:latin typeface="Consolas" panose="020B0609020204030204" pitchFamily="49" charset="0"/>
-              </a:rPr>
-              <a:t>;     </a:t>
-            </a:r>
-            <a:r>
-              <a:rPr lang="ru-RU" dirty="0">
-                <a:solidFill>
-                  <a:srgbClr val="6A9955"/>
-                </a:solidFill>
-                <a:latin typeface="Consolas" panose="020B0609020204030204" pitchFamily="49" charset="0"/>
-              </a:rPr>
-              <a:t>// неверно; начинается с цифры</a:t>
-            </a:r>
-            <a:endParaRPr lang="ru-RU" dirty="0">
-              <a:solidFill>
-                <a:srgbClr val="D4D4D4"/>
-              </a:solidFill>
-              <a:latin typeface="Consolas" panose="020B0609020204030204" pitchFamily="49" charset="0"/>
-            </a:endParaRPr>
-          </a:p>
-          <a:p>
-            <a:r>
-              <a:rPr lang="ru-RU" dirty="0">
-                <a:solidFill>
-                  <a:srgbClr val="9CDCFE"/>
-                </a:solidFill>
-                <a:latin typeface="Consolas" panose="020B0609020204030204" pitchFamily="49" charset="0"/>
-              </a:rPr>
-              <a:t>$_4</a:t>
-            </a:r>
-            <a:r>
-              <a:rPr lang="en-US" dirty="0">
-                <a:solidFill>
-                  <a:srgbClr val="9CDCFE"/>
-                </a:solidFill>
-                <a:latin typeface="Consolas" panose="020B0609020204030204" pitchFamily="49" charset="0"/>
-              </a:rPr>
-              <a:t>site</a:t>
-            </a:r>
-            <a:r>
-              <a:rPr lang="en-US" dirty="0">
-                <a:solidFill>
-                  <a:srgbClr val="D4D4D4"/>
-                </a:solidFill>
-                <a:latin typeface="Consolas" panose="020B0609020204030204" pitchFamily="49" charset="0"/>
-              </a:rPr>
-              <a:t> = </a:t>
-            </a:r>
-            <a:r>
-              <a:rPr lang="en-US" dirty="0">
-                <a:solidFill>
-                  <a:srgbClr val="CE9178"/>
-                </a:solidFill>
-                <a:latin typeface="Consolas" panose="020B0609020204030204" pitchFamily="49" charset="0"/>
-              </a:rPr>
-              <a:t>'</a:t>
-            </a:r>
-            <a:r>
-              <a:rPr lang="ru-RU" dirty="0">
-                <a:solidFill>
-                  <a:srgbClr val="CE9178"/>
-                </a:solidFill>
-                <a:latin typeface="Consolas" panose="020B0609020204030204" pitchFamily="49" charset="0"/>
-              </a:rPr>
-              <a:t>ещё нет'</a:t>
-            </a:r>
-            <a:r>
-              <a:rPr lang="ru-RU" dirty="0">
-                <a:solidFill>
-                  <a:srgbClr val="D4D4D4"/>
-                </a:solidFill>
-                <a:latin typeface="Consolas" panose="020B0609020204030204" pitchFamily="49" charset="0"/>
-              </a:rPr>
-              <a:t>;    </a:t>
-            </a:r>
-            <a:r>
-              <a:rPr lang="ru-RU" dirty="0">
-                <a:solidFill>
-                  <a:srgbClr val="6A9955"/>
-                </a:solidFill>
-                <a:latin typeface="Consolas" panose="020B0609020204030204" pitchFamily="49" charset="0"/>
-              </a:rPr>
-              <a:t>// верно; начинается с символа подчёркивания</a:t>
-            </a:r>
-            <a:endParaRPr lang="ru-RU" dirty="0">
-              <a:solidFill>
-                <a:srgbClr val="D4D4D4"/>
-              </a:solidFill>
-              <a:latin typeface="Consolas" panose="020B0609020204030204" pitchFamily="49" charset="0"/>
-            </a:endParaRPr>
-          </a:p>
-          <a:p>
-            <a:r>
-              <a:rPr lang="ru-RU" dirty="0">
-                <a:solidFill>
-                  <a:srgbClr val="9CDCFE"/>
-                </a:solidFill>
-                <a:latin typeface="Consolas" panose="020B0609020204030204" pitchFamily="49" charset="0"/>
-              </a:rPr>
-              <a:t>$</a:t>
-            </a:r>
-            <a:r>
-              <a:rPr lang="en-US" dirty="0">
-                <a:solidFill>
-                  <a:srgbClr val="9CDCFE"/>
-                </a:solidFill>
-                <a:latin typeface="Consolas" panose="020B0609020204030204" pitchFamily="49" charset="0"/>
-              </a:rPr>
-              <a:t>täyte</a:t>
-            </a:r>
-            <a:r>
-              <a:rPr lang="en-US" dirty="0">
-                <a:solidFill>
-                  <a:srgbClr val="D4D4D4"/>
-                </a:solidFill>
-                <a:latin typeface="Consolas" panose="020B0609020204030204" pitchFamily="49" charset="0"/>
-              </a:rPr>
-              <a:t> = </a:t>
-            </a:r>
-            <a:r>
-              <a:rPr lang="en-US" dirty="0">
-                <a:solidFill>
-                  <a:srgbClr val="CE9178"/>
-                </a:solidFill>
-                <a:latin typeface="Consolas" panose="020B0609020204030204" pitchFamily="49" charset="0"/>
-              </a:rPr>
-              <a:t>'mansikka'</a:t>
-            </a:r>
-            <a:r>
-              <a:rPr lang="en-US" dirty="0">
-                <a:solidFill>
-                  <a:srgbClr val="D4D4D4"/>
-                </a:solidFill>
-                <a:latin typeface="Consolas" panose="020B0609020204030204" pitchFamily="49" charset="0"/>
-              </a:rPr>
-              <a:t>;    </a:t>
-            </a:r>
-            <a:r>
-              <a:rPr lang="en-US" dirty="0">
-                <a:solidFill>
-                  <a:srgbClr val="6A9955"/>
-                </a:solidFill>
-                <a:latin typeface="Consolas" panose="020B0609020204030204" pitchFamily="49" charset="0"/>
-              </a:rPr>
-              <a:t>// </a:t>
-            </a:r>
-            <a:r>
-              <a:rPr lang="ru-RU" dirty="0">
-                <a:solidFill>
-                  <a:srgbClr val="6A9955"/>
-                </a:solidFill>
-                <a:latin typeface="Consolas" panose="020B0609020204030204" pitchFamily="49" charset="0"/>
-              </a:rPr>
-              <a:t>верно; '</a:t>
-            </a:r>
-            <a:r>
-              <a:rPr lang="en-US" dirty="0">
-                <a:solidFill>
-                  <a:srgbClr val="6A9955"/>
-                </a:solidFill>
-                <a:latin typeface="Consolas" panose="020B0609020204030204" pitchFamily="49" charset="0"/>
-              </a:rPr>
-              <a:t>ä' </a:t>
-            </a:r>
-            <a:r>
-              <a:rPr lang="ru-RU" dirty="0">
-                <a:solidFill>
-                  <a:srgbClr val="6A9955"/>
-                </a:solidFill>
-                <a:latin typeface="Consolas" panose="020B0609020204030204" pitchFamily="49" charset="0"/>
-              </a:rPr>
-              <a:t>это (Расширенный) </a:t>
-            </a:r>
-            <a:r>
-              <a:rPr lang="en-US" dirty="0">
-                <a:solidFill>
-                  <a:srgbClr val="6A9955"/>
-                </a:solidFill>
-                <a:latin typeface="Consolas" panose="020B0609020204030204" pitchFamily="49" charset="0"/>
-              </a:rPr>
-              <a:t>ASCII 228.</a:t>
-            </a:r>
-            <a:endParaRPr lang="en-US" dirty="0">
-              <a:solidFill>
-                <a:srgbClr val="D4D4D4"/>
-              </a:solidFill>
-              <a:latin typeface="Consolas" panose="020B0609020204030204" pitchFamily="49" charset="0"/>
-            </a:endParaRPr>
-          </a:p>
-          <a:p>
-            <a:r>
-              <a:rPr lang="en-US" dirty="0">
-                <a:solidFill>
-                  <a:srgbClr val="569CD6"/>
-                </a:solidFill>
-                <a:latin typeface="Consolas" panose="020B0609020204030204" pitchFamily="49" charset="0"/>
-              </a:rPr>
-              <a:t>?&gt;</a:t>
+              <a:t>}</a:t>
             </a:r>
             <a:endParaRPr lang="en-US" b="0" dirty="0">
               <a:solidFill>
@@ -14811,10 +18114,57 @@
           </a:p>
         </p:txBody>
       </p:sp>
+      <p:pic>
+        <p:nvPicPr>
+          <p:cNvPr id="1028" name="Picture 4" descr="https://developer.mozilla.org/en-US/docs/Learn/Getting_started_with_the_web/CSS_basics/css-declaration-small.png">
+            <a:extLst>
+              <a:ext uri="{FF2B5EF4-FFF2-40B4-BE49-F238E27FC236}">
+                <a16:creationId xmlns:a16="http://schemas.microsoft.com/office/drawing/2014/main" id="{56E09145-CD52-4383-A016-5EF41EC7C8DD}"/>
+              </a:ext>
+            </a:extLst>
+          </p:cNvPr>
+          <p:cNvPicPr>
+            <a:picLocks noChangeAspect="1" noChangeArrowheads="1"/>
+          </p:cNvPicPr>
+          <p:nvPr/>
+        </p:nvPicPr>
+        <p:blipFill>
+          <a:blip r:embed="rId2">
+            <a:extLst>
+              <a:ext uri="{28A0092B-C50C-407E-A947-70E740481C1C}">
+                <a14:useLocalDpi xmlns:a14="http://schemas.microsoft.com/office/drawing/2010/main" val="0"/>
+              </a:ext>
+            </a:extLst>
+          </a:blip>
+          <a:srcRect/>
+          <a:stretch>
+            <a:fillRect/>
+          </a:stretch>
+        </p:blipFill>
+        <p:spPr bwMode="auto">
+          <a:xfrm>
+            <a:off x="545284" y="4470394"/>
+            <a:ext cx="4228052" cy="2387606"/>
+          </a:xfrm>
+          <a:prstGeom prst="rect">
+            <a:avLst/>
+          </a:prstGeom>
+          <a:noFill/>
+          <a:extLst>
+            <a:ext uri="{909E8E84-426E-40DD-AFC4-6F175D3DCCD1}">
+              <a14:hiddenFill xmlns:a14="http://schemas.microsoft.com/office/drawing/2010/main">
+                <a:solidFill>
+                  <a:srgbClr val="FFFFFF"/>
+                </a:solidFill>
+              </a14:hiddenFill>
+            </a:ext>
+          </a:extLst>
+        </p:spPr>
+      </p:pic>
     </p:spTree>
     <p:extLst>
       <p:ext uri="{BB962C8B-B14F-4D97-AF65-F5344CB8AC3E}">
-        <p14:creationId xmlns:p14="http://schemas.microsoft.com/office/powerpoint/2010/main" val="642579818"/>
+        <p14:creationId xmlns:p14="http://schemas.microsoft.com/office/powerpoint/2010/main" val="1418177679"/>
       </p:ext>
     </p:extLst>
   </p:cSld>

--- a/PHP/Веб-разработка с помощью PHP.pptx
+++ b/PHP/Веб-разработка с помощью PHP.pptx
@@ -19,6 +19,7 @@
     <p:sldId id="264" r:id="rId13"/>
     <p:sldId id="270" r:id="rId14"/>
     <p:sldId id="269" r:id="rId15"/>
+    <p:sldId id="271" r:id="rId16"/>
   </p:sldIdLst>
   <p:sldSz cx="12192000" cy="6858000"/>
   <p:notesSz cx="6858000" cy="9144000"/>
@@ -175,7 +176,7 @@
           <a:noFill/>
           <a:extLst>
             <a:ext uri="{909E8E84-426E-40dd-AFC4-6F175D3DCCD1}">
-              <a14:hiddenFill xmlns:a14="http://schemas.microsoft.com/office/drawing/2010/main" xmlns="">
+              <a14:hiddenFill xmlns="" xmlns:a14="http://schemas.microsoft.com/office/drawing/2010/main">
                 <a:solidFill>
                   <a:srgbClr val="FFFFFF"/>
                 </a:solidFill>
@@ -235,7 +236,7 @@
             </a:ln>
             <a:extLst>
               <a:ext uri="{91240B29-F687-4f45-9708-019B960494DF}">
-                <a14:hiddenLine xmlns:a14="http://schemas.microsoft.com/office/drawing/2010/main" xmlns="" w="9525">
+                <a14:hiddenLine xmlns="" xmlns:a14="http://schemas.microsoft.com/office/drawing/2010/main" w="9525">
                   <a:solidFill>
                     <a:srgbClr val="000000"/>
                   </a:solidFill>
@@ -325,7 +326,7 @@
             </a:ln>
             <a:extLst>
               <a:ext uri="{91240B29-F687-4f45-9708-019B960494DF}">
-                <a14:hiddenLine xmlns:a14="http://schemas.microsoft.com/office/drawing/2010/main" xmlns="" w="9525">
+                <a14:hiddenLine xmlns="" xmlns:a14="http://schemas.microsoft.com/office/drawing/2010/main" w="9525">
                   <a:solidFill>
                     <a:srgbClr val="000000"/>
                   </a:solidFill>
@@ -415,7 +416,7 @@
             </a:ln>
             <a:extLst>
               <a:ext uri="{91240B29-F687-4f45-9708-019B960494DF}">
-                <a14:hiddenLine xmlns:a14="http://schemas.microsoft.com/office/drawing/2010/main" xmlns="" w="9525">
+                <a14:hiddenLine xmlns="" xmlns:a14="http://schemas.microsoft.com/office/drawing/2010/main" w="9525">
                   <a:solidFill>
                     <a:srgbClr val="000000"/>
                   </a:solidFill>
@@ -449,7 +450,7 @@
             </a:ln>
             <a:extLst>
               <a:ext uri="{91240B29-F687-4f45-9708-019B960494DF}">
-                <a14:hiddenLine xmlns:a14="http://schemas.microsoft.com/office/drawing/2010/main" xmlns="" w="9525">
+                <a14:hiddenLine xmlns="" xmlns:a14="http://schemas.microsoft.com/office/drawing/2010/main" w="9525">
                   <a:solidFill>
                     <a:srgbClr val="000000"/>
                   </a:solidFill>
@@ -539,7 +540,7 @@
             </a:ln>
             <a:extLst>
               <a:ext uri="{91240B29-F687-4f45-9708-019B960494DF}">
-                <a14:hiddenLine xmlns:a14="http://schemas.microsoft.com/office/drawing/2010/main" xmlns="" w="9525">
+                <a14:hiddenLine xmlns="" xmlns:a14="http://schemas.microsoft.com/office/drawing/2010/main" w="9525">
                   <a:solidFill>
                     <a:srgbClr val="000000"/>
                   </a:solidFill>
@@ -601,7 +602,7 @@
             </a:ln>
             <a:extLst>
               <a:ext uri="{91240B29-F687-4f45-9708-019B960494DF}">
-                <a14:hiddenLine xmlns:a14="http://schemas.microsoft.com/office/drawing/2010/main" xmlns="" w="9525">
+                <a14:hiddenLine xmlns="" xmlns:a14="http://schemas.microsoft.com/office/drawing/2010/main" w="9525">
                   <a:solidFill>
                     <a:srgbClr val="000000"/>
                   </a:solidFill>
@@ -663,7 +664,7 @@
             </a:ln>
             <a:extLst>
               <a:ext uri="{91240B29-F687-4f45-9708-019B960494DF}">
-                <a14:hiddenLine xmlns:a14="http://schemas.microsoft.com/office/drawing/2010/main" xmlns="" w="9525">
+                <a14:hiddenLine xmlns="" xmlns:a14="http://schemas.microsoft.com/office/drawing/2010/main" w="9525">
                   <a:solidFill>
                     <a:srgbClr val="000000"/>
                   </a:solidFill>
@@ -753,7 +754,7 @@
             </a:ln>
             <a:extLst>
               <a:ext uri="{91240B29-F687-4f45-9708-019B960494DF}">
-                <a14:hiddenLine xmlns:a14="http://schemas.microsoft.com/office/drawing/2010/main" xmlns="" w="9525">
+                <a14:hiddenLine xmlns="" xmlns:a14="http://schemas.microsoft.com/office/drawing/2010/main" w="9525">
                   <a:solidFill>
                     <a:srgbClr val="000000"/>
                   </a:solidFill>
@@ -815,7 +816,7 @@
             </a:ln>
             <a:extLst>
               <a:ext uri="{91240B29-F687-4f45-9708-019B960494DF}">
-                <a14:hiddenLine xmlns:a14="http://schemas.microsoft.com/office/drawing/2010/main" xmlns="" w="9525">
+                <a14:hiddenLine xmlns="" xmlns:a14="http://schemas.microsoft.com/office/drawing/2010/main" w="9525">
                   <a:solidFill>
                     <a:srgbClr val="000000"/>
                   </a:solidFill>
@@ -877,7 +878,7 @@
             </a:ln>
             <a:extLst>
               <a:ext uri="{91240B29-F687-4f45-9708-019B960494DF}">
-                <a14:hiddenLine xmlns:a14="http://schemas.microsoft.com/office/drawing/2010/main" xmlns="" w="9525">
+                <a14:hiddenLine xmlns="" xmlns:a14="http://schemas.microsoft.com/office/drawing/2010/main" w="9525">
                   <a:solidFill>
                     <a:srgbClr val="000000"/>
                   </a:solidFill>
@@ -967,7 +968,7 @@
             </a:ln>
             <a:extLst>
               <a:ext uri="{91240B29-F687-4f45-9708-019B960494DF}">
-                <a14:hiddenLine xmlns:a14="http://schemas.microsoft.com/office/drawing/2010/main" xmlns="" w="9525">
+                <a14:hiddenLine xmlns="" xmlns:a14="http://schemas.microsoft.com/office/drawing/2010/main" w="9525">
                   <a:solidFill>
                     <a:srgbClr val="000000"/>
                   </a:solidFill>
@@ -1057,7 +1058,7 @@
             </a:ln>
             <a:extLst>
               <a:ext uri="{91240B29-F687-4f45-9708-019B960494DF}">
-                <a14:hiddenLine xmlns:a14="http://schemas.microsoft.com/office/drawing/2010/main" xmlns="" w="9525">
+                <a14:hiddenLine xmlns="" xmlns:a14="http://schemas.microsoft.com/office/drawing/2010/main" w="9525">
                   <a:solidFill>
                     <a:srgbClr val="000000"/>
                   </a:solidFill>
@@ -1119,7 +1120,7 @@
             </a:ln>
             <a:extLst>
               <a:ext uri="{91240B29-F687-4f45-9708-019B960494DF}">
-                <a14:hiddenLine xmlns:a14="http://schemas.microsoft.com/office/drawing/2010/main" xmlns="" w="9525">
+                <a14:hiddenLine xmlns="" xmlns:a14="http://schemas.microsoft.com/office/drawing/2010/main" w="9525">
                   <a:solidFill>
                     <a:srgbClr val="000000"/>
                   </a:solidFill>
@@ -1229,7 +1230,7 @@
             </a:ln>
             <a:extLst>
               <a:ext uri="{91240B29-F687-4f45-9708-019B960494DF}">
-                <a14:hiddenLine xmlns:a14="http://schemas.microsoft.com/office/drawing/2010/main" xmlns="" w="9525">
+                <a14:hiddenLine xmlns="" xmlns:a14="http://schemas.microsoft.com/office/drawing/2010/main" w="9525">
                   <a:solidFill>
                     <a:srgbClr val="000000"/>
                   </a:solidFill>
@@ -1291,7 +1292,7 @@
             </a:ln>
             <a:extLst>
               <a:ext uri="{91240B29-F687-4f45-9708-019B960494DF}">
-                <a14:hiddenLine xmlns:a14="http://schemas.microsoft.com/office/drawing/2010/main" xmlns="" w="9525">
+                <a14:hiddenLine xmlns="" xmlns:a14="http://schemas.microsoft.com/office/drawing/2010/main" w="9525">
                   <a:solidFill>
                     <a:srgbClr val="000000"/>
                   </a:solidFill>
@@ -1381,7 +1382,7 @@
             </a:ln>
             <a:extLst>
               <a:ext uri="{91240B29-F687-4f45-9708-019B960494DF}">
-                <a14:hiddenLine xmlns:a14="http://schemas.microsoft.com/office/drawing/2010/main" xmlns="" w="9525">
+                <a14:hiddenLine xmlns="" xmlns:a14="http://schemas.microsoft.com/office/drawing/2010/main" w="9525">
                   <a:solidFill>
                     <a:srgbClr val="000000"/>
                   </a:solidFill>
@@ -1471,7 +1472,7 @@
             </a:ln>
             <a:extLst>
               <a:ext uri="{91240B29-F687-4f45-9708-019B960494DF}">
-                <a14:hiddenLine xmlns:a14="http://schemas.microsoft.com/office/drawing/2010/main" xmlns="" w="9525">
+                <a14:hiddenLine xmlns="" xmlns:a14="http://schemas.microsoft.com/office/drawing/2010/main" w="9525">
                   <a:solidFill>
                     <a:srgbClr val="000000"/>
                   </a:solidFill>
@@ -1533,7 +1534,7 @@
             </a:ln>
             <a:extLst>
               <a:ext uri="{91240B29-F687-4f45-9708-019B960494DF}">
-                <a14:hiddenLine xmlns:a14="http://schemas.microsoft.com/office/drawing/2010/main" xmlns="" w="9525">
+                <a14:hiddenLine xmlns="" xmlns:a14="http://schemas.microsoft.com/office/drawing/2010/main" w="9525">
                   <a:solidFill>
                     <a:srgbClr val="000000"/>
                   </a:solidFill>
@@ -1623,7 +1624,7 @@
             </a:ln>
             <a:extLst>
               <a:ext uri="{91240B29-F687-4f45-9708-019B960494DF}">
-                <a14:hiddenLine xmlns:a14="http://schemas.microsoft.com/office/drawing/2010/main" xmlns="" w="9525">
+                <a14:hiddenLine xmlns="" xmlns:a14="http://schemas.microsoft.com/office/drawing/2010/main" w="9525">
                   <a:solidFill>
                     <a:srgbClr val="000000"/>
                   </a:solidFill>
@@ -1713,7 +1714,7 @@
             </a:ln>
             <a:extLst>
               <a:ext uri="{91240B29-F687-4f45-9708-019B960494DF}">
-                <a14:hiddenLine xmlns:a14="http://schemas.microsoft.com/office/drawing/2010/main" xmlns="" w="9525">
+                <a14:hiddenLine xmlns="" xmlns:a14="http://schemas.microsoft.com/office/drawing/2010/main" w="9525">
                   <a:solidFill>
                     <a:srgbClr val="000000"/>
                   </a:solidFill>
@@ -1769,7 +1770,7 @@
             </a:ln>
             <a:extLst>
               <a:ext uri="{91240B29-F687-4f45-9708-019B960494DF}">
-                <a14:hiddenLine xmlns:a14="http://schemas.microsoft.com/office/drawing/2010/main" xmlns="" w="9525">
+                <a14:hiddenLine xmlns="" xmlns:a14="http://schemas.microsoft.com/office/drawing/2010/main" w="9525">
                   <a:solidFill>
                     <a:srgbClr val="000000"/>
                   </a:solidFill>
@@ -1859,7 +1860,7 @@
             </a:ln>
             <a:extLst>
               <a:ext uri="{91240B29-F687-4f45-9708-019B960494DF}">
-                <a14:hiddenLine xmlns:a14="http://schemas.microsoft.com/office/drawing/2010/main" xmlns="" w="9525">
+                <a14:hiddenLine xmlns="" xmlns:a14="http://schemas.microsoft.com/office/drawing/2010/main" w="9525">
                   <a:solidFill>
                     <a:srgbClr val="000000"/>
                   </a:solidFill>
@@ -1915,7 +1916,7 @@
             </a:ln>
             <a:extLst>
               <a:ext uri="{91240B29-F687-4f45-9708-019B960494DF}">
-                <a14:hiddenLine xmlns:a14="http://schemas.microsoft.com/office/drawing/2010/main" xmlns="" w="9525">
+                <a14:hiddenLine xmlns="" xmlns:a14="http://schemas.microsoft.com/office/drawing/2010/main" w="9525">
                   <a:solidFill>
                     <a:srgbClr val="000000"/>
                   </a:solidFill>
@@ -2005,7 +2006,7 @@
             </a:ln>
             <a:extLst>
               <a:ext uri="{91240B29-F687-4f45-9708-019B960494DF}">
-                <a14:hiddenLine xmlns:a14="http://schemas.microsoft.com/office/drawing/2010/main" xmlns="" w="9525">
+                <a14:hiddenLine xmlns="" xmlns:a14="http://schemas.microsoft.com/office/drawing/2010/main" w="9525">
                   <a:solidFill>
                     <a:srgbClr val="000000"/>
                   </a:solidFill>
@@ -2073,7 +2074,7 @@
             </a:ln>
             <a:extLst>
               <a:ext uri="{91240B29-F687-4f45-9708-019B960494DF}">
-                <a14:hiddenLine xmlns:a14="http://schemas.microsoft.com/office/drawing/2010/main" xmlns="" w="9525">
+                <a14:hiddenLine xmlns="" xmlns:a14="http://schemas.microsoft.com/office/drawing/2010/main" w="9525">
                   <a:solidFill>
                     <a:srgbClr val="000000"/>
                   </a:solidFill>
@@ -2163,7 +2164,7 @@
             </a:ln>
             <a:extLst>
               <a:ext uri="{91240B29-F687-4f45-9708-019B960494DF}">
-                <a14:hiddenLine xmlns:a14="http://schemas.microsoft.com/office/drawing/2010/main" xmlns="" w="9525">
+                <a14:hiddenLine xmlns="" xmlns:a14="http://schemas.microsoft.com/office/drawing/2010/main" w="9525">
                   <a:solidFill>
                     <a:srgbClr val="000000"/>
                   </a:solidFill>
@@ -2231,7 +2232,7 @@
             </a:ln>
             <a:extLst>
               <a:ext uri="{91240B29-F687-4f45-9708-019B960494DF}">
-                <a14:hiddenLine xmlns:a14="http://schemas.microsoft.com/office/drawing/2010/main" xmlns="" w="9525">
+                <a14:hiddenLine xmlns="" xmlns:a14="http://schemas.microsoft.com/office/drawing/2010/main" w="9525">
                   <a:solidFill>
                     <a:srgbClr val="000000"/>
                   </a:solidFill>
@@ -2321,7 +2322,7 @@
             </a:ln>
             <a:extLst>
               <a:ext uri="{91240B29-F687-4f45-9708-019B960494DF}">
-                <a14:hiddenLine xmlns:a14="http://schemas.microsoft.com/office/drawing/2010/main" xmlns="" w="9525">
+                <a14:hiddenLine xmlns="" xmlns:a14="http://schemas.microsoft.com/office/drawing/2010/main" w="9525">
                   <a:solidFill>
                     <a:srgbClr val="000000"/>
                   </a:solidFill>
@@ -2355,7 +2356,7 @@
             </a:ln>
             <a:extLst>
               <a:ext uri="{91240B29-F687-4f45-9708-019B960494DF}">
-                <a14:hiddenLine xmlns:a14="http://schemas.microsoft.com/office/drawing/2010/main" xmlns="" w="9525">
+                <a14:hiddenLine xmlns="" xmlns:a14="http://schemas.microsoft.com/office/drawing/2010/main" w="9525">
                   <a:solidFill>
                     <a:srgbClr val="000000"/>
                   </a:solidFill>
@@ -2445,7 +2446,7 @@
             </a:ln>
             <a:extLst>
               <a:ext uri="{91240B29-F687-4f45-9708-019B960494DF}">
-                <a14:hiddenLine xmlns:a14="http://schemas.microsoft.com/office/drawing/2010/main" xmlns="" w="9525">
+                <a14:hiddenLine xmlns="" xmlns:a14="http://schemas.microsoft.com/office/drawing/2010/main" w="9525">
                   <a:solidFill>
                     <a:srgbClr val="000000"/>
                   </a:solidFill>
@@ -2507,7 +2508,7 @@
             </a:ln>
             <a:extLst>
               <a:ext uri="{91240B29-F687-4f45-9708-019B960494DF}">
-                <a14:hiddenLine xmlns:a14="http://schemas.microsoft.com/office/drawing/2010/main" xmlns="" w="9525">
+                <a14:hiddenLine xmlns="" xmlns:a14="http://schemas.microsoft.com/office/drawing/2010/main" w="9525">
                   <a:solidFill>
                     <a:srgbClr val="000000"/>
                   </a:solidFill>
@@ -2569,7 +2570,7 @@
             </a:ln>
             <a:extLst>
               <a:ext uri="{91240B29-F687-4f45-9708-019B960494DF}">
-                <a14:hiddenLine xmlns:a14="http://schemas.microsoft.com/office/drawing/2010/main" xmlns="" w="9525">
+                <a14:hiddenLine xmlns="" xmlns:a14="http://schemas.microsoft.com/office/drawing/2010/main" w="9525">
                   <a:solidFill>
                     <a:srgbClr val="000000"/>
                   </a:solidFill>
@@ -2659,7 +2660,7 @@
             </a:ln>
             <a:extLst>
               <a:ext uri="{91240B29-F687-4f45-9708-019B960494DF}">
-                <a14:hiddenLine xmlns:a14="http://schemas.microsoft.com/office/drawing/2010/main" xmlns="" w="9525">
+                <a14:hiddenLine xmlns="" xmlns:a14="http://schemas.microsoft.com/office/drawing/2010/main" w="9525">
                   <a:solidFill>
                     <a:srgbClr val="000000"/>
                   </a:solidFill>
@@ -2727,7 +2728,7 @@
             </a:ln>
             <a:extLst>
               <a:ext uri="{91240B29-F687-4f45-9708-019B960494DF}">
-                <a14:hiddenLine xmlns:a14="http://schemas.microsoft.com/office/drawing/2010/main" xmlns="" w="9525">
+                <a14:hiddenLine xmlns="" xmlns:a14="http://schemas.microsoft.com/office/drawing/2010/main" w="9525">
                   <a:solidFill>
                     <a:srgbClr val="000000"/>
                   </a:solidFill>
@@ -2789,7 +2790,7 @@
             </a:ln>
             <a:extLst>
               <a:ext uri="{91240B29-F687-4f45-9708-019B960494DF}">
-                <a14:hiddenLine xmlns:a14="http://schemas.microsoft.com/office/drawing/2010/main" xmlns="" w="9525">
+                <a14:hiddenLine xmlns="" xmlns:a14="http://schemas.microsoft.com/office/drawing/2010/main" w="9525">
                   <a:solidFill>
                     <a:srgbClr val="000000"/>
                   </a:solidFill>
@@ -2879,7 +2880,7 @@
             </a:ln>
             <a:extLst>
               <a:ext uri="{91240B29-F687-4f45-9708-019B960494DF}">
-                <a14:hiddenLine xmlns:a14="http://schemas.microsoft.com/office/drawing/2010/main" xmlns="" w="9525">
+                <a14:hiddenLine xmlns="" xmlns:a14="http://schemas.microsoft.com/office/drawing/2010/main" w="9525">
                   <a:solidFill>
                     <a:srgbClr val="000000"/>
                   </a:solidFill>
@@ -2941,7 +2942,7 @@
             </a:ln>
             <a:extLst>
               <a:ext uri="{91240B29-F687-4f45-9708-019B960494DF}">
-                <a14:hiddenLine xmlns:a14="http://schemas.microsoft.com/office/drawing/2010/main" xmlns="" w="9525">
+                <a14:hiddenLine xmlns="" xmlns:a14="http://schemas.microsoft.com/office/drawing/2010/main" w="9525">
                   <a:solidFill>
                     <a:srgbClr val="000000"/>
                   </a:solidFill>
@@ -3031,7 +3032,7 @@
             </a:ln>
             <a:extLst>
               <a:ext uri="{91240B29-F687-4f45-9708-019B960494DF}">
-                <a14:hiddenLine xmlns:a14="http://schemas.microsoft.com/office/drawing/2010/main" xmlns="" w="9525">
+                <a14:hiddenLine xmlns="" xmlns:a14="http://schemas.microsoft.com/office/drawing/2010/main" w="9525">
                   <a:solidFill>
                     <a:srgbClr val="000000"/>
                   </a:solidFill>
@@ -3093,7 +3094,7 @@
             </a:ln>
             <a:extLst>
               <a:ext uri="{91240B29-F687-4f45-9708-019B960494DF}">
-                <a14:hiddenLine xmlns:a14="http://schemas.microsoft.com/office/drawing/2010/main" xmlns="" w="9525">
+                <a14:hiddenLine xmlns="" xmlns:a14="http://schemas.microsoft.com/office/drawing/2010/main" w="9525">
                   <a:solidFill>
                     <a:srgbClr val="000000"/>
                   </a:solidFill>
@@ -3183,7 +3184,7 @@
             </a:ln>
             <a:extLst>
               <a:ext uri="{91240B29-F687-4f45-9708-019B960494DF}">
-                <a14:hiddenLine xmlns:a14="http://schemas.microsoft.com/office/drawing/2010/main" xmlns="" w="9525">
+                <a14:hiddenLine xmlns="" xmlns:a14="http://schemas.microsoft.com/office/drawing/2010/main" w="9525">
                   <a:solidFill>
                     <a:srgbClr val="000000"/>
                   </a:solidFill>
@@ -3217,7 +3218,7 @@
             </a:ln>
             <a:extLst>
               <a:ext uri="{91240B29-F687-4f45-9708-019B960494DF}">
-                <a14:hiddenLine xmlns:a14="http://schemas.microsoft.com/office/drawing/2010/main" xmlns="" w="9525">
+                <a14:hiddenLine xmlns="" xmlns:a14="http://schemas.microsoft.com/office/drawing/2010/main" w="9525">
                   <a:solidFill>
                     <a:srgbClr val="000000"/>
                   </a:solidFill>
@@ -3282,7 +3283,7 @@
             </a:ln>
             <a:extLst>
               <a:ext uri="{91240B29-F687-4f45-9708-019B960494DF}">
-                <a14:hiddenLine xmlns:a14="http://schemas.microsoft.com/office/drawing/2010/main" xmlns="" w="9525">
+                <a14:hiddenLine xmlns="" xmlns:a14="http://schemas.microsoft.com/office/drawing/2010/main" w="9525">
                   <a:solidFill>
                     <a:srgbClr val="000000"/>
                   </a:solidFill>
@@ -3372,7 +3373,7 @@
             </a:ln>
             <a:extLst>
               <a:ext uri="{91240B29-F687-4f45-9708-019B960494DF}">
-                <a14:hiddenLine xmlns:a14="http://schemas.microsoft.com/office/drawing/2010/main" xmlns="" w="9525">
+                <a14:hiddenLine xmlns="" xmlns:a14="http://schemas.microsoft.com/office/drawing/2010/main" w="9525">
                   <a:solidFill>
                     <a:srgbClr val="000000"/>
                   </a:solidFill>
@@ -3434,7 +3435,7 @@
             </a:ln>
             <a:extLst>
               <a:ext uri="{91240B29-F687-4f45-9708-019B960494DF}">
-                <a14:hiddenLine xmlns:a14="http://schemas.microsoft.com/office/drawing/2010/main" xmlns="" w="9525">
+                <a14:hiddenLine xmlns="" xmlns:a14="http://schemas.microsoft.com/office/drawing/2010/main" w="9525">
                   <a:solidFill>
                     <a:srgbClr val="000000"/>
                   </a:solidFill>
@@ -3524,7 +3525,7 @@
             </a:ln>
             <a:extLst>
               <a:ext uri="{91240B29-F687-4f45-9708-019B960494DF}">
-                <a14:hiddenLine xmlns:a14="http://schemas.microsoft.com/office/drawing/2010/main" xmlns="" w="9525">
+                <a14:hiddenLine xmlns="" xmlns:a14="http://schemas.microsoft.com/office/drawing/2010/main" w="9525">
                   <a:solidFill>
                     <a:srgbClr val="000000"/>
                   </a:solidFill>
@@ -3614,7 +3615,7 @@
             </a:ln>
             <a:extLst>
               <a:ext uri="{91240B29-F687-4f45-9708-019B960494DF}">
-                <a14:hiddenLine xmlns:a14="http://schemas.microsoft.com/office/drawing/2010/main" xmlns="" w="9525">
+                <a14:hiddenLine xmlns="" xmlns:a14="http://schemas.microsoft.com/office/drawing/2010/main" w="9525">
                   <a:solidFill>
                     <a:srgbClr val="000000"/>
                   </a:solidFill>
@@ -3679,7 +3680,7 @@
             </a:ln>
             <a:extLst>
               <a:ext uri="{91240B29-F687-4f45-9708-019B960494DF}">
-                <a14:hiddenLine xmlns:a14="http://schemas.microsoft.com/office/drawing/2010/main" xmlns="" w="9525">
+                <a14:hiddenLine xmlns="" xmlns:a14="http://schemas.microsoft.com/office/drawing/2010/main" w="9525">
                   <a:solidFill>
                     <a:srgbClr val="000000"/>
                   </a:solidFill>
@@ -3741,7 +3742,7 @@
             </a:ln>
             <a:extLst>
               <a:ext uri="{91240B29-F687-4f45-9708-019B960494DF}">
-                <a14:hiddenLine xmlns:a14="http://schemas.microsoft.com/office/drawing/2010/main" xmlns="" w="9525">
+                <a14:hiddenLine xmlns="" xmlns:a14="http://schemas.microsoft.com/office/drawing/2010/main" w="9525">
                   <a:solidFill>
                     <a:srgbClr val="000000"/>
                   </a:solidFill>
@@ -3831,7 +3832,7 @@
             </a:ln>
             <a:extLst>
               <a:ext uri="{91240B29-F687-4f45-9708-019B960494DF}">
-                <a14:hiddenLine xmlns:a14="http://schemas.microsoft.com/office/drawing/2010/main" xmlns="" w="9525">
+                <a14:hiddenLine xmlns="" xmlns:a14="http://schemas.microsoft.com/office/drawing/2010/main" w="9525">
                   <a:solidFill>
                     <a:srgbClr val="000000"/>
                   </a:solidFill>
@@ -3921,7 +3922,7 @@
             </a:ln>
             <a:extLst>
               <a:ext uri="{91240B29-F687-4f45-9708-019B960494DF}">
-                <a14:hiddenLine xmlns:a14="http://schemas.microsoft.com/office/drawing/2010/main" xmlns="" w="9525">
+                <a14:hiddenLine xmlns="" xmlns:a14="http://schemas.microsoft.com/office/drawing/2010/main" w="9525">
                   <a:solidFill>
                     <a:srgbClr val="000000"/>
                   </a:solidFill>
@@ -3983,7 +3984,7 @@
             </a:ln>
             <a:extLst>
               <a:ext uri="{91240B29-F687-4f45-9708-019B960494DF}">
-                <a14:hiddenLine xmlns:a14="http://schemas.microsoft.com/office/drawing/2010/main" xmlns="" w="9525">
+                <a14:hiddenLine xmlns="" xmlns:a14="http://schemas.microsoft.com/office/drawing/2010/main" w="9525">
                   <a:solidFill>
                     <a:srgbClr val="000000"/>
                   </a:solidFill>
@@ -4103,7 +4104,7 @@
             </a:ln>
             <a:extLst>
               <a:ext uri="{91240B29-F687-4f45-9708-019B960494DF}">
-                <a14:hiddenLine xmlns:a14="http://schemas.microsoft.com/office/drawing/2010/main" xmlns="" w="9525">
+                <a14:hiddenLine xmlns="" xmlns:a14="http://schemas.microsoft.com/office/drawing/2010/main" w="9525">
                   <a:solidFill>
                     <a:srgbClr val="000000"/>
                   </a:solidFill>
@@ -4171,7 +4172,7 @@
             </a:ln>
             <a:extLst>
               <a:ext uri="{91240B29-F687-4f45-9708-019B960494DF}">
-                <a14:hiddenLine xmlns:a14="http://schemas.microsoft.com/office/drawing/2010/main" xmlns="" w="9525">
+                <a14:hiddenLine xmlns="" xmlns:a14="http://schemas.microsoft.com/office/drawing/2010/main" w="9525">
                   <a:solidFill>
                     <a:srgbClr val="000000"/>
                   </a:solidFill>
@@ -4261,7 +4262,7 @@
             </a:ln>
             <a:extLst>
               <a:ext uri="{91240B29-F687-4f45-9708-019B960494DF}">
-                <a14:hiddenLine xmlns:a14="http://schemas.microsoft.com/office/drawing/2010/main" xmlns="" w="9525">
+                <a14:hiddenLine xmlns="" xmlns:a14="http://schemas.microsoft.com/office/drawing/2010/main" w="9525">
                   <a:solidFill>
                     <a:srgbClr val="000000"/>
                   </a:solidFill>
@@ -4401,7 +4402,7 @@
           <a:p>
             <a:fld id="{48A87A34-81AB-432B-8DAE-1953F412C126}" type="datetimeFigureOut">
               <a:rPr lang="en-US" dirty="0"/>
-              <a:t>10/20/2021</a:t>
+              <a:t>10/21/2021</a:t>
             </a:fld>
             <a:endParaRPr lang="en-US" dirty="0"/>
           </a:p>
@@ -4663,7 +4664,7 @@
           <a:p>
             <a:fld id="{48A87A34-81AB-432B-8DAE-1953F412C126}" type="datetimeFigureOut">
               <a:rPr lang="en-US" dirty="0"/>
-              <a:t>10/20/2021</a:t>
+              <a:t>10/21/2021</a:t>
             </a:fld>
             <a:endParaRPr lang="en-US" dirty="0"/>
           </a:p>
@@ -4854,7 +4855,7 @@
           <a:p>
             <a:fld id="{48A87A34-81AB-432B-8DAE-1953F412C126}" type="datetimeFigureOut">
               <a:rPr lang="en-US" dirty="0"/>
-              <a:t>10/20/2021</a:t>
+              <a:t>10/21/2021</a:t>
             </a:fld>
             <a:endParaRPr lang="en-US" dirty="0"/>
           </a:p>
@@ -5112,7 +5113,7 @@
           <a:p>
             <a:fld id="{48A87A34-81AB-432B-8DAE-1953F412C126}" type="datetimeFigureOut">
               <a:rPr lang="en-US" dirty="0"/>
-              <a:t>10/20/2021</a:t>
+              <a:t>10/21/2021</a:t>
             </a:fld>
             <a:endParaRPr lang="en-US" dirty="0"/>
           </a:p>
@@ -5541,7 +5542,7 @@
           <a:p>
             <a:fld id="{48A87A34-81AB-432B-8DAE-1953F412C126}" type="datetimeFigureOut">
               <a:rPr lang="en-US" dirty="0"/>
-              <a:t>10/20/2021</a:t>
+              <a:t>10/21/2021</a:t>
             </a:fld>
             <a:endParaRPr lang="en-US" dirty="0"/>
           </a:p>
@@ -6082,7 +6083,7 @@
           <a:p>
             <a:fld id="{48A87A34-81AB-432B-8DAE-1953F412C126}" type="datetimeFigureOut">
               <a:rPr lang="en-US" dirty="0"/>
-              <a:t>10/20/2021</a:t>
+              <a:t>10/21/2021</a:t>
             </a:fld>
             <a:endParaRPr lang="en-US" dirty="0"/>
           </a:p>
@@ -6797,7 +6798,7 @@
           <a:p>
             <a:fld id="{48A87A34-81AB-432B-8DAE-1953F412C126}" type="datetimeFigureOut">
               <a:rPr lang="en-US" dirty="0"/>
-              <a:t>10/20/2021</a:t>
+              <a:t>10/21/2021</a:t>
             </a:fld>
             <a:endParaRPr lang="en-US" dirty="0"/>
           </a:p>
@@ -6962,7 +6963,7 @@
           <a:p>
             <a:fld id="{48A87A34-81AB-432B-8DAE-1953F412C126}" type="datetimeFigureOut">
               <a:rPr lang="en-US" dirty="0"/>
-              <a:t>10/20/2021</a:t>
+              <a:t>10/21/2021</a:t>
             </a:fld>
             <a:endParaRPr lang="en-US" dirty="0"/>
           </a:p>
@@ -7137,7 +7138,7 @@
           <a:p>
             <a:fld id="{48A87A34-81AB-432B-8DAE-1953F412C126}" type="datetimeFigureOut">
               <a:rPr lang="en-US" dirty="0"/>
-              <a:t>10/20/2021</a:t>
+              <a:t>10/21/2021</a:t>
             </a:fld>
             <a:endParaRPr lang="en-US" dirty="0"/>
           </a:p>
@@ -7262,7 +7263,7 @@
             <a:fld id="{48A87A34-81AB-432B-8DAE-1953F412C126}" type="datetimeFigureOut">
               <a:rPr lang="en-US" smtClean="0"/>
               <a:pPr/>
-              <a:t>10/20/2021</a:t>
+              <a:t>10/21/2021</a:t>
             </a:fld>
             <a:endParaRPr lang="en-US" dirty="0"/>
           </a:p>
@@ -7445,7 +7446,7 @@
           <a:p>
             <a:fld id="{48A87A34-81AB-432B-8DAE-1953F412C126}" type="datetimeFigureOut">
               <a:rPr lang="en-US" dirty="0"/>
-              <a:t>10/20/2021</a:t>
+              <a:t>10/21/2021</a:t>
             </a:fld>
             <a:endParaRPr lang="en-US" dirty="0"/>
           </a:p>
@@ -7690,7 +7691,7 @@
           <a:p>
             <a:fld id="{48A87A34-81AB-432B-8DAE-1953F412C126}" type="datetimeFigureOut">
               <a:rPr lang="en-US" dirty="0"/>
-              <a:t>10/20/2021</a:t>
+              <a:t>10/21/2021</a:t>
             </a:fld>
             <a:endParaRPr lang="en-US" dirty="0"/>
           </a:p>
@@ -7917,7 +7918,7 @@
           <a:p>
             <a:fld id="{48A87A34-81AB-432B-8DAE-1953F412C126}" type="datetimeFigureOut">
               <a:rPr lang="en-US" dirty="0"/>
-              <a:t>10/20/2021</a:t>
+              <a:t>10/21/2021</a:t>
             </a:fld>
             <a:endParaRPr lang="en-US" dirty="0"/>
           </a:p>
@@ -8293,7 +8294,7 @@
           <a:p>
             <a:fld id="{48A87A34-81AB-432B-8DAE-1953F412C126}" type="datetimeFigureOut">
               <a:rPr lang="en-US" dirty="0"/>
-              <a:t>10/20/2021</a:t>
+              <a:t>10/21/2021</a:t>
             </a:fld>
             <a:endParaRPr lang="en-US" dirty="0"/>
           </a:p>
@@ -8406,7 +8407,7 @@
           <a:p>
             <a:fld id="{48A87A34-81AB-432B-8DAE-1953F412C126}" type="datetimeFigureOut">
               <a:rPr lang="en-US" dirty="0"/>
-              <a:t>10/20/2021</a:t>
+              <a:t>10/21/2021</a:t>
             </a:fld>
             <a:endParaRPr lang="en-US" dirty="0"/>
           </a:p>
@@ -8496,7 +8497,7 @@
           <a:p>
             <a:fld id="{48A87A34-81AB-432B-8DAE-1953F412C126}" type="datetimeFigureOut">
               <a:rPr lang="en-US" dirty="0"/>
-              <a:t>10/20/2021</a:t>
+              <a:t>10/21/2021</a:t>
             </a:fld>
             <a:endParaRPr lang="en-US" dirty="0"/>
           </a:p>
@@ -8740,7 +8741,7 @@
           <a:p>
             <a:fld id="{48A87A34-81AB-432B-8DAE-1953F412C126}" type="datetimeFigureOut">
               <a:rPr lang="en-US" dirty="0"/>
-              <a:t>10/20/2021</a:t>
+              <a:t>10/21/2021</a:t>
             </a:fld>
             <a:endParaRPr lang="en-US" dirty="0"/>
           </a:p>
@@ -9015,7 +9016,7 @@
           <a:p>
             <a:fld id="{48A87A34-81AB-432B-8DAE-1953F412C126}" type="datetimeFigureOut">
               <a:rPr lang="en-US" dirty="0"/>
-              <a:t>10/20/2021</a:t>
+              <a:t>10/21/2021</a:t>
             </a:fld>
             <a:endParaRPr lang="en-US" dirty="0"/>
           </a:p>
@@ -9126,7 +9127,7 @@
           <a:noFill/>
           <a:extLst>
             <a:ext uri="{909E8E84-426E-40dd-AFC4-6F175D3DCCD1}">
-              <a14:hiddenFill xmlns:a14="http://schemas.microsoft.com/office/drawing/2010/main" xmlns="">
+              <a14:hiddenFill xmlns="" xmlns:a14="http://schemas.microsoft.com/office/drawing/2010/main">
                 <a:solidFill>
                   <a:srgbClr val="FFFFFF"/>
                 </a:solidFill>
@@ -9200,7 +9201,7 @@
               </a:ln>
               <a:extLst>
                 <a:ext uri="{91240B29-F687-4f45-9708-019B960494DF}">
-                  <a14:hiddenLine xmlns:a14="http://schemas.microsoft.com/office/drawing/2010/main" xmlns="" w="9525">
+                  <a14:hiddenLine xmlns="" xmlns:a14="http://schemas.microsoft.com/office/drawing/2010/main" w="9525">
                     <a:solidFill>
                       <a:srgbClr val="000000"/>
                     </a:solidFill>
@@ -9290,7 +9291,7 @@
               </a:ln>
               <a:extLst>
                 <a:ext uri="{91240B29-F687-4f45-9708-019B960494DF}">
-                  <a14:hiddenLine xmlns:a14="http://schemas.microsoft.com/office/drawing/2010/main" xmlns="" w="9525">
+                  <a14:hiddenLine xmlns="" xmlns:a14="http://schemas.microsoft.com/office/drawing/2010/main" w="9525">
                     <a:solidFill>
                       <a:srgbClr val="000000"/>
                     </a:solidFill>
@@ -9380,7 +9381,7 @@
               </a:ln>
               <a:extLst>
                 <a:ext uri="{91240B29-F687-4f45-9708-019B960494DF}">
-                  <a14:hiddenLine xmlns:a14="http://schemas.microsoft.com/office/drawing/2010/main" xmlns="" w="9525">
+                  <a14:hiddenLine xmlns="" xmlns:a14="http://schemas.microsoft.com/office/drawing/2010/main" w="9525">
                     <a:solidFill>
                       <a:srgbClr val="000000"/>
                     </a:solidFill>
@@ -9442,7 +9443,7 @@
               </a:ln>
               <a:extLst>
                 <a:ext uri="{91240B29-F687-4f45-9708-019B960494DF}">
-                  <a14:hiddenLine xmlns:a14="http://schemas.microsoft.com/office/drawing/2010/main" xmlns="" w="9525">
+                  <a14:hiddenLine xmlns="" xmlns:a14="http://schemas.microsoft.com/office/drawing/2010/main" w="9525">
                     <a:solidFill>
                       <a:srgbClr val="000000"/>
                     </a:solidFill>
@@ -9532,7 +9533,7 @@
               </a:ln>
               <a:extLst>
                 <a:ext uri="{91240B29-F687-4f45-9708-019B960494DF}">
-                  <a14:hiddenLine xmlns:a14="http://schemas.microsoft.com/office/drawing/2010/main" xmlns="" w="9525">
+                  <a14:hiddenLine xmlns="" xmlns:a14="http://schemas.microsoft.com/office/drawing/2010/main" w="9525">
                     <a:solidFill>
                       <a:srgbClr val="000000"/>
                     </a:solidFill>
@@ -9594,7 +9595,7 @@
               </a:ln>
               <a:extLst>
                 <a:ext uri="{91240B29-F687-4f45-9708-019B960494DF}">
-                  <a14:hiddenLine xmlns:a14="http://schemas.microsoft.com/office/drawing/2010/main" xmlns="" w="9525">
+                  <a14:hiddenLine xmlns="" xmlns:a14="http://schemas.microsoft.com/office/drawing/2010/main" w="9525">
                     <a:solidFill>
                       <a:srgbClr val="000000"/>
                     </a:solidFill>
@@ -9656,7 +9657,7 @@
               </a:ln>
               <a:extLst>
                 <a:ext uri="{91240B29-F687-4f45-9708-019B960494DF}">
-                  <a14:hiddenLine xmlns:a14="http://schemas.microsoft.com/office/drawing/2010/main" xmlns="" w="9525">
+                  <a14:hiddenLine xmlns="" xmlns:a14="http://schemas.microsoft.com/office/drawing/2010/main" w="9525">
                     <a:solidFill>
                       <a:srgbClr val="000000"/>
                     </a:solidFill>
@@ -9746,7 +9747,7 @@
               </a:ln>
               <a:extLst>
                 <a:ext uri="{91240B29-F687-4f45-9708-019B960494DF}">
-                  <a14:hiddenLine xmlns:a14="http://schemas.microsoft.com/office/drawing/2010/main" xmlns="" w="9525">
+                  <a14:hiddenLine xmlns="" xmlns:a14="http://schemas.microsoft.com/office/drawing/2010/main" w="9525">
                     <a:solidFill>
                       <a:srgbClr val="000000"/>
                     </a:solidFill>
@@ -9836,7 +9837,7 @@
               </a:ln>
               <a:extLst>
                 <a:ext uri="{91240B29-F687-4f45-9708-019B960494DF}">
-                  <a14:hiddenLine xmlns:a14="http://schemas.microsoft.com/office/drawing/2010/main" xmlns="" w="9525">
+                  <a14:hiddenLine xmlns="" xmlns:a14="http://schemas.microsoft.com/office/drawing/2010/main" w="9525">
                     <a:solidFill>
                       <a:srgbClr val="000000"/>
                     </a:solidFill>
@@ -9898,7 +9899,7 @@
               </a:ln>
               <a:extLst>
                 <a:ext uri="{91240B29-F687-4f45-9708-019B960494DF}">
-                  <a14:hiddenLine xmlns:a14="http://schemas.microsoft.com/office/drawing/2010/main" xmlns="" w="9525">
+                  <a14:hiddenLine xmlns="" xmlns:a14="http://schemas.microsoft.com/office/drawing/2010/main" w="9525">
                     <a:solidFill>
                       <a:srgbClr val="000000"/>
                     </a:solidFill>
@@ -10008,7 +10009,7 @@
               </a:ln>
               <a:extLst>
                 <a:ext uri="{91240B29-F687-4f45-9708-019B960494DF}">
-                  <a14:hiddenLine xmlns:a14="http://schemas.microsoft.com/office/drawing/2010/main" xmlns="" w="9525">
+                  <a14:hiddenLine xmlns="" xmlns:a14="http://schemas.microsoft.com/office/drawing/2010/main" w="9525">
                     <a:solidFill>
                       <a:srgbClr val="000000"/>
                     </a:solidFill>
@@ -10092,7 +10093,7 @@
               </a:ln>
               <a:extLst>
                 <a:ext uri="{91240B29-F687-4f45-9708-019B960494DF}">
-                  <a14:hiddenLine xmlns:a14="http://schemas.microsoft.com/office/drawing/2010/main" xmlns="" w="9525">
+                  <a14:hiddenLine xmlns="" xmlns:a14="http://schemas.microsoft.com/office/drawing/2010/main" w="9525">
                     <a:solidFill>
                       <a:srgbClr val="000000"/>
                     </a:solidFill>
@@ -10154,7 +10155,7 @@
               </a:ln>
               <a:extLst>
                 <a:ext uri="{91240B29-F687-4f45-9708-019B960494DF}">
-                  <a14:hiddenLine xmlns:a14="http://schemas.microsoft.com/office/drawing/2010/main" xmlns="" w="9525">
+                  <a14:hiddenLine xmlns="" xmlns:a14="http://schemas.microsoft.com/office/drawing/2010/main" w="9525">
                     <a:solidFill>
                       <a:srgbClr val="000000"/>
                     </a:solidFill>
@@ -10216,7 +10217,7 @@
               </a:ln>
               <a:extLst>
                 <a:ext uri="{91240B29-F687-4f45-9708-019B960494DF}">
-                  <a14:hiddenLine xmlns:a14="http://schemas.microsoft.com/office/drawing/2010/main" xmlns="" w="9525">
+                  <a14:hiddenLine xmlns="" xmlns:a14="http://schemas.microsoft.com/office/drawing/2010/main" w="9525">
                     <a:solidFill>
                       <a:srgbClr val="000000"/>
                     </a:solidFill>
@@ -10306,7 +10307,7 @@
               </a:ln>
               <a:extLst>
                 <a:ext uri="{91240B29-F687-4f45-9708-019B960494DF}">
-                  <a14:hiddenLine xmlns:a14="http://schemas.microsoft.com/office/drawing/2010/main" xmlns="" w="9525">
+                  <a14:hiddenLine xmlns="" xmlns:a14="http://schemas.microsoft.com/office/drawing/2010/main" w="9525">
                     <a:solidFill>
                       <a:srgbClr val="000000"/>
                     </a:solidFill>
@@ -10340,7 +10341,7 @@
               </a:ln>
               <a:extLst>
                 <a:ext uri="{91240B29-F687-4f45-9708-019B960494DF}">
-                  <a14:hiddenLine xmlns:a14="http://schemas.microsoft.com/office/drawing/2010/main" xmlns="" w="9525">
+                  <a14:hiddenLine xmlns="" xmlns:a14="http://schemas.microsoft.com/office/drawing/2010/main" w="9525">
                     <a:solidFill>
                       <a:srgbClr val="000000"/>
                     </a:solidFill>
@@ -10405,7 +10406,7 @@
               </a:ln>
               <a:extLst>
                 <a:ext uri="{91240B29-F687-4f45-9708-019B960494DF}">
-                  <a14:hiddenLine xmlns:a14="http://schemas.microsoft.com/office/drawing/2010/main" xmlns="" w="9525">
+                  <a14:hiddenLine xmlns="" xmlns:a14="http://schemas.microsoft.com/office/drawing/2010/main" w="9525">
                     <a:solidFill>
                       <a:srgbClr val="000000"/>
                     </a:solidFill>
@@ -10495,7 +10496,7 @@
               </a:ln>
               <a:extLst>
                 <a:ext uri="{91240B29-F687-4f45-9708-019B960494DF}">
-                  <a14:hiddenLine xmlns:a14="http://schemas.microsoft.com/office/drawing/2010/main" xmlns="" w="9525">
+                  <a14:hiddenLine xmlns="" xmlns:a14="http://schemas.microsoft.com/office/drawing/2010/main" w="9525">
                     <a:solidFill>
                       <a:srgbClr val="000000"/>
                     </a:solidFill>
@@ -10557,7 +10558,7 @@
               </a:ln>
               <a:extLst>
                 <a:ext uri="{91240B29-F687-4f45-9708-019B960494DF}">
-                  <a14:hiddenLine xmlns:a14="http://schemas.microsoft.com/office/drawing/2010/main" xmlns="" w="9525">
+                  <a14:hiddenLine xmlns="" xmlns:a14="http://schemas.microsoft.com/office/drawing/2010/main" w="9525">
                     <a:solidFill>
                       <a:srgbClr val="000000"/>
                     </a:solidFill>
@@ -10647,7 +10648,7 @@
               </a:ln>
               <a:extLst>
                 <a:ext uri="{91240B29-F687-4f45-9708-019B960494DF}">
-                  <a14:hiddenLine xmlns:a14="http://schemas.microsoft.com/office/drawing/2010/main" xmlns="" w="9525">
+                  <a14:hiddenLine xmlns="" xmlns:a14="http://schemas.microsoft.com/office/drawing/2010/main" w="9525">
                     <a:solidFill>
                       <a:srgbClr val="000000"/>
                     </a:solidFill>
@@ -10712,7 +10713,7 @@
               </a:ln>
               <a:extLst>
                 <a:ext uri="{91240B29-F687-4f45-9708-019B960494DF}">
-                  <a14:hiddenLine xmlns:a14="http://schemas.microsoft.com/office/drawing/2010/main" xmlns="" w="9525">
+                  <a14:hiddenLine xmlns="" xmlns:a14="http://schemas.microsoft.com/office/drawing/2010/main" w="9525">
                     <a:solidFill>
                       <a:srgbClr val="000000"/>
                     </a:solidFill>
@@ -10774,7 +10775,7 @@
               </a:ln>
               <a:extLst>
                 <a:ext uri="{91240B29-F687-4f45-9708-019B960494DF}">
-                  <a14:hiddenLine xmlns:a14="http://schemas.microsoft.com/office/drawing/2010/main" xmlns="" w="9525">
+                  <a14:hiddenLine xmlns="" xmlns:a14="http://schemas.microsoft.com/office/drawing/2010/main" w="9525">
                     <a:solidFill>
                       <a:srgbClr val="000000"/>
                     </a:solidFill>
@@ -10864,7 +10865,7 @@
               </a:ln>
               <a:extLst>
                 <a:ext uri="{91240B29-F687-4f45-9708-019B960494DF}">
-                  <a14:hiddenLine xmlns:a14="http://schemas.microsoft.com/office/drawing/2010/main" xmlns="" w="9525">
+                  <a14:hiddenLine xmlns="" xmlns:a14="http://schemas.microsoft.com/office/drawing/2010/main" w="9525">
                     <a:solidFill>
                       <a:srgbClr val="000000"/>
                     </a:solidFill>
@@ -10954,7 +10955,7 @@
               </a:ln>
               <a:extLst>
                 <a:ext uri="{91240B29-F687-4f45-9708-019B960494DF}">
-                  <a14:hiddenLine xmlns:a14="http://schemas.microsoft.com/office/drawing/2010/main" xmlns="" w="9525">
+                  <a14:hiddenLine xmlns="" xmlns:a14="http://schemas.microsoft.com/office/drawing/2010/main" w="9525">
                     <a:solidFill>
                       <a:srgbClr val="000000"/>
                     </a:solidFill>
@@ -11019,7 +11020,7 @@
               </a:ln>
               <a:extLst>
                 <a:ext uri="{91240B29-F687-4f45-9708-019B960494DF}">
-                  <a14:hiddenLine xmlns:a14="http://schemas.microsoft.com/office/drawing/2010/main" xmlns="" w="9525">
+                  <a14:hiddenLine xmlns="" xmlns:a14="http://schemas.microsoft.com/office/drawing/2010/main" w="9525">
                     <a:solidFill>
                       <a:srgbClr val="000000"/>
                     </a:solidFill>
@@ -11139,7 +11140,7 @@
               </a:ln>
               <a:extLst>
                 <a:ext uri="{91240B29-F687-4f45-9708-019B960494DF}">
-                  <a14:hiddenLine xmlns:a14="http://schemas.microsoft.com/office/drawing/2010/main" xmlns="" w="9525">
+                  <a14:hiddenLine xmlns="" xmlns:a14="http://schemas.microsoft.com/office/drawing/2010/main" w="9525">
                     <a:solidFill>
                       <a:srgbClr val="000000"/>
                     </a:solidFill>
@@ -11237,7 +11238,7 @@
               </a:ln>
               <a:extLst>
                 <a:ext uri="{91240B29-F687-4f45-9708-019B960494DF}">
-                  <a14:hiddenLine xmlns:a14="http://schemas.microsoft.com/office/drawing/2010/main" xmlns="" w="9525">
+                  <a14:hiddenLine xmlns="" xmlns:a14="http://schemas.microsoft.com/office/drawing/2010/main" w="9525">
                     <a:solidFill>
                       <a:srgbClr val="000000"/>
                     </a:solidFill>
@@ -11352,7 +11353,7 @@
               </a:ln>
               <a:extLst>
                 <a:ext uri="{91240B29-F687-4f45-9708-019B960494DF}">
-                  <a14:hiddenLine xmlns:a14="http://schemas.microsoft.com/office/drawing/2010/main" xmlns="" w="9525">
+                  <a14:hiddenLine xmlns="" xmlns:a14="http://schemas.microsoft.com/office/drawing/2010/main" w="9525">
                     <a:solidFill>
                       <a:srgbClr val="000000"/>
                     </a:solidFill>
@@ -11442,7 +11443,7 @@
               </a:ln>
               <a:extLst>
                 <a:ext uri="{91240B29-F687-4f45-9708-019B960494DF}">
-                  <a14:hiddenLine xmlns:a14="http://schemas.microsoft.com/office/drawing/2010/main" xmlns="" w="9525">
+                  <a14:hiddenLine xmlns="" xmlns:a14="http://schemas.microsoft.com/office/drawing/2010/main" w="9525">
                     <a:solidFill>
                       <a:srgbClr val="000000"/>
                     </a:solidFill>
@@ -11507,7 +11508,7 @@
               </a:ln>
               <a:extLst>
                 <a:ext uri="{91240B29-F687-4f45-9708-019B960494DF}">
-                  <a14:hiddenLine xmlns:a14="http://schemas.microsoft.com/office/drawing/2010/main" xmlns="" w="9525">
+                  <a14:hiddenLine xmlns="" xmlns:a14="http://schemas.microsoft.com/office/drawing/2010/main" w="9525">
                     <a:solidFill>
                       <a:srgbClr val="000000"/>
                     </a:solidFill>
@@ -11597,7 +11598,7 @@
               </a:ln>
               <a:extLst>
                 <a:ext uri="{91240B29-F687-4f45-9708-019B960494DF}">
-                  <a14:hiddenLine xmlns:a14="http://schemas.microsoft.com/office/drawing/2010/main" xmlns="" w="9525">
+                  <a14:hiddenLine xmlns="" xmlns:a14="http://schemas.microsoft.com/office/drawing/2010/main" w="9525">
                     <a:solidFill>
                       <a:srgbClr val="000000"/>
                     </a:solidFill>
@@ -11665,7 +11666,7 @@
               </a:ln>
               <a:extLst>
                 <a:ext uri="{91240B29-F687-4f45-9708-019B960494DF}">
-                  <a14:hiddenLine xmlns:a14="http://schemas.microsoft.com/office/drawing/2010/main" xmlns="" w="9525">
+                  <a14:hiddenLine xmlns="" xmlns:a14="http://schemas.microsoft.com/office/drawing/2010/main" w="9525">
                     <a:solidFill>
                       <a:srgbClr val="000000"/>
                     </a:solidFill>
@@ -11755,7 +11756,7 @@
               </a:ln>
               <a:extLst>
                 <a:ext uri="{91240B29-F687-4f45-9708-019B960494DF}">
-                  <a14:hiddenLine xmlns:a14="http://schemas.microsoft.com/office/drawing/2010/main" xmlns="" w="9525">
+                  <a14:hiddenLine xmlns="" xmlns:a14="http://schemas.microsoft.com/office/drawing/2010/main" w="9525">
                     <a:solidFill>
                       <a:srgbClr val="000000"/>
                     </a:solidFill>
@@ -11823,7 +11824,7 @@
               </a:ln>
               <a:extLst>
                 <a:ext uri="{91240B29-F687-4f45-9708-019B960494DF}">
-                  <a14:hiddenLine xmlns:a14="http://schemas.microsoft.com/office/drawing/2010/main" xmlns="" w="9525">
+                  <a14:hiddenLine xmlns="" xmlns:a14="http://schemas.microsoft.com/office/drawing/2010/main" w="9525">
                     <a:solidFill>
                       <a:srgbClr val="000000"/>
                     </a:solidFill>
@@ -11913,7 +11914,7 @@
               </a:ln>
               <a:extLst>
                 <a:ext uri="{91240B29-F687-4f45-9708-019B960494DF}">
-                  <a14:hiddenLine xmlns:a14="http://schemas.microsoft.com/office/drawing/2010/main" xmlns="" w="9525">
+                  <a14:hiddenLine xmlns="" xmlns:a14="http://schemas.microsoft.com/office/drawing/2010/main" w="9525">
                     <a:solidFill>
                       <a:srgbClr val="000000"/>
                     </a:solidFill>
@@ -11947,7 +11948,7 @@
               </a:ln>
               <a:extLst>
                 <a:ext uri="{91240B29-F687-4f45-9708-019B960494DF}">
-                  <a14:hiddenLine xmlns:a14="http://schemas.microsoft.com/office/drawing/2010/main" xmlns="" w="9525">
+                  <a14:hiddenLine xmlns="" xmlns:a14="http://schemas.microsoft.com/office/drawing/2010/main" w="9525">
                     <a:solidFill>
                       <a:srgbClr val="000000"/>
                     </a:solidFill>
@@ -12088,7 +12089,7 @@
             <a:fld id="{48A87A34-81AB-432B-8DAE-1953F412C126}" type="datetimeFigureOut">
               <a:rPr lang="en-US" dirty="0"/>
               <a:pPr/>
-              <a:t>10/20/2021</a:t>
+              <a:t>10/21/2021</a:t>
             </a:fld>
             <a:endParaRPr lang="en-US" dirty="0"/>
           </a:p>
@@ -16153,6 +16154,122 @@
 </p:sld>
 </file>
 
+<file path=ppt/slides/slide15.xml><?xml version="1.0" encoding="utf-8"?>
+<p:sld xmlns:a="http://schemas.openxmlformats.org/drawingml/2006/main" xmlns:r="http://schemas.openxmlformats.org/officeDocument/2006/relationships" xmlns:p="http://schemas.openxmlformats.org/presentationml/2006/main">
+  <p:cSld>
+    <p:spTree>
+      <p:nvGrpSpPr>
+        <p:cNvPr id="1" name=""/>
+        <p:cNvGrpSpPr/>
+        <p:nvPr/>
+      </p:nvGrpSpPr>
+      <p:grpSpPr>
+        <a:xfrm>
+          <a:off x="0" y="0"/>
+          <a:ext cx="0" cy="0"/>
+          <a:chOff x="0" y="0"/>
+          <a:chExt cx="0" cy="0"/>
+        </a:xfrm>
+      </p:grpSpPr>
+      <p:sp>
+        <p:nvSpPr>
+          <p:cNvPr id="3" name="Объект 2">
+            <a:extLst>
+              <a:ext uri="{FF2B5EF4-FFF2-40B4-BE49-F238E27FC236}">
+                <a16:creationId xmlns:a16="http://schemas.microsoft.com/office/drawing/2014/main" id="{4172303B-0162-4B01-A614-D5B4B5046DF8}"/>
+              </a:ext>
+            </a:extLst>
+          </p:cNvPr>
+          <p:cNvSpPr>
+            <a:spLocks noGrp="1"/>
+          </p:cNvSpPr>
+          <p:nvPr>
+            <p:ph idx="1"/>
+          </p:nvPr>
+        </p:nvSpPr>
+        <p:spPr>
+          <a:xfrm>
+            <a:off x="636445" y="502573"/>
+            <a:ext cx="9905999" cy="3541714"/>
+          </a:xfrm>
+        </p:spPr>
+        <p:txBody>
+          <a:bodyPr/>
+          <a:lstStyle/>
+          <a:p>
+            <a:r>
+              <a:rPr lang="ru-RU" dirty="0"/>
+              <a:t>Также создаём в проекте папку </a:t>
+            </a:r>
+            <a:r>
+              <a:rPr lang="en-US" dirty="0"/>
+              <a:t>sites, </a:t>
+            </a:r>
+            <a:r>
+              <a:rPr lang="ru-RU" dirty="0"/>
+              <a:t>а в ней файл </a:t>
+            </a:r>
+            <a:r>
+              <a:rPr lang="en-US" dirty="0"/>
+              <a:t>site.css</a:t>
+            </a:r>
+            <a:r>
+              <a:rPr lang="ru-RU" dirty="0"/>
+              <a:t>. Это </a:t>
+            </a:r>
+            <a:r>
+              <a:rPr lang="en-US" dirty="0"/>
+              <a:t>css </a:t>
+            </a:r>
+            <a:r>
+              <a:rPr lang="ru-RU" dirty="0"/>
+              <a:t>файл, который нужен для задания стилей к элементам веб страницы.</a:t>
+            </a:r>
+            <a:endParaRPr lang="en-US" dirty="0"/>
+          </a:p>
+          <a:p>
+            <a:r>
+              <a:rPr lang="ru-RU" dirty="0"/>
+              <a:t>Создаём папку </a:t>
+            </a:r>
+            <a:r>
+              <a:rPr lang="en-US" dirty="0"/>
+              <a:t>images, </a:t>
+            </a:r>
+            <a:r>
+              <a:rPr lang="ru-RU" dirty="0"/>
+              <a:t>в которой будут хранится изображения</a:t>
+            </a:r>
+          </a:p>
+          <a:p>
+            <a:r>
+              <a:rPr lang="ru-RU" dirty="0"/>
+              <a:t>Создаём папку </a:t>
+            </a:r>
+            <a:r>
+              <a:rPr lang="en-US" dirty="0"/>
+              <a:t>fonts, </a:t>
+            </a:r>
+            <a:r>
+              <a:rPr lang="ru-RU" dirty="0"/>
+              <a:t>в которой будут хранится шрифты</a:t>
+            </a:r>
+          </a:p>
+        </p:txBody>
+      </p:sp>
+    </p:spTree>
+    <p:extLst>
+      <p:ext uri="{BB962C8B-B14F-4D97-AF65-F5344CB8AC3E}">
+        <p14:creationId xmlns:p14="http://schemas.microsoft.com/office/powerpoint/2010/main" val="1773194327"/>
+      </p:ext>
+    </p:extLst>
+  </p:cSld>
+  <p:clrMapOvr>
+    <a:masterClrMapping/>
+  </p:clrMapOvr>
+</p:sld>
+</file>
+
 <file path=ppt/slides/slide2.xml><?xml version="1.0" encoding="utf-8"?>
 <p:sld xmlns:a="http://schemas.openxmlformats.org/drawingml/2006/main" xmlns:r="http://schemas.openxmlformats.org/officeDocument/2006/relationships" xmlns:p="http://schemas.openxmlformats.org/presentationml/2006/main">
   <p:cSld>
